--- a/example_flow.pptx
+++ b/example_flow.pptx
@@ -2,19 +2,19 @@
 <file path=ppt/presentation.xml><?xml version="1.0" encoding="utf-8"?>
 <p:presentation xmlns:a="http://schemas.openxmlformats.org/drawingml/2006/main" xmlns:r="http://schemas.openxmlformats.org/officeDocument/2006/relationships" xmlns:p="http://schemas.openxmlformats.org/presentationml/2006/main" saveSubsetFonts="1" autoCompressPictures="0">
   <p:sldMasterIdLst>
-    <p:sldMasterId id="2147483648" r:id="rId1"/>
+    <p:sldMasterId id="2147483660" r:id="rId1"/>
   </p:sldMasterIdLst>
   <p:sldIdLst>
     <p:sldId id="256" r:id="rId2"/>
   </p:sldIdLst>
-  <p:sldSz cx="12192000" cy="6858000"/>
+  <p:sldSz cx="13716000" cy="13716000"/>
   <p:notesSz cx="6858000" cy="9144000"/>
   <p:defaultTextStyle>
     <a:defPPr>
       <a:defRPr lang="en-US"/>
     </a:defPPr>
-    <a:lvl1pPr marL="0" algn="l" defTabSz="914400" rtl="0" eaLnBrk="1" latinLnBrk="0" hangingPunct="1">
-      <a:defRPr sz="1800" kern="1200">
+    <a:lvl1pPr marL="0" algn="l" defTabSz="1316736" rtl="0" eaLnBrk="1" latinLnBrk="0" hangingPunct="1">
+      <a:defRPr sz="2592" kern="1200">
         <a:solidFill>
           <a:schemeClr val="tx1"/>
         </a:solidFill>
@@ -23,8 +23,8 @@
         <a:cs typeface="+mn-cs"/>
       </a:defRPr>
     </a:lvl1pPr>
-    <a:lvl2pPr marL="457200" algn="l" defTabSz="914400" rtl="0" eaLnBrk="1" latinLnBrk="0" hangingPunct="1">
-      <a:defRPr sz="1800" kern="1200">
+    <a:lvl2pPr marL="658368" algn="l" defTabSz="1316736" rtl="0" eaLnBrk="1" latinLnBrk="0" hangingPunct="1">
+      <a:defRPr sz="2592" kern="1200">
         <a:solidFill>
           <a:schemeClr val="tx1"/>
         </a:solidFill>
@@ -33,8 +33,8 @@
         <a:cs typeface="+mn-cs"/>
       </a:defRPr>
     </a:lvl2pPr>
-    <a:lvl3pPr marL="914400" algn="l" defTabSz="914400" rtl="0" eaLnBrk="1" latinLnBrk="0" hangingPunct="1">
-      <a:defRPr sz="1800" kern="1200">
+    <a:lvl3pPr marL="1316736" algn="l" defTabSz="1316736" rtl="0" eaLnBrk="1" latinLnBrk="0" hangingPunct="1">
+      <a:defRPr sz="2592" kern="1200">
         <a:solidFill>
           <a:schemeClr val="tx1"/>
         </a:solidFill>
@@ -43,8 +43,8 @@
         <a:cs typeface="+mn-cs"/>
       </a:defRPr>
     </a:lvl3pPr>
-    <a:lvl4pPr marL="1371600" algn="l" defTabSz="914400" rtl="0" eaLnBrk="1" latinLnBrk="0" hangingPunct="1">
-      <a:defRPr sz="1800" kern="1200">
+    <a:lvl4pPr marL="1975104" algn="l" defTabSz="1316736" rtl="0" eaLnBrk="1" latinLnBrk="0" hangingPunct="1">
+      <a:defRPr sz="2592" kern="1200">
         <a:solidFill>
           <a:schemeClr val="tx1"/>
         </a:solidFill>
@@ -53,8 +53,8 @@
         <a:cs typeface="+mn-cs"/>
       </a:defRPr>
     </a:lvl4pPr>
-    <a:lvl5pPr marL="1828800" algn="l" defTabSz="914400" rtl="0" eaLnBrk="1" latinLnBrk="0" hangingPunct="1">
-      <a:defRPr sz="1800" kern="1200">
+    <a:lvl5pPr marL="2633472" algn="l" defTabSz="1316736" rtl="0" eaLnBrk="1" latinLnBrk="0" hangingPunct="1">
+      <a:defRPr sz="2592" kern="1200">
         <a:solidFill>
           <a:schemeClr val="tx1"/>
         </a:solidFill>
@@ -63,8 +63,8 @@
         <a:cs typeface="+mn-cs"/>
       </a:defRPr>
     </a:lvl5pPr>
-    <a:lvl6pPr marL="2286000" algn="l" defTabSz="914400" rtl="0" eaLnBrk="1" latinLnBrk="0" hangingPunct="1">
-      <a:defRPr sz="1800" kern="1200">
+    <a:lvl6pPr marL="3291840" algn="l" defTabSz="1316736" rtl="0" eaLnBrk="1" latinLnBrk="0" hangingPunct="1">
+      <a:defRPr sz="2592" kern="1200">
         <a:solidFill>
           <a:schemeClr val="tx1"/>
         </a:solidFill>
@@ -73,8 +73,8 @@
         <a:cs typeface="+mn-cs"/>
       </a:defRPr>
     </a:lvl6pPr>
-    <a:lvl7pPr marL="2743200" algn="l" defTabSz="914400" rtl="0" eaLnBrk="1" latinLnBrk="0" hangingPunct="1">
-      <a:defRPr sz="1800" kern="1200">
+    <a:lvl7pPr marL="3950208" algn="l" defTabSz="1316736" rtl="0" eaLnBrk="1" latinLnBrk="0" hangingPunct="1">
+      <a:defRPr sz="2592" kern="1200">
         <a:solidFill>
           <a:schemeClr val="tx1"/>
         </a:solidFill>
@@ -83,8 +83,8 @@
         <a:cs typeface="+mn-cs"/>
       </a:defRPr>
     </a:lvl7pPr>
-    <a:lvl8pPr marL="3200400" algn="l" defTabSz="914400" rtl="0" eaLnBrk="1" latinLnBrk="0" hangingPunct="1">
-      <a:defRPr sz="1800" kern="1200">
+    <a:lvl8pPr marL="4608576" algn="l" defTabSz="1316736" rtl="0" eaLnBrk="1" latinLnBrk="0" hangingPunct="1">
+      <a:defRPr sz="2592" kern="1200">
         <a:solidFill>
           <a:schemeClr val="tx1"/>
         </a:solidFill>
@@ -93,8 +93,8 @@
         <a:cs typeface="+mn-cs"/>
       </a:defRPr>
     </a:lvl8pPr>
-    <a:lvl9pPr marL="3657600" algn="l" defTabSz="914400" rtl="0" eaLnBrk="1" latinLnBrk="0" hangingPunct="1">
-      <a:defRPr sz="1800" kern="1200">
+    <a:lvl9pPr marL="5266944" algn="l" defTabSz="1316736" rtl="0" eaLnBrk="1" latinLnBrk="0" hangingPunct="1">
+      <a:defRPr sz="2592" kern="1200">
         <a:solidFill>
           <a:schemeClr val="tx1"/>
         </a:solidFill>
@@ -104,6 +104,11 @@
       </a:defRPr>
     </a:lvl9pPr>
   </p:defaultTextStyle>
+  <p:extLst>
+    <p:ext uri="{EFAFB233-063F-42B5-8137-9DF3F51BA10A}">
+      <p15:sldGuideLst xmlns:p15="http://schemas.microsoft.com/office/powerpoint/2012/main"/>
+    </p:ext>
+  </p:extLst>
 </p:presentation>
 </file>
 
@@ -136,15 +141,15 @@
         </p:nvSpPr>
         <p:spPr>
           <a:xfrm>
-            <a:off x="1524000" y="1122363"/>
-            <a:ext cx="9144000" cy="2387600"/>
+            <a:off x="1028700" y="2244726"/>
+            <a:ext cx="11658600" cy="4775200"/>
           </a:xfrm>
         </p:spPr>
         <p:txBody>
           <a:bodyPr anchor="b"/>
           <a:lstStyle>
             <a:lvl1pPr algn="ctr">
-              <a:defRPr sz="6000"/>
+              <a:defRPr sz="9000"/>
             </a:lvl1pPr>
           </a:lstStyle>
           <a:p>
@@ -152,7 +157,7 @@
               <a:rPr lang="en-US" smtClean="0"/>
               <a:t>Click to edit Master title style</a:t>
             </a:r>
-            <a:endParaRPr lang="en-US"/>
+            <a:endParaRPr lang="en-US" dirty="0"/>
           </a:p>
         </p:txBody>
       </p:sp>
@@ -168,8 +173,8 @@
         </p:nvSpPr>
         <p:spPr>
           <a:xfrm>
-            <a:off x="1524000" y="3602038"/>
-            <a:ext cx="9144000" cy="1655762"/>
+            <a:off x="1714500" y="7204076"/>
+            <a:ext cx="10287000" cy="3311524"/>
           </a:xfrm>
         </p:spPr>
         <p:txBody>
@@ -177,39 +182,39 @@
           <a:lstStyle>
             <a:lvl1pPr marL="0" indent="0" algn="ctr">
               <a:buNone/>
+              <a:defRPr sz="3600"/>
+            </a:lvl1pPr>
+            <a:lvl2pPr marL="685800" indent="0" algn="ctr">
+              <a:buNone/>
+              <a:defRPr sz="3000"/>
+            </a:lvl2pPr>
+            <a:lvl3pPr marL="1371600" indent="0" algn="ctr">
+              <a:buNone/>
+              <a:defRPr sz="2700"/>
+            </a:lvl3pPr>
+            <a:lvl4pPr marL="2057400" indent="0" algn="ctr">
+              <a:buNone/>
               <a:defRPr sz="2400"/>
-            </a:lvl1pPr>
-            <a:lvl2pPr marL="457200" indent="0" algn="ctr">
+            </a:lvl4pPr>
+            <a:lvl5pPr marL="2743200" indent="0" algn="ctr">
               <a:buNone/>
-              <a:defRPr sz="2000"/>
-            </a:lvl2pPr>
-            <a:lvl3pPr marL="914400" indent="0" algn="ctr">
+              <a:defRPr sz="2400"/>
+            </a:lvl5pPr>
+            <a:lvl6pPr marL="3429000" indent="0" algn="ctr">
               <a:buNone/>
-              <a:defRPr sz="1800"/>
-            </a:lvl3pPr>
-            <a:lvl4pPr marL="1371600" indent="0" algn="ctr">
+              <a:defRPr sz="2400"/>
+            </a:lvl6pPr>
+            <a:lvl7pPr marL="4114800" indent="0" algn="ctr">
               <a:buNone/>
-              <a:defRPr sz="1600"/>
-            </a:lvl4pPr>
-            <a:lvl5pPr marL="1828800" indent="0" algn="ctr">
+              <a:defRPr sz="2400"/>
+            </a:lvl7pPr>
+            <a:lvl8pPr marL="4800600" indent="0" algn="ctr">
               <a:buNone/>
-              <a:defRPr sz="1600"/>
-            </a:lvl5pPr>
-            <a:lvl6pPr marL="2286000" indent="0" algn="ctr">
+              <a:defRPr sz="2400"/>
+            </a:lvl8pPr>
+            <a:lvl9pPr marL="5486400" indent="0" algn="ctr">
               <a:buNone/>
-              <a:defRPr sz="1600"/>
-            </a:lvl6pPr>
-            <a:lvl7pPr marL="2743200" indent="0" algn="ctr">
-              <a:buNone/>
-              <a:defRPr sz="1600"/>
-            </a:lvl7pPr>
-            <a:lvl8pPr marL="3200400" indent="0" algn="ctr">
-              <a:buNone/>
-              <a:defRPr sz="1600"/>
-            </a:lvl8pPr>
-            <a:lvl9pPr marL="3657600" indent="0" algn="ctr">
-              <a:buNone/>
-              <a:defRPr sz="1600"/>
+              <a:defRPr sz="2400"/>
             </a:lvl9pPr>
           </a:lstStyle>
           <a:p>
@@ -217,7 +222,7 @@
               <a:rPr lang="en-US" smtClean="0"/>
               <a:t>Click to edit Master subtitle style</a:t>
             </a:r>
-            <a:endParaRPr lang="en-US"/>
+            <a:endParaRPr lang="en-US" dirty="0"/>
           </a:p>
         </p:txBody>
       </p:sp>
@@ -289,7 +294,7 @@
     </p:spTree>
     <p:extLst>
       <p:ext uri="{BB962C8B-B14F-4D97-AF65-F5344CB8AC3E}">
-        <p14:creationId xmlns:p14="http://schemas.microsoft.com/office/powerpoint/2010/main" val="643152493"/>
+        <p14:creationId xmlns:p14="http://schemas.microsoft.com/office/powerpoint/2010/main" val="985812077"/>
       </p:ext>
     </p:extLst>
   </p:cSld>
@@ -335,7 +340,7 @@
               <a:rPr lang="en-US" smtClean="0"/>
               <a:t>Click to edit Master title style</a:t>
             </a:r>
-            <a:endParaRPr lang="en-US"/>
+            <a:endParaRPr lang="en-US" dirty="0"/>
           </a:p>
         </p:txBody>
       </p:sp>
@@ -387,7 +392,7 @@
               <a:rPr lang="en-US" smtClean="0"/>
               <a:t>Fifth level</a:t>
             </a:r>
-            <a:endParaRPr lang="en-US"/>
+            <a:endParaRPr lang="en-US" dirty="0"/>
           </a:p>
         </p:txBody>
       </p:sp>
@@ -459,7 +464,7 @@
     </p:spTree>
     <p:extLst>
       <p:ext uri="{BB962C8B-B14F-4D97-AF65-F5344CB8AC3E}">
-        <p14:creationId xmlns:p14="http://schemas.microsoft.com/office/powerpoint/2010/main" val="991934968"/>
+        <p14:creationId xmlns:p14="http://schemas.microsoft.com/office/powerpoint/2010/main" val="1581461871"/>
       </p:ext>
     </p:extLst>
   </p:cSld>
@@ -498,8 +503,8 @@
         </p:nvSpPr>
         <p:spPr>
           <a:xfrm>
-            <a:off x="8724900" y="365125"/>
-            <a:ext cx="2628900" cy="5811838"/>
+            <a:off x="9815513" y="730250"/>
+            <a:ext cx="2957513" cy="11623676"/>
           </a:xfrm>
         </p:spPr>
         <p:txBody>
@@ -510,7 +515,7 @@
               <a:rPr lang="en-US" smtClean="0"/>
               <a:t>Click to edit Master title style</a:t>
             </a:r>
-            <a:endParaRPr lang="en-US"/>
+            <a:endParaRPr lang="en-US" dirty="0"/>
           </a:p>
         </p:txBody>
       </p:sp>
@@ -526,8 +531,8 @@
         </p:nvSpPr>
         <p:spPr>
           <a:xfrm>
-            <a:off x="838200" y="365125"/>
-            <a:ext cx="7734300" cy="5811838"/>
+            <a:off x="942976" y="730250"/>
+            <a:ext cx="8701088" cy="11623676"/>
           </a:xfrm>
         </p:spPr>
         <p:txBody>
@@ -567,7 +572,7 @@
               <a:rPr lang="en-US" smtClean="0"/>
               <a:t>Fifth level</a:t>
             </a:r>
-            <a:endParaRPr lang="en-US"/>
+            <a:endParaRPr lang="en-US" dirty="0"/>
           </a:p>
         </p:txBody>
       </p:sp>
@@ -639,7 +644,7 @@
     </p:spTree>
     <p:extLst>
       <p:ext uri="{BB962C8B-B14F-4D97-AF65-F5344CB8AC3E}">
-        <p14:creationId xmlns:p14="http://schemas.microsoft.com/office/powerpoint/2010/main" val="535455515"/>
+        <p14:creationId xmlns:p14="http://schemas.microsoft.com/office/powerpoint/2010/main" val="224566978"/>
       </p:ext>
     </p:extLst>
   </p:cSld>
@@ -685,7 +690,7 @@
               <a:rPr lang="en-US" smtClean="0"/>
               <a:t>Click to edit Master title style</a:t>
             </a:r>
-            <a:endParaRPr lang="en-US"/>
+            <a:endParaRPr lang="en-US" dirty="0"/>
           </a:p>
         </p:txBody>
       </p:sp>
@@ -737,7 +742,7 @@
               <a:rPr lang="en-US" smtClean="0"/>
               <a:t>Fifth level</a:t>
             </a:r>
-            <a:endParaRPr lang="en-US"/>
+            <a:endParaRPr lang="en-US" dirty="0"/>
           </a:p>
         </p:txBody>
       </p:sp>
@@ -809,7 +814,7 @@
     </p:spTree>
     <p:extLst>
       <p:ext uri="{BB962C8B-B14F-4D97-AF65-F5344CB8AC3E}">
-        <p14:creationId xmlns:p14="http://schemas.microsoft.com/office/powerpoint/2010/main" val="1870580086"/>
+        <p14:creationId xmlns:p14="http://schemas.microsoft.com/office/powerpoint/2010/main" val="707241534"/>
       </p:ext>
     </p:extLst>
   </p:cSld>
@@ -848,15 +853,15 @@
         </p:nvSpPr>
         <p:spPr>
           <a:xfrm>
-            <a:off x="831850" y="1709738"/>
-            <a:ext cx="10515600" cy="2852737"/>
+            <a:off x="935832" y="3419479"/>
+            <a:ext cx="11830050" cy="5705474"/>
           </a:xfrm>
         </p:spPr>
         <p:txBody>
           <a:bodyPr anchor="b"/>
           <a:lstStyle>
             <a:lvl1pPr>
-              <a:defRPr sz="6000"/>
+              <a:defRPr sz="9000"/>
             </a:lvl1pPr>
           </a:lstStyle>
           <a:p>
@@ -864,7 +869,7 @@
               <a:rPr lang="en-US" smtClean="0"/>
               <a:t>Click to edit Master title style</a:t>
             </a:r>
-            <a:endParaRPr lang="en-US"/>
+            <a:endParaRPr lang="en-US" dirty="0"/>
           </a:p>
         </p:txBody>
       </p:sp>
@@ -880,14 +885,42 @@
         </p:nvSpPr>
         <p:spPr>
           <a:xfrm>
-            <a:off x="831850" y="4589463"/>
-            <a:ext cx="10515600" cy="1500187"/>
+            <a:off x="935832" y="9178929"/>
+            <a:ext cx="11830050" cy="3000374"/>
           </a:xfrm>
         </p:spPr>
         <p:txBody>
           <a:bodyPr/>
           <a:lstStyle>
             <a:lvl1pPr marL="0" indent="0">
+              <a:buNone/>
+              <a:defRPr sz="3600">
+                <a:solidFill>
+                  <a:schemeClr val="tx1"/>
+                </a:solidFill>
+              </a:defRPr>
+            </a:lvl1pPr>
+            <a:lvl2pPr marL="685800" indent="0">
+              <a:buNone/>
+              <a:defRPr sz="3000">
+                <a:solidFill>
+                  <a:schemeClr val="tx1">
+                    <a:tint val="75000"/>
+                  </a:schemeClr>
+                </a:solidFill>
+              </a:defRPr>
+            </a:lvl2pPr>
+            <a:lvl3pPr marL="1371600" indent="0">
+              <a:buNone/>
+              <a:defRPr sz="2700">
+                <a:solidFill>
+                  <a:schemeClr val="tx1">
+                    <a:tint val="75000"/>
+                  </a:schemeClr>
+                </a:solidFill>
+              </a:defRPr>
+            </a:lvl3pPr>
+            <a:lvl4pPr marL="2057400" indent="0">
               <a:buNone/>
               <a:defRPr sz="2400">
                 <a:solidFill>
@@ -896,40 +929,10 @@
                   </a:schemeClr>
                 </a:solidFill>
               </a:defRPr>
-            </a:lvl1pPr>
-            <a:lvl2pPr marL="457200" indent="0">
+            </a:lvl4pPr>
+            <a:lvl5pPr marL="2743200" indent="0">
               <a:buNone/>
-              <a:defRPr sz="2000">
-                <a:solidFill>
-                  <a:schemeClr val="tx1">
-                    <a:tint val="75000"/>
-                  </a:schemeClr>
-                </a:solidFill>
-              </a:defRPr>
-            </a:lvl2pPr>
-            <a:lvl3pPr marL="914400" indent="0">
-              <a:buNone/>
-              <a:defRPr sz="1800">
-                <a:solidFill>
-                  <a:schemeClr val="tx1">
-                    <a:tint val="75000"/>
-                  </a:schemeClr>
-                </a:solidFill>
-              </a:defRPr>
-            </a:lvl3pPr>
-            <a:lvl4pPr marL="1371600" indent="0">
-              <a:buNone/>
-              <a:defRPr sz="1600">
-                <a:solidFill>
-                  <a:schemeClr val="tx1">
-                    <a:tint val="75000"/>
-                  </a:schemeClr>
-                </a:solidFill>
-              </a:defRPr>
-            </a:lvl4pPr>
-            <a:lvl5pPr marL="1828800" indent="0">
-              <a:buNone/>
-              <a:defRPr sz="1600">
+              <a:defRPr sz="2400">
                 <a:solidFill>
                   <a:schemeClr val="tx1">
                     <a:tint val="75000"/>
@@ -937,9 +940,9 @@
                 </a:solidFill>
               </a:defRPr>
             </a:lvl5pPr>
-            <a:lvl6pPr marL="2286000" indent="0">
+            <a:lvl6pPr marL="3429000" indent="0">
               <a:buNone/>
-              <a:defRPr sz="1600">
+              <a:defRPr sz="2400">
                 <a:solidFill>
                   <a:schemeClr val="tx1">
                     <a:tint val="75000"/>
@@ -947,9 +950,9 @@
                 </a:solidFill>
               </a:defRPr>
             </a:lvl6pPr>
-            <a:lvl7pPr marL="2743200" indent="0">
+            <a:lvl7pPr marL="4114800" indent="0">
               <a:buNone/>
-              <a:defRPr sz="1600">
+              <a:defRPr sz="2400">
                 <a:solidFill>
                   <a:schemeClr val="tx1">
                     <a:tint val="75000"/>
@@ -957,9 +960,9 @@
                 </a:solidFill>
               </a:defRPr>
             </a:lvl7pPr>
-            <a:lvl8pPr marL="3200400" indent="0">
+            <a:lvl8pPr marL="4800600" indent="0">
               <a:buNone/>
-              <a:defRPr sz="1600">
+              <a:defRPr sz="2400">
                 <a:solidFill>
                   <a:schemeClr val="tx1">
                     <a:tint val="75000"/>
@@ -967,9 +970,9 @@
                 </a:solidFill>
               </a:defRPr>
             </a:lvl8pPr>
-            <a:lvl9pPr marL="3657600" indent="0">
+            <a:lvl9pPr marL="5486400" indent="0">
               <a:buNone/>
-              <a:defRPr sz="1600">
+              <a:defRPr sz="2400">
                 <a:solidFill>
                   <a:schemeClr val="tx1">
                     <a:tint val="75000"/>
@@ -1055,7 +1058,7 @@
     </p:spTree>
     <p:extLst>
       <p:ext uri="{BB962C8B-B14F-4D97-AF65-F5344CB8AC3E}">
-        <p14:creationId xmlns:p14="http://schemas.microsoft.com/office/powerpoint/2010/main" val="1826396969"/>
+        <p14:creationId xmlns:p14="http://schemas.microsoft.com/office/powerpoint/2010/main" val="286475793"/>
       </p:ext>
     </p:extLst>
   </p:cSld>
@@ -1101,7 +1104,7 @@
               <a:rPr lang="en-US" smtClean="0"/>
               <a:t>Click to edit Master title style</a:t>
             </a:r>
-            <a:endParaRPr lang="en-US"/>
+            <a:endParaRPr lang="en-US" dirty="0"/>
           </a:p>
         </p:txBody>
       </p:sp>
@@ -1117,8 +1120,8 @@
         </p:nvSpPr>
         <p:spPr>
           <a:xfrm>
-            <a:off x="838200" y="1825625"/>
-            <a:ext cx="5181600" cy="4351338"/>
+            <a:off x="942975" y="3651250"/>
+            <a:ext cx="5829300" cy="8702676"/>
           </a:xfrm>
         </p:spPr>
         <p:txBody>
@@ -1158,7 +1161,7 @@
               <a:rPr lang="en-US" smtClean="0"/>
               <a:t>Fifth level</a:t>
             </a:r>
-            <a:endParaRPr lang="en-US"/>
+            <a:endParaRPr lang="en-US" dirty="0"/>
           </a:p>
         </p:txBody>
       </p:sp>
@@ -1174,8 +1177,8 @@
         </p:nvSpPr>
         <p:spPr>
           <a:xfrm>
-            <a:off x="6172200" y="1825625"/>
-            <a:ext cx="5181600" cy="4351338"/>
+            <a:off x="6943725" y="3651250"/>
+            <a:ext cx="5829300" cy="8702676"/>
           </a:xfrm>
         </p:spPr>
         <p:txBody>
@@ -1215,7 +1218,7 @@
               <a:rPr lang="en-US" smtClean="0"/>
               <a:t>Fifth level</a:t>
             </a:r>
-            <a:endParaRPr lang="en-US"/>
+            <a:endParaRPr lang="en-US" dirty="0"/>
           </a:p>
         </p:txBody>
       </p:sp>
@@ -1287,7 +1290,7 @@
     </p:spTree>
     <p:extLst>
       <p:ext uri="{BB962C8B-B14F-4D97-AF65-F5344CB8AC3E}">
-        <p14:creationId xmlns:p14="http://schemas.microsoft.com/office/powerpoint/2010/main" val="122607765"/>
+        <p14:creationId xmlns:p14="http://schemas.microsoft.com/office/powerpoint/2010/main" val="140316377"/>
       </p:ext>
     </p:extLst>
   </p:cSld>
@@ -1326,8 +1329,8 @@
         </p:nvSpPr>
         <p:spPr>
           <a:xfrm>
-            <a:off x="839788" y="365125"/>
-            <a:ext cx="10515600" cy="1325563"/>
+            <a:off x="944762" y="730253"/>
+            <a:ext cx="11830050" cy="2651126"/>
           </a:xfrm>
         </p:spPr>
         <p:txBody>
@@ -1338,7 +1341,7 @@
               <a:rPr lang="en-US" smtClean="0"/>
               <a:t>Click to edit Master title style</a:t>
             </a:r>
-            <a:endParaRPr lang="en-US"/>
+            <a:endParaRPr lang="en-US" dirty="0"/>
           </a:p>
         </p:txBody>
       </p:sp>
@@ -1354,8 +1357,8 @@
         </p:nvSpPr>
         <p:spPr>
           <a:xfrm>
-            <a:off x="839788" y="1681163"/>
-            <a:ext cx="5157787" cy="823912"/>
+            <a:off x="944763" y="3362326"/>
+            <a:ext cx="5802510" cy="1647824"/>
           </a:xfrm>
         </p:spPr>
         <p:txBody>
@@ -1363,39 +1366,39 @@
           <a:lstStyle>
             <a:lvl1pPr marL="0" indent="0">
               <a:buNone/>
+              <a:defRPr sz="3600" b="1"/>
+            </a:lvl1pPr>
+            <a:lvl2pPr marL="685800" indent="0">
+              <a:buNone/>
+              <a:defRPr sz="3000" b="1"/>
+            </a:lvl2pPr>
+            <a:lvl3pPr marL="1371600" indent="0">
+              <a:buNone/>
+              <a:defRPr sz="2700" b="1"/>
+            </a:lvl3pPr>
+            <a:lvl4pPr marL="2057400" indent="0">
+              <a:buNone/>
               <a:defRPr sz="2400" b="1"/>
-            </a:lvl1pPr>
-            <a:lvl2pPr marL="457200" indent="0">
+            </a:lvl4pPr>
+            <a:lvl5pPr marL="2743200" indent="0">
               <a:buNone/>
-              <a:defRPr sz="2000" b="1"/>
-            </a:lvl2pPr>
-            <a:lvl3pPr marL="914400" indent="0">
+              <a:defRPr sz="2400" b="1"/>
+            </a:lvl5pPr>
+            <a:lvl6pPr marL="3429000" indent="0">
               <a:buNone/>
-              <a:defRPr sz="1800" b="1"/>
-            </a:lvl3pPr>
-            <a:lvl4pPr marL="1371600" indent="0">
+              <a:defRPr sz="2400" b="1"/>
+            </a:lvl6pPr>
+            <a:lvl7pPr marL="4114800" indent="0">
               <a:buNone/>
-              <a:defRPr sz="1600" b="1"/>
-            </a:lvl4pPr>
-            <a:lvl5pPr marL="1828800" indent="0">
+              <a:defRPr sz="2400" b="1"/>
+            </a:lvl7pPr>
+            <a:lvl8pPr marL="4800600" indent="0">
               <a:buNone/>
-              <a:defRPr sz="1600" b="1"/>
-            </a:lvl5pPr>
-            <a:lvl6pPr marL="2286000" indent="0">
+              <a:defRPr sz="2400" b="1"/>
+            </a:lvl8pPr>
+            <a:lvl9pPr marL="5486400" indent="0">
               <a:buNone/>
-              <a:defRPr sz="1600" b="1"/>
-            </a:lvl6pPr>
-            <a:lvl7pPr marL="2743200" indent="0">
-              <a:buNone/>
-              <a:defRPr sz="1600" b="1"/>
-            </a:lvl7pPr>
-            <a:lvl8pPr marL="3200400" indent="0">
-              <a:buNone/>
-              <a:defRPr sz="1600" b="1"/>
-            </a:lvl8pPr>
-            <a:lvl9pPr marL="3657600" indent="0">
-              <a:buNone/>
-              <a:defRPr sz="1600" b="1"/>
+              <a:defRPr sz="2400" b="1"/>
             </a:lvl9pPr>
           </a:lstStyle>
           <a:p>
@@ -1419,8 +1422,8 @@
         </p:nvSpPr>
         <p:spPr>
           <a:xfrm>
-            <a:off x="839788" y="2505075"/>
-            <a:ext cx="5157787" cy="3684588"/>
+            <a:off x="944763" y="5010150"/>
+            <a:ext cx="5802510" cy="7369176"/>
           </a:xfrm>
         </p:spPr>
         <p:txBody>
@@ -1460,7 +1463,7 @@
               <a:rPr lang="en-US" smtClean="0"/>
               <a:t>Fifth level</a:t>
             </a:r>
-            <a:endParaRPr lang="en-US"/>
+            <a:endParaRPr lang="en-US" dirty="0"/>
           </a:p>
         </p:txBody>
       </p:sp>
@@ -1476,8 +1479,8 @@
         </p:nvSpPr>
         <p:spPr>
           <a:xfrm>
-            <a:off x="6172200" y="1681163"/>
-            <a:ext cx="5183188" cy="823912"/>
+            <a:off x="6943726" y="3362326"/>
+            <a:ext cx="5831087" cy="1647824"/>
           </a:xfrm>
         </p:spPr>
         <p:txBody>
@@ -1485,39 +1488,39 @@
           <a:lstStyle>
             <a:lvl1pPr marL="0" indent="0">
               <a:buNone/>
+              <a:defRPr sz="3600" b="1"/>
+            </a:lvl1pPr>
+            <a:lvl2pPr marL="685800" indent="0">
+              <a:buNone/>
+              <a:defRPr sz="3000" b="1"/>
+            </a:lvl2pPr>
+            <a:lvl3pPr marL="1371600" indent="0">
+              <a:buNone/>
+              <a:defRPr sz="2700" b="1"/>
+            </a:lvl3pPr>
+            <a:lvl4pPr marL="2057400" indent="0">
+              <a:buNone/>
               <a:defRPr sz="2400" b="1"/>
-            </a:lvl1pPr>
-            <a:lvl2pPr marL="457200" indent="0">
+            </a:lvl4pPr>
+            <a:lvl5pPr marL="2743200" indent="0">
               <a:buNone/>
-              <a:defRPr sz="2000" b="1"/>
-            </a:lvl2pPr>
-            <a:lvl3pPr marL="914400" indent="0">
+              <a:defRPr sz="2400" b="1"/>
+            </a:lvl5pPr>
+            <a:lvl6pPr marL="3429000" indent="0">
               <a:buNone/>
-              <a:defRPr sz="1800" b="1"/>
-            </a:lvl3pPr>
-            <a:lvl4pPr marL="1371600" indent="0">
+              <a:defRPr sz="2400" b="1"/>
+            </a:lvl6pPr>
+            <a:lvl7pPr marL="4114800" indent="0">
               <a:buNone/>
-              <a:defRPr sz="1600" b="1"/>
-            </a:lvl4pPr>
-            <a:lvl5pPr marL="1828800" indent="0">
+              <a:defRPr sz="2400" b="1"/>
+            </a:lvl7pPr>
+            <a:lvl8pPr marL="4800600" indent="0">
               <a:buNone/>
-              <a:defRPr sz="1600" b="1"/>
-            </a:lvl5pPr>
-            <a:lvl6pPr marL="2286000" indent="0">
+              <a:defRPr sz="2400" b="1"/>
+            </a:lvl8pPr>
+            <a:lvl9pPr marL="5486400" indent="0">
               <a:buNone/>
-              <a:defRPr sz="1600" b="1"/>
-            </a:lvl6pPr>
-            <a:lvl7pPr marL="2743200" indent="0">
-              <a:buNone/>
-              <a:defRPr sz="1600" b="1"/>
-            </a:lvl7pPr>
-            <a:lvl8pPr marL="3200400" indent="0">
-              <a:buNone/>
-              <a:defRPr sz="1600" b="1"/>
-            </a:lvl8pPr>
-            <a:lvl9pPr marL="3657600" indent="0">
-              <a:buNone/>
-              <a:defRPr sz="1600" b="1"/>
+              <a:defRPr sz="2400" b="1"/>
             </a:lvl9pPr>
           </a:lstStyle>
           <a:p>
@@ -1541,8 +1544,8 @@
         </p:nvSpPr>
         <p:spPr>
           <a:xfrm>
-            <a:off x="6172200" y="2505075"/>
-            <a:ext cx="5183188" cy="3684588"/>
+            <a:off x="6943726" y="5010150"/>
+            <a:ext cx="5831087" cy="7369176"/>
           </a:xfrm>
         </p:spPr>
         <p:txBody>
@@ -1582,7 +1585,7 @@
               <a:rPr lang="en-US" smtClean="0"/>
               <a:t>Fifth level</a:t>
             </a:r>
-            <a:endParaRPr lang="en-US"/>
+            <a:endParaRPr lang="en-US" dirty="0"/>
           </a:p>
         </p:txBody>
       </p:sp>
@@ -1654,7 +1657,7 @@
     </p:spTree>
     <p:extLst>
       <p:ext uri="{BB962C8B-B14F-4D97-AF65-F5344CB8AC3E}">
-        <p14:creationId xmlns:p14="http://schemas.microsoft.com/office/powerpoint/2010/main" val="1231888882"/>
+        <p14:creationId xmlns:p14="http://schemas.microsoft.com/office/powerpoint/2010/main" val="360303833"/>
       </p:ext>
     </p:extLst>
   </p:cSld>
@@ -1700,7 +1703,7 @@
               <a:rPr lang="en-US" smtClean="0"/>
               <a:t>Click to edit Master title style</a:t>
             </a:r>
-            <a:endParaRPr lang="en-US"/>
+            <a:endParaRPr lang="en-US" dirty="0"/>
           </a:p>
         </p:txBody>
       </p:sp>
@@ -1772,7 +1775,7 @@
     </p:spTree>
     <p:extLst>
       <p:ext uri="{BB962C8B-B14F-4D97-AF65-F5344CB8AC3E}">
-        <p14:creationId xmlns:p14="http://schemas.microsoft.com/office/powerpoint/2010/main" val="466599047"/>
+        <p14:creationId xmlns:p14="http://schemas.microsoft.com/office/powerpoint/2010/main" val="1870120338"/>
       </p:ext>
     </p:extLst>
   </p:cSld>
@@ -1867,7 +1870,7 @@
     </p:spTree>
     <p:extLst>
       <p:ext uri="{BB962C8B-B14F-4D97-AF65-F5344CB8AC3E}">
-        <p14:creationId xmlns:p14="http://schemas.microsoft.com/office/powerpoint/2010/main" val="1667387732"/>
+        <p14:creationId xmlns:p14="http://schemas.microsoft.com/office/powerpoint/2010/main" val="541863274"/>
       </p:ext>
     </p:extLst>
   </p:cSld>
@@ -1906,15 +1909,15 @@
         </p:nvSpPr>
         <p:spPr>
           <a:xfrm>
-            <a:off x="839788" y="457200"/>
-            <a:ext cx="3932237" cy="1600200"/>
+            <a:off x="944762" y="914400"/>
+            <a:ext cx="4423767" cy="3200400"/>
           </a:xfrm>
         </p:spPr>
         <p:txBody>
           <a:bodyPr anchor="b"/>
           <a:lstStyle>
             <a:lvl1pPr>
-              <a:defRPr sz="3200"/>
+              <a:defRPr sz="4800"/>
             </a:lvl1pPr>
           </a:lstStyle>
           <a:p>
@@ -1922,7 +1925,7 @@
               <a:rPr lang="en-US" smtClean="0"/>
               <a:t>Click to edit Master title style</a:t>
             </a:r>
-            <a:endParaRPr lang="en-US"/>
+            <a:endParaRPr lang="en-US" dirty="0"/>
           </a:p>
         </p:txBody>
       </p:sp>
@@ -1938,39 +1941,39 @@
         </p:nvSpPr>
         <p:spPr>
           <a:xfrm>
-            <a:off x="5183188" y="987425"/>
-            <a:ext cx="6172200" cy="4873625"/>
+            <a:off x="5831087" y="1974853"/>
+            <a:ext cx="6943725" cy="9747250"/>
           </a:xfrm>
         </p:spPr>
         <p:txBody>
           <a:bodyPr/>
           <a:lstStyle>
             <a:lvl1pPr>
-              <a:defRPr sz="3200"/>
+              <a:defRPr sz="4800"/>
             </a:lvl1pPr>
             <a:lvl2pPr>
-              <a:defRPr sz="2800"/>
+              <a:defRPr sz="4200"/>
             </a:lvl2pPr>
             <a:lvl3pPr>
-              <a:defRPr sz="2400"/>
+              <a:defRPr sz="3600"/>
             </a:lvl3pPr>
             <a:lvl4pPr>
-              <a:defRPr sz="2000"/>
+              <a:defRPr sz="3000"/>
             </a:lvl4pPr>
             <a:lvl5pPr>
-              <a:defRPr sz="2000"/>
+              <a:defRPr sz="3000"/>
             </a:lvl5pPr>
             <a:lvl6pPr>
-              <a:defRPr sz="2000"/>
+              <a:defRPr sz="3000"/>
             </a:lvl6pPr>
             <a:lvl7pPr>
-              <a:defRPr sz="2000"/>
+              <a:defRPr sz="3000"/>
             </a:lvl7pPr>
             <a:lvl8pPr>
-              <a:defRPr sz="2000"/>
+              <a:defRPr sz="3000"/>
             </a:lvl8pPr>
             <a:lvl9pPr>
-              <a:defRPr sz="2000"/>
+              <a:defRPr sz="3000"/>
             </a:lvl9pPr>
           </a:lstStyle>
           <a:p>
@@ -2007,7 +2010,7 @@
               <a:rPr lang="en-US" smtClean="0"/>
               <a:t>Fifth level</a:t>
             </a:r>
-            <a:endParaRPr lang="en-US"/>
+            <a:endParaRPr lang="en-US" dirty="0"/>
           </a:p>
         </p:txBody>
       </p:sp>
@@ -2023,8 +2026,8 @@
         </p:nvSpPr>
         <p:spPr>
           <a:xfrm>
-            <a:off x="839788" y="2057400"/>
-            <a:ext cx="3932237" cy="3811588"/>
+            <a:off x="944762" y="4114800"/>
+            <a:ext cx="4423767" cy="7623176"/>
           </a:xfrm>
         </p:spPr>
         <p:txBody>
@@ -2032,39 +2035,39 @@
           <a:lstStyle>
             <a:lvl1pPr marL="0" indent="0">
               <a:buNone/>
-              <a:defRPr sz="1600"/>
+              <a:defRPr sz="2400"/>
             </a:lvl1pPr>
-            <a:lvl2pPr marL="457200" indent="0">
+            <a:lvl2pPr marL="685800" indent="0">
               <a:buNone/>
-              <a:defRPr sz="1400"/>
+              <a:defRPr sz="2100"/>
             </a:lvl2pPr>
-            <a:lvl3pPr marL="914400" indent="0">
+            <a:lvl3pPr marL="1371600" indent="0">
               <a:buNone/>
-              <a:defRPr sz="1200"/>
+              <a:defRPr sz="1800"/>
             </a:lvl3pPr>
-            <a:lvl4pPr marL="1371600" indent="0">
+            <a:lvl4pPr marL="2057400" indent="0">
               <a:buNone/>
-              <a:defRPr sz="1000"/>
+              <a:defRPr sz="1500"/>
             </a:lvl4pPr>
-            <a:lvl5pPr marL="1828800" indent="0">
+            <a:lvl5pPr marL="2743200" indent="0">
               <a:buNone/>
-              <a:defRPr sz="1000"/>
+              <a:defRPr sz="1500"/>
             </a:lvl5pPr>
-            <a:lvl6pPr marL="2286000" indent="0">
+            <a:lvl6pPr marL="3429000" indent="0">
               <a:buNone/>
-              <a:defRPr sz="1000"/>
+              <a:defRPr sz="1500"/>
             </a:lvl6pPr>
-            <a:lvl7pPr marL="2743200" indent="0">
+            <a:lvl7pPr marL="4114800" indent="0">
               <a:buNone/>
-              <a:defRPr sz="1000"/>
+              <a:defRPr sz="1500"/>
             </a:lvl7pPr>
-            <a:lvl8pPr marL="3200400" indent="0">
+            <a:lvl8pPr marL="4800600" indent="0">
               <a:buNone/>
-              <a:defRPr sz="1000"/>
+              <a:defRPr sz="1500"/>
             </a:lvl8pPr>
-            <a:lvl9pPr marL="3657600" indent="0">
+            <a:lvl9pPr marL="5486400" indent="0">
               <a:buNone/>
-              <a:defRPr sz="1000"/>
+              <a:defRPr sz="1500"/>
             </a:lvl9pPr>
           </a:lstStyle>
           <a:p>
@@ -2144,7 +2147,7 @@
     </p:spTree>
     <p:extLst>
       <p:ext uri="{BB962C8B-B14F-4D97-AF65-F5344CB8AC3E}">
-        <p14:creationId xmlns:p14="http://schemas.microsoft.com/office/powerpoint/2010/main" val="1271502021"/>
+        <p14:creationId xmlns:p14="http://schemas.microsoft.com/office/powerpoint/2010/main" val="1765382838"/>
       </p:ext>
     </p:extLst>
   </p:cSld>
@@ -2183,15 +2186,15 @@
         </p:nvSpPr>
         <p:spPr>
           <a:xfrm>
-            <a:off x="839788" y="457200"/>
-            <a:ext cx="3932237" cy="1600200"/>
+            <a:off x="944762" y="914400"/>
+            <a:ext cx="4423767" cy="3200400"/>
           </a:xfrm>
         </p:spPr>
         <p:txBody>
           <a:bodyPr anchor="b"/>
           <a:lstStyle>
             <a:lvl1pPr>
-              <a:defRPr sz="3200"/>
+              <a:defRPr sz="4800"/>
             </a:lvl1pPr>
           </a:lstStyle>
           <a:p>
@@ -2199,7 +2202,7 @@
               <a:rPr lang="en-US" smtClean="0"/>
               <a:t>Click to edit Master title style</a:t>
             </a:r>
-            <a:endParaRPr lang="en-US"/>
+            <a:endParaRPr lang="en-US" dirty="0"/>
           </a:p>
         </p:txBody>
       </p:sp>
@@ -2207,7 +2210,7 @@
         <p:nvSpPr>
           <p:cNvPr id="3" name="Picture Placeholder 2"/>
           <p:cNvSpPr>
-            <a:spLocks noGrp="1"/>
+            <a:spLocks noGrp="1" noChangeAspect="1"/>
           </p:cNvSpPr>
           <p:nvPr>
             <p:ph type="pic" idx="1"/>
@@ -2215,52 +2218,56 @@
         </p:nvSpPr>
         <p:spPr>
           <a:xfrm>
-            <a:off x="5183188" y="987425"/>
-            <a:ext cx="6172200" cy="4873625"/>
-          </a:xfrm>
-        </p:spPr>
-        <p:txBody>
-          <a:bodyPr/>
+            <a:off x="5831087" y="1974853"/>
+            <a:ext cx="6943725" cy="9747250"/>
+          </a:xfrm>
+        </p:spPr>
+        <p:txBody>
+          <a:bodyPr anchor="t"/>
           <a:lstStyle>
             <a:lvl1pPr marL="0" indent="0">
               <a:buNone/>
-              <a:defRPr sz="3200"/>
+              <a:defRPr sz="4800"/>
             </a:lvl1pPr>
-            <a:lvl2pPr marL="457200" indent="0">
+            <a:lvl2pPr marL="685800" indent="0">
               <a:buNone/>
-              <a:defRPr sz="2800"/>
+              <a:defRPr sz="4200"/>
             </a:lvl2pPr>
-            <a:lvl3pPr marL="914400" indent="0">
+            <a:lvl3pPr marL="1371600" indent="0">
               <a:buNone/>
-              <a:defRPr sz="2400"/>
+              <a:defRPr sz="3600"/>
             </a:lvl3pPr>
-            <a:lvl4pPr marL="1371600" indent="0">
+            <a:lvl4pPr marL="2057400" indent="0">
               <a:buNone/>
-              <a:defRPr sz="2000"/>
+              <a:defRPr sz="3000"/>
             </a:lvl4pPr>
-            <a:lvl5pPr marL="1828800" indent="0">
+            <a:lvl5pPr marL="2743200" indent="0">
               <a:buNone/>
-              <a:defRPr sz="2000"/>
+              <a:defRPr sz="3000"/>
             </a:lvl5pPr>
-            <a:lvl6pPr marL="2286000" indent="0">
+            <a:lvl6pPr marL="3429000" indent="0">
               <a:buNone/>
-              <a:defRPr sz="2000"/>
+              <a:defRPr sz="3000"/>
             </a:lvl6pPr>
-            <a:lvl7pPr marL="2743200" indent="0">
+            <a:lvl7pPr marL="4114800" indent="0">
               <a:buNone/>
-              <a:defRPr sz="2000"/>
+              <a:defRPr sz="3000"/>
             </a:lvl7pPr>
-            <a:lvl8pPr marL="3200400" indent="0">
+            <a:lvl8pPr marL="4800600" indent="0">
               <a:buNone/>
-              <a:defRPr sz="2000"/>
+              <a:defRPr sz="3000"/>
             </a:lvl8pPr>
-            <a:lvl9pPr marL="3657600" indent="0">
+            <a:lvl9pPr marL="5486400" indent="0">
               <a:buNone/>
-              <a:defRPr sz="2000"/>
+              <a:defRPr sz="3000"/>
             </a:lvl9pPr>
           </a:lstStyle>
           <a:p>
-            <a:endParaRPr lang="en-US"/>
+            <a:r>
+              <a:rPr lang="en-US" smtClean="0"/>
+              <a:t>Drag picture to placeholder or click icon to add</a:t>
+            </a:r>
+            <a:endParaRPr lang="en-US" dirty="0"/>
           </a:p>
         </p:txBody>
       </p:sp>
@@ -2276,8 +2283,8 @@
         </p:nvSpPr>
         <p:spPr>
           <a:xfrm>
-            <a:off x="839788" y="2057400"/>
-            <a:ext cx="3932237" cy="3811588"/>
+            <a:off x="944762" y="4114800"/>
+            <a:ext cx="4423767" cy="7623176"/>
           </a:xfrm>
         </p:spPr>
         <p:txBody>
@@ -2285,39 +2292,39 @@
           <a:lstStyle>
             <a:lvl1pPr marL="0" indent="0">
               <a:buNone/>
-              <a:defRPr sz="1600"/>
+              <a:defRPr sz="2400"/>
             </a:lvl1pPr>
-            <a:lvl2pPr marL="457200" indent="0">
+            <a:lvl2pPr marL="685800" indent="0">
               <a:buNone/>
-              <a:defRPr sz="1400"/>
+              <a:defRPr sz="2100"/>
             </a:lvl2pPr>
-            <a:lvl3pPr marL="914400" indent="0">
+            <a:lvl3pPr marL="1371600" indent="0">
               <a:buNone/>
-              <a:defRPr sz="1200"/>
+              <a:defRPr sz="1800"/>
             </a:lvl3pPr>
-            <a:lvl4pPr marL="1371600" indent="0">
+            <a:lvl4pPr marL="2057400" indent="0">
               <a:buNone/>
-              <a:defRPr sz="1000"/>
+              <a:defRPr sz="1500"/>
             </a:lvl4pPr>
-            <a:lvl5pPr marL="1828800" indent="0">
+            <a:lvl5pPr marL="2743200" indent="0">
               <a:buNone/>
-              <a:defRPr sz="1000"/>
+              <a:defRPr sz="1500"/>
             </a:lvl5pPr>
-            <a:lvl6pPr marL="2286000" indent="0">
+            <a:lvl6pPr marL="3429000" indent="0">
               <a:buNone/>
-              <a:defRPr sz="1000"/>
+              <a:defRPr sz="1500"/>
             </a:lvl6pPr>
-            <a:lvl7pPr marL="2743200" indent="0">
+            <a:lvl7pPr marL="4114800" indent="0">
               <a:buNone/>
-              <a:defRPr sz="1000"/>
+              <a:defRPr sz="1500"/>
             </a:lvl7pPr>
-            <a:lvl8pPr marL="3200400" indent="0">
+            <a:lvl8pPr marL="4800600" indent="0">
               <a:buNone/>
-              <a:defRPr sz="1000"/>
+              <a:defRPr sz="1500"/>
             </a:lvl8pPr>
-            <a:lvl9pPr marL="3657600" indent="0">
+            <a:lvl9pPr marL="5486400" indent="0">
               <a:buNone/>
-              <a:defRPr sz="1000"/>
+              <a:defRPr sz="1500"/>
             </a:lvl9pPr>
           </a:lstStyle>
           <a:p>
@@ -2397,7 +2404,7 @@
     </p:spTree>
     <p:extLst>
       <p:ext uri="{BB962C8B-B14F-4D97-AF65-F5344CB8AC3E}">
-        <p14:creationId xmlns:p14="http://schemas.microsoft.com/office/powerpoint/2010/main" val="524695650"/>
+        <p14:creationId xmlns:p14="http://schemas.microsoft.com/office/powerpoint/2010/main" val="1155291314"/>
       </p:ext>
     </p:extLst>
   </p:cSld>
@@ -2441,8 +2448,8 @@
         </p:nvSpPr>
         <p:spPr>
           <a:xfrm>
-            <a:off x="838200" y="365125"/>
-            <a:ext cx="10515600" cy="1325563"/>
+            <a:off x="942975" y="730253"/>
+            <a:ext cx="11830050" cy="2651126"/>
           </a:xfrm>
           <a:prstGeom prst="rect">
             <a:avLst/>
@@ -2458,7 +2465,7 @@
               <a:rPr lang="en-US" smtClean="0"/>
               <a:t>Click to edit Master title style</a:t>
             </a:r>
-            <a:endParaRPr lang="en-US"/>
+            <a:endParaRPr lang="en-US" dirty="0"/>
           </a:p>
         </p:txBody>
       </p:sp>
@@ -2474,8 +2481,8 @@
         </p:nvSpPr>
         <p:spPr>
           <a:xfrm>
-            <a:off x="838200" y="1825625"/>
-            <a:ext cx="10515600" cy="4351338"/>
+            <a:off x="942975" y="3651250"/>
+            <a:ext cx="11830050" cy="8702676"/>
           </a:xfrm>
           <a:prstGeom prst="rect">
             <a:avLst/>
@@ -2520,7 +2527,7 @@
               <a:rPr lang="en-US" smtClean="0"/>
               <a:t>Fifth level</a:t>
             </a:r>
-            <a:endParaRPr lang="en-US"/>
+            <a:endParaRPr lang="en-US" dirty="0"/>
           </a:p>
         </p:txBody>
       </p:sp>
@@ -2536,8 +2543,8 @@
         </p:nvSpPr>
         <p:spPr>
           <a:xfrm>
-            <a:off x="838200" y="6356350"/>
-            <a:ext cx="2743200" cy="365125"/>
+            <a:off x="942975" y="12712703"/>
+            <a:ext cx="3086100" cy="730250"/>
           </a:xfrm>
           <a:prstGeom prst="rect">
             <a:avLst/>
@@ -2547,7 +2554,7 @@
           <a:bodyPr vert="horz" lIns="91440" tIns="45720" rIns="91440" bIns="45720" rtlCol="0" anchor="ctr"/>
           <a:lstStyle>
             <a:lvl1pPr algn="l">
-              <a:defRPr sz="1200">
+              <a:defRPr sz="1800">
                 <a:solidFill>
                   <a:schemeClr val="tx1">
                     <a:tint val="75000"/>
@@ -2577,8 +2584,8 @@
         </p:nvSpPr>
         <p:spPr>
           <a:xfrm>
-            <a:off x="4038600" y="6356350"/>
-            <a:ext cx="4114800" cy="365125"/>
+            <a:off x="4543425" y="12712703"/>
+            <a:ext cx="4629150" cy="730250"/>
           </a:xfrm>
           <a:prstGeom prst="rect">
             <a:avLst/>
@@ -2588,7 +2595,7 @@
           <a:bodyPr vert="horz" lIns="91440" tIns="45720" rIns="91440" bIns="45720" rtlCol="0" anchor="ctr"/>
           <a:lstStyle>
             <a:lvl1pPr algn="ctr">
-              <a:defRPr sz="1200">
+              <a:defRPr sz="1800">
                 <a:solidFill>
                   <a:schemeClr val="tx1">
                     <a:tint val="75000"/>
@@ -2614,8 +2621,8 @@
         </p:nvSpPr>
         <p:spPr>
           <a:xfrm>
-            <a:off x="8610600" y="6356350"/>
-            <a:ext cx="2743200" cy="365125"/>
+            <a:off x="9686925" y="12712703"/>
+            <a:ext cx="3086100" cy="730250"/>
           </a:xfrm>
           <a:prstGeom prst="rect">
             <a:avLst/>
@@ -2625,7 +2632,7 @@
           <a:bodyPr vert="horz" lIns="91440" tIns="45720" rIns="91440" bIns="45720" rtlCol="0" anchor="ctr"/>
           <a:lstStyle>
             <a:lvl1pPr algn="r">
-              <a:defRPr sz="1200">
+              <a:defRPr sz="1800">
                 <a:solidFill>
                   <a:schemeClr val="tx1">
                     <a:tint val="75000"/>
@@ -2646,27 +2653,27 @@
     </p:spTree>
     <p:extLst>
       <p:ext uri="{BB962C8B-B14F-4D97-AF65-F5344CB8AC3E}">
-        <p14:creationId xmlns:p14="http://schemas.microsoft.com/office/powerpoint/2010/main" val="496820347"/>
+        <p14:creationId xmlns:p14="http://schemas.microsoft.com/office/powerpoint/2010/main" val="9258323"/>
       </p:ext>
     </p:extLst>
   </p:cSld>
   <p:clrMap bg1="lt1" tx1="dk1" bg2="lt2" tx2="dk2" accent1="accent1" accent2="accent2" accent3="accent3" accent4="accent4" accent5="accent5" accent6="accent6" hlink="hlink" folHlink="folHlink"/>
   <p:sldLayoutIdLst>
-    <p:sldLayoutId id="2147483649" r:id="rId1"/>
-    <p:sldLayoutId id="2147483650" r:id="rId2"/>
-    <p:sldLayoutId id="2147483651" r:id="rId3"/>
-    <p:sldLayoutId id="2147483652" r:id="rId4"/>
-    <p:sldLayoutId id="2147483653" r:id="rId5"/>
-    <p:sldLayoutId id="2147483654" r:id="rId6"/>
-    <p:sldLayoutId id="2147483655" r:id="rId7"/>
-    <p:sldLayoutId id="2147483656" r:id="rId8"/>
-    <p:sldLayoutId id="2147483657" r:id="rId9"/>
-    <p:sldLayoutId id="2147483658" r:id="rId10"/>
-    <p:sldLayoutId id="2147483659" r:id="rId11"/>
+    <p:sldLayoutId id="2147483661" r:id="rId1"/>
+    <p:sldLayoutId id="2147483662" r:id="rId2"/>
+    <p:sldLayoutId id="2147483663" r:id="rId3"/>
+    <p:sldLayoutId id="2147483664" r:id="rId4"/>
+    <p:sldLayoutId id="2147483665" r:id="rId5"/>
+    <p:sldLayoutId id="2147483666" r:id="rId6"/>
+    <p:sldLayoutId id="2147483667" r:id="rId7"/>
+    <p:sldLayoutId id="2147483668" r:id="rId8"/>
+    <p:sldLayoutId id="2147483669" r:id="rId9"/>
+    <p:sldLayoutId id="2147483670" r:id="rId10"/>
+    <p:sldLayoutId id="2147483671" r:id="rId11"/>
   </p:sldLayoutIdLst>
   <p:txStyles>
     <p:titleStyle>
-      <a:lvl1pPr algn="l" defTabSz="914400" rtl="0" eaLnBrk="1" latinLnBrk="0" hangingPunct="1">
+      <a:lvl1pPr algn="l" defTabSz="1371600" rtl="0" eaLnBrk="1" latinLnBrk="0" hangingPunct="1">
         <a:lnSpc>
           <a:spcPct val="90000"/>
         </a:lnSpc>
@@ -2674,7 +2681,7 @@
           <a:spcPct val="0"/>
         </a:spcBef>
         <a:buNone/>
-        <a:defRPr sz="4400" kern="1200">
+        <a:defRPr sz="6600" kern="1200">
           <a:solidFill>
             <a:schemeClr val="tx1"/>
           </a:solidFill>
@@ -2685,16 +2692,16 @@
       </a:lvl1pPr>
     </p:titleStyle>
     <p:bodyStyle>
-      <a:lvl1pPr marL="228600" indent="-228600" algn="l" defTabSz="914400" rtl="0" eaLnBrk="1" latinLnBrk="0" hangingPunct="1">
+      <a:lvl1pPr marL="342900" indent="-342900" algn="l" defTabSz="1371600" rtl="0" eaLnBrk="1" latinLnBrk="0" hangingPunct="1">
         <a:lnSpc>
           <a:spcPct val="90000"/>
         </a:lnSpc>
         <a:spcBef>
-          <a:spcPts val="1000"/>
+          <a:spcPts val="1500"/>
         </a:spcBef>
-        <a:buFont typeface="Arial"/>
+        <a:buFont typeface="Arial" panose="020B0604020202020204" pitchFamily="34" charset="0"/>
         <a:buChar char="•"/>
-        <a:defRPr sz="2800" kern="1200">
+        <a:defRPr sz="4200" kern="1200">
           <a:solidFill>
             <a:schemeClr val="tx1"/>
           </a:solidFill>
@@ -2703,16 +2710,16 @@
           <a:cs typeface="+mn-cs"/>
         </a:defRPr>
       </a:lvl1pPr>
-      <a:lvl2pPr marL="685800" indent="-228600" algn="l" defTabSz="914400" rtl="0" eaLnBrk="1" latinLnBrk="0" hangingPunct="1">
+      <a:lvl2pPr marL="1028700" indent="-342900" algn="l" defTabSz="1371600" rtl="0" eaLnBrk="1" latinLnBrk="0" hangingPunct="1">
         <a:lnSpc>
           <a:spcPct val="90000"/>
         </a:lnSpc>
         <a:spcBef>
-          <a:spcPts val="500"/>
+          <a:spcPts val="750"/>
         </a:spcBef>
-        <a:buFont typeface="Arial"/>
+        <a:buFont typeface="Arial" panose="020B0604020202020204" pitchFamily="34" charset="0"/>
         <a:buChar char="•"/>
-        <a:defRPr sz="2400" kern="1200">
+        <a:defRPr sz="3600" kern="1200">
           <a:solidFill>
             <a:schemeClr val="tx1"/>
           </a:solidFill>
@@ -2721,16 +2728,16 @@
           <a:cs typeface="+mn-cs"/>
         </a:defRPr>
       </a:lvl2pPr>
-      <a:lvl3pPr marL="1143000" indent="-228600" algn="l" defTabSz="914400" rtl="0" eaLnBrk="1" latinLnBrk="0" hangingPunct="1">
+      <a:lvl3pPr marL="1714500" indent="-342900" algn="l" defTabSz="1371600" rtl="0" eaLnBrk="1" latinLnBrk="0" hangingPunct="1">
         <a:lnSpc>
           <a:spcPct val="90000"/>
         </a:lnSpc>
         <a:spcBef>
-          <a:spcPts val="500"/>
+          <a:spcPts val="750"/>
         </a:spcBef>
-        <a:buFont typeface="Arial"/>
+        <a:buFont typeface="Arial" panose="020B0604020202020204" pitchFamily="34" charset="0"/>
         <a:buChar char="•"/>
-        <a:defRPr sz="2000" kern="1200">
+        <a:defRPr sz="3000" kern="1200">
           <a:solidFill>
             <a:schemeClr val="tx1"/>
           </a:solidFill>
@@ -2739,16 +2746,16 @@
           <a:cs typeface="+mn-cs"/>
         </a:defRPr>
       </a:lvl3pPr>
-      <a:lvl4pPr marL="1600200" indent="-228600" algn="l" defTabSz="914400" rtl="0" eaLnBrk="1" latinLnBrk="0" hangingPunct="1">
+      <a:lvl4pPr marL="2400300" indent="-342900" algn="l" defTabSz="1371600" rtl="0" eaLnBrk="1" latinLnBrk="0" hangingPunct="1">
         <a:lnSpc>
           <a:spcPct val="90000"/>
         </a:lnSpc>
         <a:spcBef>
-          <a:spcPts val="500"/>
+          <a:spcPts val="750"/>
         </a:spcBef>
-        <a:buFont typeface="Arial"/>
+        <a:buFont typeface="Arial" panose="020B0604020202020204" pitchFamily="34" charset="0"/>
         <a:buChar char="•"/>
-        <a:defRPr sz="1800" kern="1200">
+        <a:defRPr sz="2700" kern="1200">
           <a:solidFill>
             <a:schemeClr val="tx1"/>
           </a:solidFill>
@@ -2757,16 +2764,16 @@
           <a:cs typeface="+mn-cs"/>
         </a:defRPr>
       </a:lvl4pPr>
-      <a:lvl5pPr marL="2057400" indent="-228600" algn="l" defTabSz="914400" rtl="0" eaLnBrk="1" latinLnBrk="0" hangingPunct="1">
+      <a:lvl5pPr marL="3086100" indent="-342900" algn="l" defTabSz="1371600" rtl="0" eaLnBrk="1" latinLnBrk="0" hangingPunct="1">
         <a:lnSpc>
           <a:spcPct val="90000"/>
         </a:lnSpc>
         <a:spcBef>
-          <a:spcPts val="500"/>
+          <a:spcPts val="750"/>
         </a:spcBef>
-        <a:buFont typeface="Arial"/>
+        <a:buFont typeface="Arial" panose="020B0604020202020204" pitchFamily="34" charset="0"/>
         <a:buChar char="•"/>
-        <a:defRPr sz="1800" kern="1200">
+        <a:defRPr sz="2700" kern="1200">
           <a:solidFill>
             <a:schemeClr val="tx1"/>
           </a:solidFill>
@@ -2775,16 +2782,16 @@
           <a:cs typeface="+mn-cs"/>
         </a:defRPr>
       </a:lvl5pPr>
-      <a:lvl6pPr marL="2514600" indent="-228600" algn="l" defTabSz="914400" rtl="0" eaLnBrk="1" latinLnBrk="0" hangingPunct="1">
+      <a:lvl6pPr marL="3771900" indent="-342900" algn="l" defTabSz="1371600" rtl="0" eaLnBrk="1" latinLnBrk="0" hangingPunct="1">
         <a:lnSpc>
           <a:spcPct val="90000"/>
         </a:lnSpc>
         <a:spcBef>
-          <a:spcPts val="500"/>
+          <a:spcPts val="750"/>
         </a:spcBef>
-        <a:buFont typeface="Arial"/>
+        <a:buFont typeface="Arial" panose="020B0604020202020204" pitchFamily="34" charset="0"/>
         <a:buChar char="•"/>
-        <a:defRPr sz="1800" kern="1200">
+        <a:defRPr sz="2700" kern="1200">
           <a:solidFill>
             <a:schemeClr val="tx1"/>
           </a:solidFill>
@@ -2793,16 +2800,16 @@
           <a:cs typeface="+mn-cs"/>
         </a:defRPr>
       </a:lvl6pPr>
-      <a:lvl7pPr marL="2971800" indent="-228600" algn="l" defTabSz="914400" rtl="0" eaLnBrk="1" latinLnBrk="0" hangingPunct="1">
+      <a:lvl7pPr marL="4457700" indent="-342900" algn="l" defTabSz="1371600" rtl="0" eaLnBrk="1" latinLnBrk="0" hangingPunct="1">
         <a:lnSpc>
           <a:spcPct val="90000"/>
         </a:lnSpc>
         <a:spcBef>
-          <a:spcPts val="500"/>
+          <a:spcPts val="750"/>
         </a:spcBef>
-        <a:buFont typeface="Arial"/>
+        <a:buFont typeface="Arial" panose="020B0604020202020204" pitchFamily="34" charset="0"/>
         <a:buChar char="•"/>
-        <a:defRPr sz="1800" kern="1200">
+        <a:defRPr sz="2700" kern="1200">
           <a:solidFill>
             <a:schemeClr val="tx1"/>
           </a:solidFill>
@@ -2811,16 +2818,16 @@
           <a:cs typeface="+mn-cs"/>
         </a:defRPr>
       </a:lvl7pPr>
-      <a:lvl8pPr marL="3429000" indent="-228600" algn="l" defTabSz="914400" rtl="0" eaLnBrk="1" latinLnBrk="0" hangingPunct="1">
+      <a:lvl8pPr marL="5143500" indent="-342900" algn="l" defTabSz="1371600" rtl="0" eaLnBrk="1" latinLnBrk="0" hangingPunct="1">
         <a:lnSpc>
           <a:spcPct val="90000"/>
         </a:lnSpc>
         <a:spcBef>
-          <a:spcPts val="500"/>
+          <a:spcPts val="750"/>
         </a:spcBef>
-        <a:buFont typeface="Arial"/>
+        <a:buFont typeface="Arial" panose="020B0604020202020204" pitchFamily="34" charset="0"/>
         <a:buChar char="•"/>
-        <a:defRPr sz="1800" kern="1200">
+        <a:defRPr sz="2700" kern="1200">
           <a:solidFill>
             <a:schemeClr val="tx1"/>
           </a:solidFill>
@@ -2829,16 +2836,16 @@
           <a:cs typeface="+mn-cs"/>
         </a:defRPr>
       </a:lvl8pPr>
-      <a:lvl9pPr marL="3886200" indent="-228600" algn="l" defTabSz="914400" rtl="0" eaLnBrk="1" latinLnBrk="0" hangingPunct="1">
+      <a:lvl9pPr marL="5829300" indent="-342900" algn="l" defTabSz="1371600" rtl="0" eaLnBrk="1" latinLnBrk="0" hangingPunct="1">
         <a:lnSpc>
           <a:spcPct val="90000"/>
         </a:lnSpc>
         <a:spcBef>
-          <a:spcPts val="500"/>
+          <a:spcPts val="750"/>
         </a:spcBef>
-        <a:buFont typeface="Arial"/>
+        <a:buFont typeface="Arial" panose="020B0604020202020204" pitchFamily="34" charset="0"/>
         <a:buChar char="•"/>
-        <a:defRPr sz="1800" kern="1200">
+        <a:defRPr sz="2700" kern="1200">
           <a:solidFill>
             <a:schemeClr val="tx1"/>
           </a:solidFill>
@@ -2852,8 +2859,8 @@
       <a:defPPr>
         <a:defRPr lang="en-US"/>
       </a:defPPr>
-      <a:lvl1pPr marL="0" algn="l" defTabSz="914400" rtl="0" eaLnBrk="1" latinLnBrk="0" hangingPunct="1">
-        <a:defRPr sz="1800" kern="1200">
+      <a:lvl1pPr marL="0" algn="l" defTabSz="1371600" rtl="0" eaLnBrk="1" latinLnBrk="0" hangingPunct="1">
+        <a:defRPr sz="2700" kern="1200">
           <a:solidFill>
             <a:schemeClr val="tx1"/>
           </a:solidFill>
@@ -2862,8 +2869,8 @@
           <a:cs typeface="+mn-cs"/>
         </a:defRPr>
       </a:lvl1pPr>
-      <a:lvl2pPr marL="457200" algn="l" defTabSz="914400" rtl="0" eaLnBrk="1" latinLnBrk="0" hangingPunct="1">
-        <a:defRPr sz="1800" kern="1200">
+      <a:lvl2pPr marL="685800" algn="l" defTabSz="1371600" rtl="0" eaLnBrk="1" latinLnBrk="0" hangingPunct="1">
+        <a:defRPr sz="2700" kern="1200">
           <a:solidFill>
             <a:schemeClr val="tx1"/>
           </a:solidFill>
@@ -2872,8 +2879,8 @@
           <a:cs typeface="+mn-cs"/>
         </a:defRPr>
       </a:lvl2pPr>
-      <a:lvl3pPr marL="914400" algn="l" defTabSz="914400" rtl="0" eaLnBrk="1" latinLnBrk="0" hangingPunct="1">
-        <a:defRPr sz="1800" kern="1200">
+      <a:lvl3pPr marL="1371600" algn="l" defTabSz="1371600" rtl="0" eaLnBrk="1" latinLnBrk="0" hangingPunct="1">
+        <a:defRPr sz="2700" kern="1200">
           <a:solidFill>
             <a:schemeClr val="tx1"/>
           </a:solidFill>
@@ -2882,8 +2889,8 @@
           <a:cs typeface="+mn-cs"/>
         </a:defRPr>
       </a:lvl3pPr>
-      <a:lvl4pPr marL="1371600" algn="l" defTabSz="914400" rtl="0" eaLnBrk="1" latinLnBrk="0" hangingPunct="1">
-        <a:defRPr sz="1800" kern="1200">
+      <a:lvl4pPr marL="2057400" algn="l" defTabSz="1371600" rtl="0" eaLnBrk="1" latinLnBrk="0" hangingPunct="1">
+        <a:defRPr sz="2700" kern="1200">
           <a:solidFill>
             <a:schemeClr val="tx1"/>
           </a:solidFill>
@@ -2892,8 +2899,8 @@
           <a:cs typeface="+mn-cs"/>
         </a:defRPr>
       </a:lvl4pPr>
-      <a:lvl5pPr marL="1828800" algn="l" defTabSz="914400" rtl="0" eaLnBrk="1" latinLnBrk="0" hangingPunct="1">
-        <a:defRPr sz="1800" kern="1200">
+      <a:lvl5pPr marL="2743200" algn="l" defTabSz="1371600" rtl="0" eaLnBrk="1" latinLnBrk="0" hangingPunct="1">
+        <a:defRPr sz="2700" kern="1200">
           <a:solidFill>
             <a:schemeClr val="tx1"/>
           </a:solidFill>
@@ -2902,8 +2909,8 @@
           <a:cs typeface="+mn-cs"/>
         </a:defRPr>
       </a:lvl5pPr>
-      <a:lvl6pPr marL="2286000" algn="l" defTabSz="914400" rtl="0" eaLnBrk="1" latinLnBrk="0" hangingPunct="1">
-        <a:defRPr sz="1800" kern="1200">
+      <a:lvl6pPr marL="3429000" algn="l" defTabSz="1371600" rtl="0" eaLnBrk="1" latinLnBrk="0" hangingPunct="1">
+        <a:defRPr sz="2700" kern="1200">
           <a:solidFill>
             <a:schemeClr val="tx1"/>
           </a:solidFill>
@@ -2912,8 +2919,8 @@
           <a:cs typeface="+mn-cs"/>
         </a:defRPr>
       </a:lvl6pPr>
-      <a:lvl7pPr marL="2743200" algn="l" defTabSz="914400" rtl="0" eaLnBrk="1" latinLnBrk="0" hangingPunct="1">
-        <a:defRPr sz="1800" kern="1200">
+      <a:lvl7pPr marL="4114800" algn="l" defTabSz="1371600" rtl="0" eaLnBrk="1" latinLnBrk="0" hangingPunct="1">
+        <a:defRPr sz="2700" kern="1200">
           <a:solidFill>
             <a:schemeClr val="tx1"/>
           </a:solidFill>
@@ -2922,8 +2929,8 @@
           <a:cs typeface="+mn-cs"/>
         </a:defRPr>
       </a:lvl7pPr>
-      <a:lvl8pPr marL="3200400" algn="l" defTabSz="914400" rtl="0" eaLnBrk="1" latinLnBrk="0" hangingPunct="1">
-        <a:defRPr sz="1800" kern="1200">
+      <a:lvl8pPr marL="4800600" algn="l" defTabSz="1371600" rtl="0" eaLnBrk="1" latinLnBrk="0" hangingPunct="1">
+        <a:defRPr sz="2700" kern="1200">
           <a:solidFill>
             <a:schemeClr val="tx1"/>
           </a:solidFill>
@@ -2932,8 +2939,8 @@
           <a:cs typeface="+mn-cs"/>
         </a:defRPr>
       </a:lvl8pPr>
-      <a:lvl9pPr marL="3657600" algn="l" defTabSz="914400" rtl="0" eaLnBrk="1" latinLnBrk="0" hangingPunct="1">
-        <a:defRPr sz="1800" kern="1200">
+      <a:lvl9pPr marL="5486400" algn="l" defTabSz="1371600" rtl="0" eaLnBrk="1" latinLnBrk="0" hangingPunct="1">
+        <a:defRPr sz="2700" kern="1200">
           <a:solidFill>
             <a:schemeClr val="tx1"/>
           </a:solidFill>
@@ -2964,354 +2971,1488 @@
           <a:chExt cx="0" cy="0"/>
         </a:xfrm>
       </p:grpSpPr>
-      <p:cxnSp>
-        <p:nvCxnSpPr>
-          <p:cNvPr id="5" name="Straight Connector 4"/>
-          <p:cNvCxnSpPr/>
+      <p:grpSp>
+        <p:nvGrpSpPr>
+          <p:cNvPr id="94" name="Group 93"/>
+          <p:cNvGrpSpPr/>
           <p:nvPr/>
-        </p:nvCxnSpPr>
-        <p:spPr>
+        </p:nvGrpSpPr>
+        <p:grpSpPr>
           <a:xfrm>
-            <a:off x="665021" y="5069107"/>
-            <a:ext cx="11021285" cy="0"/>
-          </a:xfrm>
-          <a:prstGeom prst="line">
-            <a:avLst/>
-          </a:prstGeom>
-        </p:spPr>
-        <p:style>
-          <a:lnRef idx="1">
-            <a:schemeClr val="dk1"/>
-          </a:lnRef>
-          <a:fillRef idx="0">
-            <a:schemeClr val="dk1"/>
-          </a:fillRef>
-          <a:effectRef idx="0">
-            <a:schemeClr val="dk1"/>
-          </a:effectRef>
-          <a:fontRef idx="minor">
-            <a:schemeClr val="tx1"/>
-          </a:fontRef>
-        </p:style>
-      </p:cxnSp>
-      <p:cxnSp>
-        <p:nvCxnSpPr>
-          <p:cNvPr id="7" name="Straight Connector 6"/>
-          <p:cNvCxnSpPr/>
+            <a:off x="1167249" y="13171905"/>
+            <a:ext cx="11520045" cy="436418"/>
+            <a:chOff x="405248" y="4757380"/>
+            <a:chExt cx="11520045" cy="436418"/>
+          </a:xfrm>
+        </p:grpSpPr>
+        <p:cxnSp>
+          <p:nvCxnSpPr>
+            <p:cNvPr id="5" name="Straight Connector 4"/>
+            <p:cNvCxnSpPr/>
+            <p:nvPr/>
+          </p:nvCxnSpPr>
+          <p:spPr>
+            <a:xfrm>
+              <a:off x="665021" y="5069107"/>
+              <a:ext cx="11021285" cy="0"/>
+            </a:xfrm>
+            <a:prstGeom prst="line">
+              <a:avLst/>
+            </a:prstGeom>
+          </p:spPr>
+          <p:style>
+            <a:lnRef idx="1">
+              <a:schemeClr val="dk1"/>
+            </a:lnRef>
+            <a:fillRef idx="0">
+              <a:schemeClr val="dk1"/>
+            </a:fillRef>
+            <a:effectRef idx="0">
+              <a:schemeClr val="dk1"/>
+            </a:effectRef>
+            <a:fontRef idx="minor">
+              <a:schemeClr val="tx1"/>
+            </a:fontRef>
+          </p:style>
+        </p:cxnSp>
+        <p:cxnSp>
+          <p:nvCxnSpPr>
+            <p:cNvPr id="7" name="Straight Connector 6"/>
+            <p:cNvCxnSpPr/>
+            <p:nvPr/>
+          </p:nvCxnSpPr>
+          <p:spPr>
+            <a:xfrm>
+              <a:off x="665021" y="4944416"/>
+              <a:ext cx="0" cy="249382"/>
+            </a:xfrm>
+            <a:prstGeom prst="line">
+              <a:avLst/>
+            </a:prstGeom>
+          </p:spPr>
+          <p:style>
+            <a:lnRef idx="1">
+              <a:schemeClr val="dk1"/>
+            </a:lnRef>
+            <a:fillRef idx="0">
+              <a:schemeClr val="dk1"/>
+            </a:fillRef>
+            <a:effectRef idx="0">
+              <a:schemeClr val="dk1"/>
+            </a:effectRef>
+            <a:fontRef idx="minor">
+              <a:schemeClr val="tx1"/>
+            </a:fontRef>
+          </p:style>
+        </p:cxnSp>
+        <p:sp>
+          <p:nvSpPr>
+            <p:cNvPr id="8" name="TextBox 7"/>
+            <p:cNvSpPr txBox="1"/>
+            <p:nvPr/>
+          </p:nvSpPr>
+          <p:spPr>
+            <a:xfrm>
+              <a:off x="405248" y="4757381"/>
+              <a:ext cx="519546" cy="246221"/>
+            </a:xfrm>
+            <a:prstGeom prst="rect">
+              <a:avLst/>
+            </a:prstGeom>
+            <a:noFill/>
+          </p:spPr>
+          <p:txBody>
+            <a:bodyPr wrap="square" rtlCol="0">
+              <a:spAutoFit/>
+            </a:bodyPr>
+            <a:lstStyle/>
+            <a:p>
+              <a:pPr algn="ctr"/>
+              <a:r>
+                <a:rPr lang="en-US" sz="1000" dirty="0"/>
+                <a:t>t=0</a:t>
+              </a:r>
+            </a:p>
+          </p:txBody>
+        </p:sp>
+        <p:cxnSp>
+          <p:nvCxnSpPr>
+            <p:cNvPr id="9" name="Straight Connector 8"/>
+            <p:cNvCxnSpPr/>
+            <p:nvPr/>
+          </p:nvCxnSpPr>
+          <p:spPr>
+            <a:xfrm>
+              <a:off x="3425539" y="4944416"/>
+              <a:ext cx="0" cy="249382"/>
+            </a:xfrm>
+            <a:prstGeom prst="line">
+              <a:avLst/>
+            </a:prstGeom>
+          </p:spPr>
+          <p:style>
+            <a:lnRef idx="1">
+              <a:schemeClr val="dk1"/>
+            </a:lnRef>
+            <a:fillRef idx="0">
+              <a:schemeClr val="dk1"/>
+            </a:fillRef>
+            <a:effectRef idx="0">
+              <a:schemeClr val="dk1"/>
+            </a:effectRef>
+            <a:fontRef idx="minor">
+              <a:schemeClr val="tx1"/>
+            </a:fontRef>
+          </p:style>
+        </p:cxnSp>
+        <p:sp>
+          <p:nvSpPr>
+            <p:cNvPr id="10" name="TextBox 9"/>
+            <p:cNvSpPr txBox="1"/>
+            <p:nvPr/>
+          </p:nvSpPr>
+          <p:spPr>
+            <a:xfrm>
+              <a:off x="3155373" y="4757380"/>
+              <a:ext cx="519546" cy="246221"/>
+            </a:xfrm>
+            <a:prstGeom prst="rect">
+              <a:avLst/>
+            </a:prstGeom>
+            <a:noFill/>
+          </p:spPr>
+          <p:txBody>
+            <a:bodyPr wrap="square" rtlCol="0">
+              <a:spAutoFit/>
+            </a:bodyPr>
+            <a:lstStyle/>
+            <a:p>
+              <a:pPr algn="ctr"/>
+              <a:r>
+                <a:rPr lang="en-US" sz="1000" dirty="0"/>
+                <a:t>t=1</a:t>
+              </a:r>
+            </a:p>
+          </p:txBody>
+        </p:sp>
+        <p:cxnSp>
+          <p:nvCxnSpPr>
+            <p:cNvPr id="11" name="Straight Connector 10"/>
+            <p:cNvCxnSpPr/>
+            <p:nvPr/>
+          </p:nvCxnSpPr>
+          <p:spPr>
+            <a:xfrm>
+              <a:off x="6186057" y="4944416"/>
+              <a:ext cx="0" cy="249382"/>
+            </a:xfrm>
+            <a:prstGeom prst="line">
+              <a:avLst/>
+            </a:prstGeom>
+          </p:spPr>
+          <p:style>
+            <a:lnRef idx="1">
+              <a:schemeClr val="dk1"/>
+            </a:lnRef>
+            <a:fillRef idx="0">
+              <a:schemeClr val="dk1"/>
+            </a:fillRef>
+            <a:effectRef idx="0">
+              <a:schemeClr val="dk1"/>
+            </a:effectRef>
+            <a:fontRef idx="minor">
+              <a:schemeClr val="tx1"/>
+            </a:fontRef>
+          </p:style>
+        </p:cxnSp>
+        <p:sp>
+          <p:nvSpPr>
+            <p:cNvPr id="12" name="TextBox 11"/>
+            <p:cNvSpPr txBox="1"/>
+            <p:nvPr/>
+          </p:nvSpPr>
+          <p:spPr>
+            <a:xfrm>
+              <a:off x="5905498" y="4757380"/>
+              <a:ext cx="519546" cy="246221"/>
+            </a:xfrm>
+            <a:prstGeom prst="rect">
+              <a:avLst/>
+            </a:prstGeom>
+            <a:noFill/>
+          </p:spPr>
+          <p:txBody>
+            <a:bodyPr wrap="square" rtlCol="0">
+              <a:spAutoFit/>
+            </a:bodyPr>
+            <a:lstStyle/>
+            <a:p>
+              <a:pPr algn="ctr"/>
+              <a:r>
+                <a:rPr lang="en-US" sz="1000" dirty="0"/>
+                <a:t>t=2</a:t>
+              </a:r>
+            </a:p>
+          </p:txBody>
+        </p:sp>
+        <p:cxnSp>
+          <p:nvCxnSpPr>
+            <p:cNvPr id="13" name="Straight Connector 12"/>
+            <p:cNvCxnSpPr/>
+            <p:nvPr/>
+          </p:nvCxnSpPr>
+          <p:spPr>
+            <a:xfrm>
+              <a:off x="8936182" y="4944416"/>
+              <a:ext cx="0" cy="249382"/>
+            </a:xfrm>
+            <a:prstGeom prst="line">
+              <a:avLst/>
+            </a:prstGeom>
+          </p:spPr>
+          <p:style>
+            <a:lnRef idx="1">
+              <a:schemeClr val="dk1"/>
+            </a:lnRef>
+            <a:fillRef idx="0">
+              <a:schemeClr val="dk1"/>
+            </a:fillRef>
+            <a:effectRef idx="0">
+              <a:schemeClr val="dk1"/>
+            </a:effectRef>
+            <a:fontRef idx="minor">
+              <a:schemeClr val="tx1"/>
+            </a:fontRef>
+          </p:style>
+        </p:cxnSp>
+        <p:sp>
+          <p:nvSpPr>
+            <p:cNvPr id="14" name="TextBox 13"/>
+            <p:cNvSpPr txBox="1"/>
+            <p:nvPr/>
+          </p:nvSpPr>
+          <p:spPr>
+            <a:xfrm>
+              <a:off x="8655623" y="4757380"/>
+              <a:ext cx="519546" cy="246221"/>
+            </a:xfrm>
+            <a:prstGeom prst="rect">
+              <a:avLst/>
+            </a:prstGeom>
+            <a:noFill/>
+          </p:spPr>
+          <p:txBody>
+            <a:bodyPr wrap="square" rtlCol="0">
+              <a:spAutoFit/>
+            </a:bodyPr>
+            <a:lstStyle/>
+            <a:p>
+              <a:pPr algn="ctr"/>
+              <a:r>
+                <a:rPr lang="en-US" sz="1000" dirty="0"/>
+                <a:t>t=3</a:t>
+              </a:r>
+            </a:p>
+          </p:txBody>
+        </p:sp>
+        <p:cxnSp>
+          <p:nvCxnSpPr>
+            <p:cNvPr id="15" name="Straight Connector 14"/>
+            <p:cNvCxnSpPr/>
+            <p:nvPr/>
+          </p:nvCxnSpPr>
+          <p:spPr>
+            <a:xfrm>
+              <a:off x="11686306" y="4944416"/>
+              <a:ext cx="0" cy="249382"/>
+            </a:xfrm>
+            <a:prstGeom prst="line">
+              <a:avLst/>
+            </a:prstGeom>
+          </p:spPr>
+          <p:style>
+            <a:lnRef idx="1">
+              <a:schemeClr val="dk1"/>
+            </a:lnRef>
+            <a:fillRef idx="0">
+              <a:schemeClr val="dk1"/>
+            </a:fillRef>
+            <a:effectRef idx="0">
+              <a:schemeClr val="dk1"/>
+            </a:effectRef>
+            <a:fontRef idx="minor">
+              <a:schemeClr val="tx1"/>
+            </a:fontRef>
+          </p:style>
+        </p:cxnSp>
+        <p:sp>
+          <p:nvSpPr>
+            <p:cNvPr id="16" name="TextBox 15"/>
+            <p:cNvSpPr txBox="1"/>
+            <p:nvPr/>
+          </p:nvSpPr>
+          <p:spPr>
+            <a:xfrm>
+              <a:off x="11405747" y="4757380"/>
+              <a:ext cx="519546" cy="246221"/>
+            </a:xfrm>
+            <a:prstGeom prst="rect">
+              <a:avLst/>
+            </a:prstGeom>
+            <a:noFill/>
+          </p:spPr>
+          <p:txBody>
+            <a:bodyPr wrap="square" rtlCol="0">
+              <a:spAutoFit/>
+            </a:bodyPr>
+            <a:lstStyle/>
+            <a:p>
+              <a:pPr algn="ctr"/>
+              <a:r>
+                <a:rPr lang="en-US" sz="1000" dirty="0"/>
+                <a:t>t=4</a:t>
+              </a:r>
+            </a:p>
+          </p:txBody>
+        </p:sp>
+      </p:grpSp>
+      <p:grpSp>
+        <p:nvGrpSpPr>
+          <p:cNvPr id="95" name="Group 94"/>
+          <p:cNvGrpSpPr/>
           <p:nvPr/>
-        </p:nvCxnSpPr>
-        <p:spPr>
+        </p:nvGrpSpPr>
+        <p:grpSpPr>
           <a:xfrm>
-            <a:off x="665021" y="4944416"/>
-            <a:ext cx="0" cy="249382"/>
-          </a:xfrm>
-          <a:prstGeom prst="line">
-            <a:avLst/>
-          </a:prstGeom>
-        </p:spPr>
-        <p:style>
-          <a:lnRef idx="1">
-            <a:schemeClr val="dk1"/>
-          </a:lnRef>
-          <a:fillRef idx="0">
-            <a:schemeClr val="dk1"/>
-          </a:fillRef>
-          <a:effectRef idx="0">
-            <a:schemeClr val="dk1"/>
-          </a:effectRef>
-          <a:fontRef idx="minor">
-            <a:schemeClr val="tx1"/>
-          </a:fontRef>
-        </p:style>
-      </p:cxnSp>
-      <p:sp>
-        <p:nvSpPr>
-          <p:cNvPr id="8" name="TextBox 7"/>
-          <p:cNvSpPr txBox="1"/>
-          <p:nvPr/>
-        </p:nvSpPr>
-        <p:spPr>
-          <a:xfrm>
-            <a:off x="405248" y="4757381"/>
-            <a:ext cx="519546" cy="246221"/>
-          </a:xfrm>
-          <a:prstGeom prst="rect">
-            <a:avLst/>
-          </a:prstGeom>
-          <a:noFill/>
-        </p:spPr>
-        <p:txBody>
-          <a:bodyPr wrap="square" rtlCol="0">
-            <a:spAutoFit/>
-          </a:bodyPr>
-          <a:lstStyle/>
-          <a:p>
-            <a:pPr algn="ctr"/>
-            <a:r>
-              <a:rPr lang="en-US" sz="1000" dirty="0"/>
-              <a:t>t</a:t>
-            </a:r>
-            <a:r>
-              <a:rPr lang="en-US" sz="1000" smtClean="0"/>
-              <a:t>=0</a:t>
-            </a:r>
-            <a:endParaRPr lang="en-US" sz="1000" dirty="0"/>
-          </a:p>
-        </p:txBody>
-      </p:sp>
-      <p:cxnSp>
-        <p:nvCxnSpPr>
-          <p:cNvPr id="9" name="Straight Connector 8"/>
-          <p:cNvCxnSpPr/>
-          <p:nvPr/>
-        </p:nvCxnSpPr>
-        <p:spPr>
-          <a:xfrm>
-            <a:off x="3425539" y="4944416"/>
-            <a:ext cx="0" cy="249382"/>
-          </a:xfrm>
-          <a:prstGeom prst="line">
-            <a:avLst/>
-          </a:prstGeom>
-        </p:spPr>
-        <p:style>
-          <a:lnRef idx="1">
-            <a:schemeClr val="dk1"/>
-          </a:lnRef>
-          <a:fillRef idx="0">
-            <a:schemeClr val="dk1"/>
-          </a:fillRef>
-          <a:effectRef idx="0">
-            <a:schemeClr val="dk1"/>
-          </a:effectRef>
-          <a:fontRef idx="minor">
-            <a:schemeClr val="tx1"/>
-          </a:fontRef>
-        </p:style>
-      </p:cxnSp>
-      <p:sp>
-        <p:nvSpPr>
-          <p:cNvPr id="10" name="TextBox 9"/>
-          <p:cNvSpPr txBox="1"/>
-          <p:nvPr/>
-        </p:nvSpPr>
-        <p:spPr>
-          <a:xfrm>
-            <a:off x="3155373" y="4757380"/>
-            <a:ext cx="519546" cy="246221"/>
-          </a:xfrm>
-          <a:prstGeom prst="rect">
-            <a:avLst/>
-          </a:prstGeom>
-          <a:noFill/>
-        </p:spPr>
-        <p:txBody>
-          <a:bodyPr wrap="square" rtlCol="0">
-            <a:spAutoFit/>
-          </a:bodyPr>
-          <a:lstStyle/>
-          <a:p>
-            <a:pPr algn="ctr"/>
-            <a:r>
-              <a:rPr lang="en-US" sz="1000" dirty="0" smtClean="0"/>
-              <a:t>t=1</a:t>
-            </a:r>
-            <a:endParaRPr lang="en-US" sz="1000" dirty="0"/>
-          </a:p>
-        </p:txBody>
-      </p:sp>
-      <p:cxnSp>
-        <p:nvCxnSpPr>
-          <p:cNvPr id="11" name="Straight Connector 10"/>
-          <p:cNvCxnSpPr/>
-          <p:nvPr/>
-        </p:nvCxnSpPr>
-        <p:spPr>
-          <a:xfrm>
-            <a:off x="6186057" y="4944416"/>
-            <a:ext cx="0" cy="249382"/>
-          </a:xfrm>
-          <a:prstGeom prst="line">
-            <a:avLst/>
-          </a:prstGeom>
-        </p:spPr>
-        <p:style>
-          <a:lnRef idx="1">
-            <a:schemeClr val="dk1"/>
-          </a:lnRef>
-          <a:fillRef idx="0">
-            <a:schemeClr val="dk1"/>
-          </a:fillRef>
-          <a:effectRef idx="0">
-            <a:schemeClr val="dk1"/>
-          </a:effectRef>
-          <a:fontRef idx="minor">
-            <a:schemeClr val="tx1"/>
-          </a:fontRef>
-        </p:style>
-      </p:cxnSp>
-      <p:sp>
-        <p:nvSpPr>
-          <p:cNvPr id="12" name="TextBox 11"/>
-          <p:cNvSpPr txBox="1"/>
-          <p:nvPr/>
-        </p:nvSpPr>
-        <p:spPr>
-          <a:xfrm>
-            <a:off x="5905498" y="4757380"/>
-            <a:ext cx="519546" cy="246221"/>
-          </a:xfrm>
-          <a:prstGeom prst="rect">
-            <a:avLst/>
-          </a:prstGeom>
-          <a:noFill/>
-        </p:spPr>
-        <p:txBody>
-          <a:bodyPr wrap="square" rtlCol="0">
-            <a:spAutoFit/>
-          </a:bodyPr>
-          <a:lstStyle/>
-          <a:p>
-            <a:pPr algn="ctr"/>
-            <a:r>
-              <a:rPr lang="en-US" sz="1000" dirty="0" smtClean="0"/>
-              <a:t>t=2</a:t>
-            </a:r>
-            <a:endParaRPr lang="en-US" sz="1000" dirty="0"/>
-          </a:p>
-        </p:txBody>
-      </p:sp>
-      <p:cxnSp>
-        <p:nvCxnSpPr>
-          <p:cNvPr id="13" name="Straight Connector 12"/>
-          <p:cNvCxnSpPr/>
-          <p:nvPr/>
-        </p:nvCxnSpPr>
-        <p:spPr>
-          <a:xfrm>
-            <a:off x="8936182" y="4944416"/>
-            <a:ext cx="0" cy="249382"/>
-          </a:xfrm>
-          <a:prstGeom prst="line">
-            <a:avLst/>
-          </a:prstGeom>
-        </p:spPr>
-        <p:style>
-          <a:lnRef idx="1">
-            <a:schemeClr val="dk1"/>
-          </a:lnRef>
-          <a:fillRef idx="0">
-            <a:schemeClr val="dk1"/>
-          </a:fillRef>
-          <a:effectRef idx="0">
-            <a:schemeClr val="dk1"/>
-          </a:effectRef>
-          <a:fontRef idx="minor">
-            <a:schemeClr val="tx1"/>
-          </a:fontRef>
-        </p:style>
-      </p:cxnSp>
-      <p:sp>
-        <p:nvSpPr>
-          <p:cNvPr id="14" name="TextBox 13"/>
-          <p:cNvSpPr txBox="1"/>
-          <p:nvPr/>
-        </p:nvSpPr>
-        <p:spPr>
-          <a:xfrm>
-            <a:off x="8655623" y="4757380"/>
-            <a:ext cx="519546" cy="246221"/>
-          </a:xfrm>
-          <a:prstGeom prst="rect">
-            <a:avLst/>
-          </a:prstGeom>
-          <a:noFill/>
-        </p:spPr>
-        <p:txBody>
-          <a:bodyPr wrap="square" rtlCol="0">
-            <a:spAutoFit/>
-          </a:bodyPr>
-          <a:lstStyle/>
-          <a:p>
-            <a:pPr algn="ctr"/>
-            <a:r>
-              <a:rPr lang="en-US" sz="1000" dirty="0" smtClean="0"/>
-              <a:t>t=3</a:t>
-            </a:r>
-            <a:endParaRPr lang="en-US" sz="1000" dirty="0"/>
-          </a:p>
-        </p:txBody>
-      </p:sp>
-      <p:cxnSp>
-        <p:nvCxnSpPr>
-          <p:cNvPr id="15" name="Straight Connector 14"/>
-          <p:cNvCxnSpPr/>
-          <p:nvPr/>
-        </p:nvCxnSpPr>
-        <p:spPr>
-          <a:xfrm>
-            <a:off x="11686306" y="4944416"/>
-            <a:ext cx="0" cy="249382"/>
-          </a:xfrm>
-          <a:prstGeom prst="line">
-            <a:avLst/>
-          </a:prstGeom>
-        </p:spPr>
-        <p:style>
-          <a:lnRef idx="1">
-            <a:schemeClr val="dk1"/>
-          </a:lnRef>
-          <a:fillRef idx="0">
-            <a:schemeClr val="dk1"/>
-          </a:fillRef>
-          <a:effectRef idx="0">
-            <a:schemeClr val="dk1"/>
-          </a:effectRef>
-          <a:fontRef idx="minor">
-            <a:schemeClr val="tx1"/>
-          </a:fontRef>
-        </p:style>
-      </p:cxnSp>
-      <p:sp>
-        <p:nvSpPr>
-          <p:cNvPr id="16" name="TextBox 15"/>
-          <p:cNvSpPr txBox="1"/>
-          <p:nvPr/>
-        </p:nvSpPr>
-        <p:spPr>
-          <a:xfrm>
-            <a:off x="11405747" y="4757380"/>
-            <a:ext cx="519546" cy="246221"/>
-          </a:xfrm>
-          <a:prstGeom prst="rect">
-            <a:avLst/>
-          </a:prstGeom>
-          <a:noFill/>
-        </p:spPr>
-        <p:txBody>
-          <a:bodyPr wrap="square" rtlCol="0">
-            <a:spAutoFit/>
-          </a:bodyPr>
-          <a:lstStyle/>
-          <a:p>
-            <a:pPr algn="ctr"/>
-            <a:r>
-              <a:rPr lang="en-US" sz="1000" dirty="0" smtClean="0"/>
-              <a:t>t=4</a:t>
-            </a:r>
-            <a:endParaRPr lang="en-US" sz="1000" dirty="0"/>
-          </a:p>
-        </p:txBody>
-      </p:sp>
-      <p:sp>
-        <p:nvSpPr>
-          <p:cNvPr id="18" name="Rectangle 17"/>
+            <a:off x="762000" y="51422"/>
+            <a:ext cx="12192001" cy="2678487"/>
+            <a:chOff x="-1" y="2056567"/>
+            <a:chExt cx="12192001" cy="2678487"/>
+          </a:xfrm>
+        </p:grpSpPr>
+        <p:sp>
+          <p:nvSpPr>
+            <p:cNvPr id="18" name="Rectangle 17"/>
+            <p:cNvSpPr/>
+            <p:nvPr/>
+          </p:nvSpPr>
+          <p:spPr>
+            <a:xfrm>
+              <a:off x="0" y="4530328"/>
+              <a:ext cx="1632857" cy="204726"/>
+            </a:xfrm>
+            <a:prstGeom prst="rect">
+              <a:avLst/>
+            </a:prstGeom>
+            <a:ln>
+              <a:solidFill>
+                <a:schemeClr val="tx1"/>
+              </a:solidFill>
+            </a:ln>
+          </p:spPr>
+          <p:style>
+            <a:lnRef idx="2">
+              <a:schemeClr val="accent6"/>
+            </a:lnRef>
+            <a:fillRef idx="1">
+              <a:schemeClr val="lt1"/>
+            </a:fillRef>
+            <a:effectRef idx="0">
+              <a:schemeClr val="accent6"/>
+            </a:effectRef>
+            <a:fontRef idx="minor">
+              <a:schemeClr val="dk1"/>
+            </a:fontRef>
+          </p:style>
+          <p:txBody>
+            <a:bodyPr rot="0" spcFirstLastPara="0" vertOverflow="overflow" horzOverflow="overflow" vert="horz" wrap="square" lIns="91440" tIns="45720" rIns="91440" bIns="45720" numCol="1" spcCol="0" rtlCol="0" fromWordArt="0" anchor="ctr" anchorCtr="0" forceAA="0" compatLnSpc="1">
+              <a:prstTxWarp prst="textNoShape">
+                <a:avLst/>
+              </a:prstTxWarp>
+              <a:noAutofit/>
+            </a:bodyPr>
+            <a:lstStyle/>
+            <a:p>
+              <a:pPr algn="ctr"/>
+              <a:r>
+                <a:rPr lang="en-US" sz="1100" dirty="0"/>
+                <a:t>Buy ORA from groves</a:t>
+              </a:r>
+            </a:p>
+          </p:txBody>
+        </p:sp>
+        <p:sp>
+          <p:nvSpPr>
+            <p:cNvPr id="19" name="Rectangle 18"/>
+            <p:cNvSpPr/>
+            <p:nvPr/>
+          </p:nvSpPr>
+          <p:spPr>
+            <a:xfrm>
+              <a:off x="-1" y="3997907"/>
+              <a:ext cx="1632857" cy="204726"/>
+            </a:xfrm>
+            <a:prstGeom prst="rect">
+              <a:avLst/>
+            </a:prstGeom>
+            <a:ln>
+              <a:solidFill>
+                <a:schemeClr val="tx1"/>
+              </a:solidFill>
+            </a:ln>
+          </p:spPr>
+          <p:style>
+            <a:lnRef idx="2">
+              <a:schemeClr val="accent6"/>
+            </a:lnRef>
+            <a:fillRef idx="1">
+              <a:schemeClr val="lt1"/>
+            </a:fillRef>
+            <a:effectRef idx="0">
+              <a:schemeClr val="accent6"/>
+            </a:effectRef>
+            <a:fontRef idx="minor">
+              <a:schemeClr val="dk1"/>
+            </a:fontRef>
+          </p:style>
+          <p:txBody>
+            <a:bodyPr rot="0" spcFirstLastPara="0" vertOverflow="overflow" horzOverflow="overflow" vert="horz" wrap="square" lIns="91440" tIns="45720" rIns="91440" bIns="45720" numCol="1" spcCol="0" rtlCol="0" fromWordArt="0" anchor="ctr" anchorCtr="0" forceAA="0" compatLnSpc="1">
+              <a:prstTxWarp prst="textNoShape">
+                <a:avLst/>
+              </a:prstTxWarp>
+              <a:noAutofit/>
+            </a:bodyPr>
+            <a:lstStyle/>
+            <a:p>
+              <a:pPr algn="ctr"/>
+              <a:r>
+                <a:rPr lang="en-US" sz="1100" dirty="0"/>
+                <a:t>ORA futures arrive at FLA</a:t>
+              </a:r>
+            </a:p>
+          </p:txBody>
+        </p:sp>
+        <p:sp>
+          <p:nvSpPr>
+            <p:cNvPr id="21" name="Rectangle 20"/>
+            <p:cNvSpPr/>
+            <p:nvPr/>
+          </p:nvSpPr>
+          <p:spPr>
+            <a:xfrm>
+              <a:off x="-1" y="3465486"/>
+              <a:ext cx="1632857" cy="204726"/>
+            </a:xfrm>
+            <a:prstGeom prst="rect">
+              <a:avLst/>
+            </a:prstGeom>
+            <a:ln>
+              <a:solidFill>
+                <a:schemeClr val="tx1"/>
+              </a:solidFill>
+            </a:ln>
+          </p:spPr>
+          <p:style>
+            <a:lnRef idx="2">
+              <a:schemeClr val="accent6"/>
+            </a:lnRef>
+            <a:fillRef idx="1">
+              <a:schemeClr val="lt1"/>
+            </a:fillRef>
+            <a:effectRef idx="0">
+              <a:schemeClr val="accent6"/>
+            </a:effectRef>
+            <a:fontRef idx="minor">
+              <a:schemeClr val="dk1"/>
+            </a:fontRef>
+          </p:style>
+          <p:txBody>
+            <a:bodyPr rot="0" spcFirstLastPara="0" vertOverflow="overflow" horzOverflow="overflow" vert="horz" wrap="square" lIns="91440" tIns="45720" rIns="91440" bIns="45720" numCol="1" spcCol="0" rtlCol="0" fromWordArt="0" anchor="ctr" anchorCtr="0" forceAA="0" compatLnSpc="1">
+              <a:prstTxWarp prst="textNoShape">
+                <a:avLst/>
+              </a:prstTxWarp>
+              <a:noAutofit/>
+            </a:bodyPr>
+            <a:lstStyle/>
+            <a:p>
+              <a:pPr algn="ctr"/>
+              <a:r>
+                <a:rPr lang="en-US" sz="1050" dirty="0"/>
+                <a:t>FCOJ futures arrive at FLA</a:t>
+              </a:r>
+            </a:p>
+          </p:txBody>
+        </p:sp>
+        <p:sp>
+          <p:nvSpPr>
+            <p:cNvPr id="25" name="Rectangle 24"/>
+            <p:cNvSpPr/>
+            <p:nvPr/>
+          </p:nvSpPr>
+          <p:spPr>
+            <a:xfrm>
+              <a:off x="2598717" y="2289829"/>
+              <a:ext cx="1632857" cy="204726"/>
+            </a:xfrm>
+            <a:prstGeom prst="rect">
+              <a:avLst/>
+            </a:prstGeom>
+            <a:ln>
+              <a:solidFill>
+                <a:schemeClr val="tx1"/>
+              </a:solidFill>
+            </a:ln>
+          </p:spPr>
+          <p:style>
+            <a:lnRef idx="2">
+              <a:schemeClr val="accent6"/>
+            </a:lnRef>
+            <a:fillRef idx="1">
+              <a:schemeClr val="lt1"/>
+            </a:fillRef>
+            <a:effectRef idx="0">
+              <a:schemeClr val="accent6"/>
+            </a:effectRef>
+            <a:fontRef idx="minor">
+              <a:schemeClr val="dk1"/>
+            </a:fontRef>
+          </p:style>
+          <p:txBody>
+            <a:bodyPr rot="0" spcFirstLastPara="0" vertOverflow="overflow" horzOverflow="overflow" vert="horz" wrap="square" lIns="91440" tIns="45720" rIns="91440" bIns="45720" numCol="1" spcCol="0" rtlCol="0" fromWordArt="0" anchor="ctr" anchorCtr="0" forceAA="0" compatLnSpc="1">
+              <a:prstTxWarp prst="textNoShape">
+                <a:avLst/>
+              </a:prstTxWarp>
+              <a:noAutofit/>
+            </a:bodyPr>
+            <a:lstStyle/>
+            <a:p>
+              <a:pPr algn="ctr"/>
+              <a:r>
+                <a:rPr lang="en-US" sz="1050" dirty="0"/>
+                <a:t>FCOJ arrives at S</a:t>
+              </a:r>
+            </a:p>
+          </p:txBody>
+        </p:sp>
+        <p:sp>
+          <p:nvSpPr>
+            <p:cNvPr id="26" name="Rectangle 25"/>
+            <p:cNvSpPr/>
+            <p:nvPr/>
+          </p:nvSpPr>
+          <p:spPr>
+            <a:xfrm>
+              <a:off x="2609111" y="2947951"/>
+              <a:ext cx="1632857" cy="204726"/>
+            </a:xfrm>
+            <a:prstGeom prst="rect">
+              <a:avLst/>
+            </a:prstGeom>
+            <a:ln>
+              <a:solidFill>
+                <a:schemeClr val="tx1"/>
+              </a:solidFill>
+            </a:ln>
+          </p:spPr>
+          <p:style>
+            <a:lnRef idx="2">
+              <a:schemeClr val="accent6"/>
+            </a:lnRef>
+            <a:fillRef idx="1">
+              <a:schemeClr val="lt1"/>
+            </a:fillRef>
+            <a:effectRef idx="0">
+              <a:schemeClr val="accent6"/>
+            </a:effectRef>
+            <a:fontRef idx="minor">
+              <a:schemeClr val="dk1"/>
+            </a:fontRef>
+          </p:style>
+          <p:txBody>
+            <a:bodyPr rot="0" spcFirstLastPara="0" vertOverflow="overflow" horzOverflow="overflow" vert="horz" wrap="square" lIns="91440" tIns="45720" rIns="91440" bIns="45720" numCol="1" spcCol="0" rtlCol="0" fromWordArt="0" anchor="ctr" anchorCtr="0" forceAA="0" compatLnSpc="1">
+              <a:prstTxWarp prst="textNoShape">
+                <a:avLst/>
+              </a:prstTxWarp>
+              <a:noAutofit/>
+            </a:bodyPr>
+            <a:lstStyle/>
+            <a:p>
+              <a:pPr algn="ctr"/>
+              <a:r>
+                <a:rPr lang="en-US" sz="1050" dirty="0"/>
+                <a:t>ORA arrives at S</a:t>
+              </a:r>
+            </a:p>
+          </p:txBody>
+        </p:sp>
+        <p:cxnSp>
+          <p:nvCxnSpPr>
+            <p:cNvPr id="28" name="Straight Arrow Connector 27"/>
+            <p:cNvCxnSpPr>
+              <a:stCxn id="21" idx="3"/>
+              <a:endCxn id="25" idx="1"/>
+            </p:cNvCxnSpPr>
+            <p:nvPr/>
+          </p:nvCxnSpPr>
+          <p:spPr>
+            <a:xfrm flipV="1">
+              <a:off x="1632856" y="2392192"/>
+              <a:ext cx="965861" cy="1175657"/>
+            </a:xfrm>
+            <a:prstGeom prst="straightConnector1">
+              <a:avLst/>
+            </a:prstGeom>
+            <a:ln>
+              <a:tailEnd type="triangle"/>
+            </a:ln>
+          </p:spPr>
+          <p:style>
+            <a:lnRef idx="1">
+              <a:schemeClr val="accent1"/>
+            </a:lnRef>
+            <a:fillRef idx="0">
+              <a:schemeClr val="accent1"/>
+            </a:fillRef>
+            <a:effectRef idx="0">
+              <a:schemeClr val="accent1"/>
+            </a:effectRef>
+            <a:fontRef idx="minor">
+              <a:schemeClr val="tx1"/>
+            </a:fontRef>
+          </p:style>
+        </p:cxnSp>
+        <p:cxnSp>
+          <p:nvCxnSpPr>
+            <p:cNvPr id="29" name="Straight Arrow Connector 28"/>
+            <p:cNvCxnSpPr>
+              <a:stCxn id="19" idx="3"/>
+              <a:endCxn id="26" idx="1"/>
+            </p:cNvCxnSpPr>
+            <p:nvPr/>
+          </p:nvCxnSpPr>
+          <p:spPr>
+            <a:xfrm flipV="1">
+              <a:off x="1632856" y="3050314"/>
+              <a:ext cx="976255" cy="1049956"/>
+            </a:xfrm>
+            <a:prstGeom prst="straightConnector1">
+              <a:avLst/>
+            </a:prstGeom>
+            <a:ln>
+              <a:tailEnd type="triangle"/>
+            </a:ln>
+          </p:spPr>
+          <p:style>
+            <a:lnRef idx="1">
+              <a:schemeClr val="accent1"/>
+            </a:lnRef>
+            <a:fillRef idx="0">
+              <a:schemeClr val="accent1"/>
+            </a:fillRef>
+            <a:effectRef idx="0">
+              <a:schemeClr val="accent1"/>
+            </a:effectRef>
+            <a:fontRef idx="minor">
+              <a:schemeClr val="tx1"/>
+            </a:fontRef>
+          </p:style>
+        </p:cxnSp>
+        <p:cxnSp>
+          <p:nvCxnSpPr>
+            <p:cNvPr id="32" name="Straight Arrow Connector 31"/>
+            <p:cNvCxnSpPr>
+              <a:stCxn id="18" idx="3"/>
+              <a:endCxn id="26" idx="1"/>
+            </p:cNvCxnSpPr>
+            <p:nvPr/>
+          </p:nvCxnSpPr>
+          <p:spPr>
+            <a:xfrm flipV="1">
+              <a:off x="1632857" y="3050314"/>
+              <a:ext cx="976254" cy="1582377"/>
+            </a:xfrm>
+            <a:prstGeom prst="straightConnector1">
+              <a:avLst/>
+            </a:prstGeom>
+            <a:ln>
+              <a:tailEnd type="triangle"/>
+            </a:ln>
+          </p:spPr>
+          <p:style>
+            <a:lnRef idx="1">
+              <a:schemeClr val="accent1"/>
+            </a:lnRef>
+            <a:fillRef idx="0">
+              <a:schemeClr val="accent1"/>
+            </a:fillRef>
+            <a:effectRef idx="0">
+              <a:schemeClr val="accent1"/>
+            </a:effectRef>
+            <a:fontRef idx="minor">
+              <a:schemeClr val="tx1"/>
+            </a:fontRef>
+          </p:style>
+        </p:cxnSp>
+        <p:sp>
+          <p:nvSpPr>
+            <p:cNvPr id="35" name="Rectangle 34"/>
+            <p:cNvSpPr/>
+            <p:nvPr/>
+          </p:nvSpPr>
+          <p:spPr>
+            <a:xfrm>
+              <a:off x="2598716" y="3712157"/>
+              <a:ext cx="1632857" cy="204726"/>
+            </a:xfrm>
+            <a:prstGeom prst="rect">
+              <a:avLst/>
+            </a:prstGeom>
+            <a:ln>
+              <a:solidFill>
+                <a:schemeClr val="tx1"/>
+              </a:solidFill>
+            </a:ln>
+          </p:spPr>
+          <p:style>
+            <a:lnRef idx="2">
+              <a:schemeClr val="accent6"/>
+            </a:lnRef>
+            <a:fillRef idx="1">
+              <a:schemeClr val="lt1"/>
+            </a:fillRef>
+            <a:effectRef idx="0">
+              <a:schemeClr val="accent6"/>
+            </a:effectRef>
+            <a:fontRef idx="minor">
+              <a:schemeClr val="dk1"/>
+            </a:fontRef>
+          </p:style>
+          <p:txBody>
+            <a:bodyPr rot="0" spcFirstLastPara="0" vertOverflow="overflow" horzOverflow="overflow" vert="horz" wrap="square" lIns="91440" tIns="45720" rIns="91440" bIns="45720" numCol="1" spcCol="0" rtlCol="0" fromWordArt="0" anchor="ctr" anchorCtr="0" forceAA="0" compatLnSpc="1">
+              <a:prstTxWarp prst="textNoShape">
+                <a:avLst/>
+              </a:prstTxWarp>
+              <a:noAutofit/>
+            </a:bodyPr>
+            <a:lstStyle/>
+            <a:p>
+              <a:pPr algn="ctr"/>
+              <a:r>
+                <a:rPr lang="en-US" sz="1050" dirty="0"/>
+                <a:t>ORA arrives </a:t>
+              </a:r>
+              <a:r>
+                <a:rPr lang="en-US" sz="1050"/>
+                <a:t>at P</a:t>
+              </a:r>
+              <a:endParaRPr lang="en-US" sz="1050" dirty="0"/>
+            </a:p>
+          </p:txBody>
+        </p:sp>
+        <p:cxnSp>
+          <p:nvCxnSpPr>
+            <p:cNvPr id="36" name="Straight Arrow Connector 35"/>
+            <p:cNvCxnSpPr>
+              <a:stCxn id="18" idx="3"/>
+              <a:endCxn id="35" idx="1"/>
+            </p:cNvCxnSpPr>
+            <p:nvPr/>
+          </p:nvCxnSpPr>
+          <p:spPr>
+            <a:xfrm flipV="1">
+              <a:off x="1632857" y="3814520"/>
+              <a:ext cx="965859" cy="818171"/>
+            </a:xfrm>
+            <a:prstGeom prst="straightConnector1">
+              <a:avLst/>
+            </a:prstGeom>
+            <a:ln>
+              <a:tailEnd type="triangle"/>
+            </a:ln>
+          </p:spPr>
+          <p:style>
+            <a:lnRef idx="1">
+              <a:schemeClr val="accent1"/>
+            </a:lnRef>
+            <a:fillRef idx="0">
+              <a:schemeClr val="accent1"/>
+            </a:fillRef>
+            <a:effectRef idx="0">
+              <a:schemeClr val="accent1"/>
+            </a:effectRef>
+            <a:fontRef idx="minor">
+              <a:schemeClr val="tx1"/>
+            </a:fontRef>
+          </p:style>
+        </p:cxnSp>
+        <p:cxnSp>
+          <p:nvCxnSpPr>
+            <p:cNvPr id="39" name="Straight Arrow Connector 38"/>
+            <p:cNvCxnSpPr>
+              <a:stCxn id="19" idx="3"/>
+              <a:endCxn id="35" idx="1"/>
+            </p:cNvCxnSpPr>
+            <p:nvPr/>
+          </p:nvCxnSpPr>
+          <p:spPr>
+            <a:xfrm flipV="1">
+              <a:off x="1632856" y="3814520"/>
+              <a:ext cx="965860" cy="285750"/>
+            </a:xfrm>
+            <a:prstGeom prst="straightConnector1">
+              <a:avLst/>
+            </a:prstGeom>
+            <a:ln>
+              <a:tailEnd type="triangle"/>
+            </a:ln>
+          </p:spPr>
+          <p:style>
+            <a:lnRef idx="1">
+              <a:schemeClr val="accent1"/>
+            </a:lnRef>
+            <a:fillRef idx="0">
+              <a:schemeClr val="accent1"/>
+            </a:fillRef>
+            <a:effectRef idx="0">
+              <a:schemeClr val="accent1"/>
+            </a:effectRef>
+            <a:fontRef idx="minor">
+              <a:schemeClr val="tx1"/>
+            </a:fontRef>
+          </p:style>
+        </p:cxnSp>
+        <p:sp>
+          <p:nvSpPr>
+            <p:cNvPr id="42" name="Rectangle 41"/>
+            <p:cNvSpPr/>
+            <p:nvPr/>
+          </p:nvSpPr>
+          <p:spPr>
+            <a:xfrm>
+              <a:off x="5348842" y="3712157"/>
+              <a:ext cx="1632857" cy="204726"/>
+            </a:xfrm>
+            <a:prstGeom prst="rect">
+              <a:avLst/>
+            </a:prstGeom>
+            <a:ln>
+              <a:solidFill>
+                <a:schemeClr val="tx1"/>
+              </a:solidFill>
+            </a:ln>
+          </p:spPr>
+          <p:style>
+            <a:lnRef idx="2">
+              <a:schemeClr val="accent6"/>
+            </a:lnRef>
+            <a:fillRef idx="1">
+              <a:schemeClr val="lt1"/>
+            </a:fillRef>
+            <a:effectRef idx="0">
+              <a:schemeClr val="accent6"/>
+            </a:effectRef>
+            <a:fontRef idx="minor">
+              <a:schemeClr val="dk1"/>
+            </a:fontRef>
+          </p:style>
+          <p:txBody>
+            <a:bodyPr rot="0" spcFirstLastPara="0" vertOverflow="overflow" horzOverflow="overflow" vert="horz" wrap="square" lIns="91440" tIns="45720" rIns="91440" bIns="45720" numCol="1" spcCol="0" rtlCol="0" fromWordArt="0" anchor="ctr" anchorCtr="0" forceAA="0" compatLnSpc="1">
+              <a:prstTxWarp prst="textNoShape">
+                <a:avLst/>
+              </a:prstTxWarp>
+              <a:noAutofit/>
+            </a:bodyPr>
+            <a:lstStyle/>
+            <a:p>
+              <a:pPr algn="ctr"/>
+              <a:r>
+                <a:rPr lang="en-US" sz="1050" dirty="0"/>
+                <a:t>POJ made at P</a:t>
+              </a:r>
+            </a:p>
+          </p:txBody>
+        </p:sp>
+        <p:sp>
+          <p:nvSpPr>
+            <p:cNvPr id="43" name="Rectangle 42"/>
+            <p:cNvSpPr/>
+            <p:nvPr/>
+          </p:nvSpPr>
+          <p:spPr>
+            <a:xfrm>
+              <a:off x="5348842" y="3362076"/>
+              <a:ext cx="1632857" cy="204726"/>
+            </a:xfrm>
+            <a:prstGeom prst="rect">
+              <a:avLst/>
+            </a:prstGeom>
+            <a:ln>
+              <a:solidFill>
+                <a:schemeClr val="tx1"/>
+              </a:solidFill>
+            </a:ln>
+          </p:spPr>
+          <p:style>
+            <a:lnRef idx="2">
+              <a:schemeClr val="accent6"/>
+            </a:lnRef>
+            <a:fillRef idx="1">
+              <a:schemeClr val="lt1"/>
+            </a:fillRef>
+            <a:effectRef idx="0">
+              <a:schemeClr val="accent6"/>
+            </a:effectRef>
+            <a:fontRef idx="minor">
+              <a:schemeClr val="dk1"/>
+            </a:fontRef>
+          </p:style>
+          <p:txBody>
+            <a:bodyPr rot="0" spcFirstLastPara="0" vertOverflow="overflow" horzOverflow="overflow" vert="horz" wrap="square" lIns="91440" tIns="45720" rIns="91440" bIns="45720" numCol="1" spcCol="0" rtlCol="0" fromWordArt="0" anchor="ctr" anchorCtr="0" forceAA="0" compatLnSpc="1">
+              <a:prstTxWarp prst="textNoShape">
+                <a:avLst/>
+              </a:prstTxWarp>
+              <a:noAutofit/>
+            </a:bodyPr>
+            <a:lstStyle/>
+            <a:p>
+              <a:pPr algn="ctr"/>
+              <a:r>
+                <a:rPr lang="en-US" sz="1050" dirty="0"/>
+                <a:t>FCOJ made at P</a:t>
+              </a:r>
+            </a:p>
+          </p:txBody>
+        </p:sp>
+        <p:cxnSp>
+          <p:nvCxnSpPr>
+            <p:cNvPr id="45" name="Straight Arrow Connector 44"/>
+            <p:cNvCxnSpPr>
+              <a:stCxn id="35" idx="3"/>
+              <a:endCxn id="43" idx="1"/>
+            </p:cNvCxnSpPr>
+            <p:nvPr/>
+          </p:nvCxnSpPr>
+          <p:spPr>
+            <a:xfrm flipV="1">
+              <a:off x="4231573" y="3464439"/>
+              <a:ext cx="1117269" cy="350081"/>
+            </a:xfrm>
+            <a:prstGeom prst="straightConnector1">
+              <a:avLst/>
+            </a:prstGeom>
+            <a:ln>
+              <a:tailEnd type="triangle"/>
+            </a:ln>
+          </p:spPr>
+          <p:style>
+            <a:lnRef idx="1">
+              <a:schemeClr val="accent2"/>
+            </a:lnRef>
+            <a:fillRef idx="0">
+              <a:schemeClr val="accent2"/>
+            </a:fillRef>
+            <a:effectRef idx="0">
+              <a:schemeClr val="accent2"/>
+            </a:effectRef>
+            <a:fontRef idx="minor">
+              <a:schemeClr val="tx1"/>
+            </a:fontRef>
+          </p:style>
+        </p:cxnSp>
+        <p:cxnSp>
+          <p:nvCxnSpPr>
+            <p:cNvPr id="46" name="Straight Arrow Connector 45"/>
+            <p:cNvCxnSpPr>
+              <a:stCxn id="35" idx="3"/>
+              <a:endCxn id="42" idx="1"/>
+            </p:cNvCxnSpPr>
+            <p:nvPr/>
+          </p:nvCxnSpPr>
+          <p:spPr>
+            <a:xfrm>
+              <a:off x="4231573" y="3814520"/>
+              <a:ext cx="1117269" cy="0"/>
+            </a:xfrm>
+            <a:prstGeom prst="straightConnector1">
+              <a:avLst/>
+            </a:prstGeom>
+            <a:ln>
+              <a:tailEnd type="triangle"/>
+            </a:ln>
+          </p:spPr>
+          <p:style>
+            <a:lnRef idx="1">
+              <a:schemeClr val="accent2"/>
+            </a:lnRef>
+            <a:fillRef idx="0">
+              <a:schemeClr val="accent2"/>
+            </a:fillRef>
+            <a:effectRef idx="0">
+              <a:schemeClr val="accent2"/>
+            </a:effectRef>
+            <a:fontRef idx="minor">
+              <a:schemeClr val="tx1"/>
+            </a:fontRef>
+          </p:style>
+        </p:cxnSp>
+        <p:sp>
+          <p:nvSpPr>
+            <p:cNvPr id="49" name="Rectangle 48"/>
+            <p:cNvSpPr/>
+            <p:nvPr/>
+          </p:nvSpPr>
+          <p:spPr>
+            <a:xfrm>
+              <a:off x="8088574" y="3362076"/>
+              <a:ext cx="1632857" cy="204726"/>
+            </a:xfrm>
+            <a:prstGeom prst="rect">
+              <a:avLst/>
+            </a:prstGeom>
+            <a:ln>
+              <a:solidFill>
+                <a:schemeClr val="tx1"/>
+              </a:solidFill>
+            </a:ln>
+          </p:spPr>
+          <p:style>
+            <a:lnRef idx="2">
+              <a:schemeClr val="accent6"/>
+            </a:lnRef>
+            <a:fillRef idx="1">
+              <a:schemeClr val="lt1"/>
+            </a:fillRef>
+            <a:effectRef idx="0">
+              <a:schemeClr val="accent6"/>
+            </a:effectRef>
+            <a:fontRef idx="minor">
+              <a:schemeClr val="dk1"/>
+            </a:fontRef>
+          </p:style>
+          <p:txBody>
+            <a:bodyPr rot="0" spcFirstLastPara="0" vertOverflow="overflow" horzOverflow="overflow" vert="horz" wrap="square" lIns="91440" tIns="45720" rIns="91440" bIns="45720" numCol="1" spcCol="0" rtlCol="0" fromWordArt="0" anchor="ctr" anchorCtr="0" forceAA="0" compatLnSpc="1">
+              <a:prstTxWarp prst="textNoShape">
+                <a:avLst/>
+              </a:prstTxWarp>
+              <a:noAutofit/>
+            </a:bodyPr>
+            <a:lstStyle/>
+            <a:p>
+              <a:pPr algn="ctr"/>
+              <a:r>
+                <a:rPr lang="en-US" sz="1050" dirty="0"/>
+                <a:t>FCOJ arrives at S</a:t>
+              </a:r>
+            </a:p>
+          </p:txBody>
+        </p:sp>
+        <p:sp>
+          <p:nvSpPr>
+            <p:cNvPr id="50" name="Rectangle 49"/>
+            <p:cNvSpPr/>
+            <p:nvPr/>
+          </p:nvSpPr>
+          <p:spPr>
+            <a:xfrm>
+              <a:off x="8098967" y="3715594"/>
+              <a:ext cx="1632857" cy="204726"/>
+            </a:xfrm>
+            <a:prstGeom prst="rect">
+              <a:avLst/>
+            </a:prstGeom>
+            <a:ln>
+              <a:solidFill>
+                <a:schemeClr val="tx1"/>
+              </a:solidFill>
+            </a:ln>
+          </p:spPr>
+          <p:style>
+            <a:lnRef idx="2">
+              <a:schemeClr val="accent6"/>
+            </a:lnRef>
+            <a:fillRef idx="1">
+              <a:schemeClr val="lt1"/>
+            </a:fillRef>
+            <a:effectRef idx="0">
+              <a:schemeClr val="accent6"/>
+            </a:effectRef>
+            <a:fontRef idx="minor">
+              <a:schemeClr val="dk1"/>
+            </a:fontRef>
+          </p:style>
+          <p:txBody>
+            <a:bodyPr rot="0" spcFirstLastPara="0" vertOverflow="overflow" horzOverflow="overflow" vert="horz" wrap="square" lIns="91440" tIns="45720" rIns="91440" bIns="45720" numCol="1" spcCol="0" rtlCol="0" fromWordArt="0" anchor="ctr" anchorCtr="0" forceAA="0" compatLnSpc="1">
+              <a:prstTxWarp prst="textNoShape">
+                <a:avLst/>
+              </a:prstTxWarp>
+              <a:noAutofit/>
+            </a:bodyPr>
+            <a:lstStyle/>
+            <a:p>
+              <a:pPr algn="ctr"/>
+              <a:r>
+                <a:rPr lang="en-US" sz="1050" dirty="0"/>
+                <a:t>POJ arrives at S</a:t>
+              </a:r>
+            </a:p>
+          </p:txBody>
+        </p:sp>
+        <p:cxnSp>
+          <p:nvCxnSpPr>
+            <p:cNvPr id="51" name="Straight Arrow Connector 50"/>
+            <p:cNvCxnSpPr>
+              <a:stCxn id="43" idx="3"/>
+              <a:endCxn id="49" idx="1"/>
+            </p:cNvCxnSpPr>
+            <p:nvPr/>
+          </p:nvCxnSpPr>
+          <p:spPr>
+            <a:xfrm>
+              <a:off x="6981699" y="3464439"/>
+              <a:ext cx="1106875" cy="0"/>
+            </a:xfrm>
+            <a:prstGeom prst="straightConnector1">
+              <a:avLst/>
+            </a:prstGeom>
+            <a:ln>
+              <a:tailEnd type="triangle"/>
+            </a:ln>
+          </p:spPr>
+          <p:style>
+            <a:lnRef idx="1">
+              <a:schemeClr val="accent1"/>
+            </a:lnRef>
+            <a:fillRef idx="0">
+              <a:schemeClr val="accent1"/>
+            </a:fillRef>
+            <a:effectRef idx="0">
+              <a:schemeClr val="accent1"/>
+            </a:effectRef>
+            <a:fontRef idx="minor">
+              <a:schemeClr val="tx1"/>
+            </a:fontRef>
+          </p:style>
+        </p:cxnSp>
+        <p:cxnSp>
+          <p:nvCxnSpPr>
+            <p:cNvPr id="54" name="Straight Arrow Connector 53"/>
+            <p:cNvCxnSpPr>
+              <a:stCxn id="42" idx="3"/>
+              <a:endCxn id="50" idx="1"/>
+            </p:cNvCxnSpPr>
+            <p:nvPr/>
+          </p:nvCxnSpPr>
+          <p:spPr>
+            <a:xfrm>
+              <a:off x="6981699" y="3814520"/>
+              <a:ext cx="1117268" cy="3437"/>
+            </a:xfrm>
+            <a:prstGeom prst="straightConnector1">
+              <a:avLst/>
+            </a:prstGeom>
+            <a:ln>
+              <a:tailEnd type="triangle"/>
+            </a:ln>
+          </p:spPr>
+          <p:style>
+            <a:lnRef idx="1">
+              <a:schemeClr val="accent1"/>
+            </a:lnRef>
+            <a:fillRef idx="0">
+              <a:schemeClr val="accent1"/>
+            </a:fillRef>
+            <a:effectRef idx="0">
+              <a:schemeClr val="accent1"/>
+            </a:effectRef>
+            <a:fontRef idx="minor">
+              <a:schemeClr val="tx1"/>
+            </a:fontRef>
+          </p:style>
+        </p:cxnSp>
+        <p:sp>
+          <p:nvSpPr>
+            <p:cNvPr id="57" name="Rectangle 56"/>
+            <p:cNvSpPr/>
+            <p:nvPr/>
+          </p:nvSpPr>
+          <p:spPr>
+            <a:xfrm>
+              <a:off x="10559143" y="3707326"/>
+              <a:ext cx="1632857" cy="204726"/>
+            </a:xfrm>
+            <a:prstGeom prst="rect">
+              <a:avLst/>
+            </a:prstGeom>
+            <a:ln>
+              <a:solidFill>
+                <a:schemeClr val="tx1"/>
+              </a:solidFill>
+            </a:ln>
+          </p:spPr>
+          <p:style>
+            <a:lnRef idx="2">
+              <a:schemeClr val="accent6"/>
+            </a:lnRef>
+            <a:fillRef idx="1">
+              <a:schemeClr val="lt1"/>
+            </a:fillRef>
+            <a:effectRef idx="0">
+              <a:schemeClr val="accent6"/>
+            </a:effectRef>
+            <a:fontRef idx="minor">
+              <a:schemeClr val="dk1"/>
+            </a:fontRef>
+          </p:style>
+          <p:txBody>
+            <a:bodyPr rot="0" spcFirstLastPara="0" vertOverflow="overflow" horzOverflow="overflow" vert="horz" wrap="square" lIns="91440" tIns="45720" rIns="91440" bIns="45720" numCol="1" spcCol="0" rtlCol="0" fromWordArt="0" anchor="ctr" anchorCtr="0" forceAA="0" compatLnSpc="1">
+              <a:prstTxWarp prst="textNoShape">
+                <a:avLst/>
+              </a:prstTxWarp>
+              <a:noAutofit/>
+            </a:bodyPr>
+            <a:lstStyle/>
+            <a:p>
+              <a:pPr algn="ctr"/>
+              <a:r>
+                <a:rPr lang="en-US" sz="1050" dirty="0"/>
+                <a:t>ROJ made at S</a:t>
+              </a:r>
+            </a:p>
+          </p:txBody>
+        </p:sp>
+        <p:cxnSp>
+          <p:nvCxnSpPr>
+            <p:cNvPr id="58" name="Straight Arrow Connector 57"/>
+            <p:cNvCxnSpPr>
+              <a:stCxn id="50" idx="3"/>
+              <a:endCxn id="57" idx="1"/>
+            </p:cNvCxnSpPr>
+            <p:nvPr/>
+          </p:nvCxnSpPr>
+          <p:spPr>
+            <a:xfrm flipV="1">
+              <a:off x="9731824" y="3809689"/>
+              <a:ext cx="827319" cy="8268"/>
+            </a:xfrm>
+            <a:prstGeom prst="straightConnector1">
+              <a:avLst/>
+            </a:prstGeom>
+            <a:ln>
+              <a:solidFill>
+                <a:srgbClr val="7030A0"/>
+              </a:solidFill>
+              <a:tailEnd type="triangle"/>
+            </a:ln>
+          </p:spPr>
+          <p:style>
+            <a:lnRef idx="1">
+              <a:schemeClr val="accent2"/>
+            </a:lnRef>
+            <a:fillRef idx="0">
+              <a:schemeClr val="accent2"/>
+            </a:fillRef>
+            <a:effectRef idx="0">
+              <a:schemeClr val="accent2"/>
+            </a:effectRef>
+            <a:fontRef idx="minor">
+              <a:schemeClr val="tx1"/>
+            </a:fontRef>
+          </p:style>
+        </p:cxnSp>
+        <p:cxnSp>
+          <p:nvCxnSpPr>
+            <p:cNvPr id="68" name="Straight Arrow Connector 67"/>
+            <p:cNvCxnSpPr>
+              <a:stCxn id="26" idx="0"/>
+            </p:cNvCxnSpPr>
+            <p:nvPr/>
+          </p:nvCxnSpPr>
+          <p:spPr>
+            <a:xfrm flipH="1" flipV="1">
+              <a:off x="3425539" y="2723361"/>
+              <a:ext cx="1" cy="224590"/>
+            </a:xfrm>
+            <a:prstGeom prst="straightConnector1">
+              <a:avLst/>
+            </a:prstGeom>
+            <a:ln>
+              <a:solidFill>
+                <a:srgbClr val="00B050"/>
+              </a:solidFill>
+              <a:tailEnd type="triangle"/>
+            </a:ln>
+          </p:spPr>
+          <p:style>
+            <a:lnRef idx="1">
+              <a:schemeClr val="accent2"/>
+            </a:lnRef>
+            <a:fillRef idx="0">
+              <a:schemeClr val="accent2"/>
+            </a:fillRef>
+            <a:effectRef idx="0">
+              <a:schemeClr val="accent2"/>
+            </a:effectRef>
+            <a:fontRef idx="minor">
+              <a:schemeClr val="tx1"/>
+            </a:fontRef>
+          </p:style>
+        </p:cxnSp>
+        <p:cxnSp>
+          <p:nvCxnSpPr>
+            <p:cNvPr id="88" name="Straight Arrow Connector 87"/>
+            <p:cNvCxnSpPr/>
+            <p:nvPr/>
+          </p:nvCxnSpPr>
+          <p:spPr>
+            <a:xfrm flipH="1" flipV="1">
+              <a:off x="3415143" y="2056567"/>
+              <a:ext cx="1" cy="224590"/>
+            </a:xfrm>
+            <a:prstGeom prst="straightConnector1">
+              <a:avLst/>
+            </a:prstGeom>
+            <a:ln>
+              <a:solidFill>
+                <a:srgbClr val="00B050"/>
+              </a:solidFill>
+              <a:tailEnd type="triangle"/>
+            </a:ln>
+          </p:spPr>
+          <p:style>
+            <a:lnRef idx="1">
+              <a:schemeClr val="accent2"/>
+            </a:lnRef>
+            <a:fillRef idx="0">
+              <a:schemeClr val="accent2"/>
+            </a:fillRef>
+            <a:effectRef idx="0">
+              <a:schemeClr val="accent2"/>
+            </a:effectRef>
+            <a:fontRef idx="minor">
+              <a:schemeClr val="tx1"/>
+            </a:fontRef>
+          </p:style>
+        </p:cxnSp>
+        <p:cxnSp>
+          <p:nvCxnSpPr>
+            <p:cNvPr id="89" name="Straight Arrow Connector 88"/>
+            <p:cNvCxnSpPr/>
+            <p:nvPr/>
+          </p:nvCxnSpPr>
+          <p:spPr>
+            <a:xfrm flipH="1" flipV="1">
+              <a:off x="8915394" y="3129864"/>
+              <a:ext cx="1" cy="224590"/>
+            </a:xfrm>
+            <a:prstGeom prst="straightConnector1">
+              <a:avLst/>
+            </a:prstGeom>
+            <a:ln>
+              <a:solidFill>
+                <a:srgbClr val="00B050"/>
+              </a:solidFill>
+              <a:tailEnd type="triangle"/>
+            </a:ln>
+          </p:spPr>
+          <p:style>
+            <a:lnRef idx="1">
+              <a:schemeClr val="accent2"/>
+            </a:lnRef>
+            <a:fillRef idx="0">
+              <a:schemeClr val="accent2"/>
+            </a:fillRef>
+            <a:effectRef idx="0">
+              <a:schemeClr val="accent2"/>
+            </a:effectRef>
+            <a:fontRef idx="minor">
+              <a:schemeClr val="tx1"/>
+            </a:fontRef>
+          </p:style>
+        </p:cxnSp>
+        <p:cxnSp>
+          <p:nvCxnSpPr>
+            <p:cNvPr id="90" name="Straight Arrow Connector 89"/>
+            <p:cNvCxnSpPr>
+              <a:stCxn id="50" idx="2"/>
+            </p:cNvCxnSpPr>
+            <p:nvPr/>
+          </p:nvCxnSpPr>
+          <p:spPr>
+            <a:xfrm flipH="1">
+              <a:off x="8915394" y="3920320"/>
+              <a:ext cx="2" cy="267633"/>
+            </a:xfrm>
+            <a:prstGeom prst="straightConnector1">
+              <a:avLst/>
+            </a:prstGeom>
+            <a:ln>
+              <a:solidFill>
+                <a:srgbClr val="00B050"/>
+              </a:solidFill>
+              <a:tailEnd type="triangle"/>
+            </a:ln>
+          </p:spPr>
+          <p:style>
+            <a:lnRef idx="1">
+              <a:schemeClr val="accent2"/>
+            </a:lnRef>
+            <a:fillRef idx="0">
+              <a:schemeClr val="accent2"/>
+            </a:fillRef>
+            <a:effectRef idx="0">
+              <a:schemeClr val="accent2"/>
+            </a:effectRef>
+            <a:fontRef idx="minor">
+              <a:schemeClr val="tx1"/>
+            </a:fontRef>
+          </p:style>
+        </p:cxnSp>
+        <p:cxnSp>
+          <p:nvCxnSpPr>
+            <p:cNvPr id="93" name="Straight Arrow Connector 92"/>
+            <p:cNvCxnSpPr/>
+            <p:nvPr/>
+          </p:nvCxnSpPr>
+          <p:spPr>
+            <a:xfrm flipH="1">
+              <a:off x="11405747" y="3862454"/>
+              <a:ext cx="2" cy="267633"/>
+            </a:xfrm>
+            <a:prstGeom prst="straightConnector1">
+              <a:avLst/>
+            </a:prstGeom>
+            <a:ln>
+              <a:solidFill>
+                <a:srgbClr val="00B050"/>
+              </a:solidFill>
+              <a:tailEnd type="triangle"/>
+            </a:ln>
+          </p:spPr>
+          <p:style>
+            <a:lnRef idx="1">
+              <a:schemeClr val="accent2"/>
+            </a:lnRef>
+            <a:fillRef idx="0">
+              <a:schemeClr val="accent2"/>
+            </a:fillRef>
+            <a:effectRef idx="0">
+              <a:schemeClr val="accent2"/>
+            </a:effectRef>
+            <a:fontRef idx="minor">
+              <a:schemeClr val="tx1"/>
+            </a:fontRef>
+          </p:style>
+        </p:cxnSp>
+      </p:grpSp>
+      <p:sp>
+        <p:nvSpPr>
+          <p:cNvPr id="97" name="Rectangle 96"/>
           <p:cNvSpPr/>
           <p:nvPr/>
         </p:nvSpPr>
         <p:spPr>
           <a:xfrm>
-            <a:off x="0" y="4530328"/>
+            <a:off x="3228613" y="5014762"/>
             <a:ext cx="1632857" cy="204726"/>
           </a:xfrm>
           <a:prstGeom prst="rect">
@@ -3338,27 +4479,31 @@
           </a:fontRef>
         </p:style>
         <p:txBody>
-          <a:bodyPr rtlCol="0" anchor="ctr"/>
+          <a:bodyPr rot="0" spcFirstLastPara="0" vertOverflow="overflow" horzOverflow="overflow" vert="horz" wrap="square" lIns="91440" tIns="45720" rIns="91440" bIns="45720" numCol="1" spcCol="0" rtlCol="0" fromWordArt="0" anchor="ctr" anchorCtr="0" forceAA="0" compatLnSpc="1">
+            <a:prstTxWarp prst="textNoShape">
+              <a:avLst/>
+            </a:prstTxWarp>
+            <a:noAutofit/>
+          </a:bodyPr>
           <a:lstStyle/>
           <a:p>
             <a:pPr algn="ctr"/>
             <a:r>
-              <a:rPr lang="en-US" sz="1100" dirty="0" smtClean="0"/>
+              <a:rPr lang="en-US" sz="1100" dirty="0"/>
               <a:t>Buy ORA from groves</a:t>
             </a:r>
-            <a:endParaRPr lang="en-US" sz="1100" dirty="0"/>
-          </a:p>
-        </p:txBody>
-      </p:sp>
-      <p:sp>
-        <p:nvSpPr>
-          <p:cNvPr id="19" name="Rectangle 18"/>
+          </a:p>
+        </p:txBody>
+      </p:sp>
+      <p:sp>
+        <p:nvSpPr>
+          <p:cNvPr id="98" name="Rectangle 97"/>
           <p:cNvSpPr/>
           <p:nvPr/>
         </p:nvSpPr>
         <p:spPr>
           <a:xfrm>
-            <a:off x="-1" y="3997907"/>
+            <a:off x="3228612" y="4482341"/>
             <a:ext cx="1632857" cy="204726"/>
           </a:xfrm>
           <a:prstGeom prst="rect">
@@ -3385,27 +4530,31 @@
           </a:fontRef>
         </p:style>
         <p:txBody>
-          <a:bodyPr rtlCol="0" anchor="ctr"/>
+          <a:bodyPr rot="0" spcFirstLastPara="0" vertOverflow="overflow" horzOverflow="overflow" vert="horz" wrap="square" lIns="91440" tIns="45720" rIns="91440" bIns="45720" numCol="1" spcCol="0" rtlCol="0" fromWordArt="0" anchor="ctr" anchorCtr="0" forceAA="0" compatLnSpc="1">
+            <a:prstTxWarp prst="textNoShape">
+              <a:avLst/>
+            </a:prstTxWarp>
+            <a:noAutofit/>
+          </a:bodyPr>
           <a:lstStyle/>
           <a:p>
             <a:pPr algn="ctr"/>
             <a:r>
-              <a:rPr lang="en-US" sz="1100" dirty="0" smtClean="0"/>
+              <a:rPr lang="en-US" sz="1100" dirty="0"/>
               <a:t>ORA futures arrive at FLA</a:t>
             </a:r>
-            <a:endParaRPr lang="en-US" sz="1100" dirty="0"/>
-          </a:p>
-        </p:txBody>
-      </p:sp>
-      <p:sp>
-        <p:nvSpPr>
-          <p:cNvPr id="21" name="Rectangle 20"/>
+          </a:p>
+        </p:txBody>
+      </p:sp>
+      <p:sp>
+        <p:nvSpPr>
+          <p:cNvPr id="99" name="Rectangle 98"/>
           <p:cNvSpPr/>
           <p:nvPr/>
         </p:nvSpPr>
         <p:spPr>
           <a:xfrm>
-            <a:off x="-1" y="3465486"/>
+            <a:off x="3228612" y="3949920"/>
             <a:ext cx="1632857" cy="204726"/>
           </a:xfrm>
           <a:prstGeom prst="rect">
@@ -3432,27 +4581,31 @@
           </a:fontRef>
         </p:style>
         <p:txBody>
-          <a:bodyPr rtlCol="0" anchor="ctr"/>
+          <a:bodyPr rot="0" spcFirstLastPara="0" vertOverflow="overflow" horzOverflow="overflow" vert="horz" wrap="square" lIns="91440" tIns="45720" rIns="91440" bIns="45720" numCol="1" spcCol="0" rtlCol="0" fromWordArt="0" anchor="ctr" anchorCtr="0" forceAA="0" compatLnSpc="1">
+            <a:prstTxWarp prst="textNoShape">
+              <a:avLst/>
+            </a:prstTxWarp>
+            <a:noAutofit/>
+          </a:bodyPr>
           <a:lstStyle/>
           <a:p>
             <a:pPr algn="ctr"/>
             <a:r>
-              <a:rPr lang="en-US" sz="1050" dirty="0" smtClean="0"/>
+              <a:rPr lang="en-US" sz="1050" dirty="0"/>
               <a:t>FCOJ futures arrive at FLA</a:t>
             </a:r>
-            <a:endParaRPr lang="en-US" sz="1050" dirty="0"/>
-          </a:p>
-        </p:txBody>
-      </p:sp>
-      <p:sp>
-        <p:nvSpPr>
-          <p:cNvPr id="25" name="Rectangle 24"/>
+          </a:p>
+        </p:txBody>
+      </p:sp>
+      <p:sp>
+        <p:nvSpPr>
+          <p:cNvPr id="100" name="Rectangle 99"/>
           <p:cNvSpPr/>
           <p:nvPr/>
         </p:nvSpPr>
         <p:spPr>
           <a:xfrm>
-            <a:off x="2598717" y="2289829"/>
+            <a:off x="5827330" y="2774263"/>
             <a:ext cx="1632857" cy="204726"/>
           </a:xfrm>
           <a:prstGeom prst="rect">
@@ -3479,27 +4632,31 @@
           </a:fontRef>
         </p:style>
         <p:txBody>
-          <a:bodyPr rtlCol="0" anchor="ctr"/>
+          <a:bodyPr rot="0" spcFirstLastPara="0" vertOverflow="overflow" horzOverflow="overflow" vert="horz" wrap="square" lIns="91440" tIns="45720" rIns="91440" bIns="45720" numCol="1" spcCol="0" rtlCol="0" fromWordArt="0" anchor="ctr" anchorCtr="0" forceAA="0" compatLnSpc="1">
+            <a:prstTxWarp prst="textNoShape">
+              <a:avLst/>
+            </a:prstTxWarp>
+            <a:noAutofit/>
+          </a:bodyPr>
           <a:lstStyle/>
           <a:p>
             <a:pPr algn="ctr"/>
             <a:r>
-              <a:rPr lang="en-US" sz="1050" dirty="0" smtClean="0"/>
+              <a:rPr lang="en-US" sz="1050" dirty="0"/>
               <a:t>FCOJ arrives at S</a:t>
             </a:r>
-            <a:endParaRPr lang="en-US" sz="1050" dirty="0"/>
-          </a:p>
-        </p:txBody>
-      </p:sp>
-      <p:sp>
-        <p:nvSpPr>
-          <p:cNvPr id="26" name="Rectangle 25"/>
+          </a:p>
+        </p:txBody>
+      </p:sp>
+      <p:sp>
+        <p:nvSpPr>
+          <p:cNvPr id="101" name="Rectangle 100"/>
           <p:cNvSpPr/>
           <p:nvPr/>
         </p:nvSpPr>
         <p:spPr>
           <a:xfrm>
-            <a:off x="2609111" y="2947951"/>
+            <a:off x="5837724" y="3432385"/>
             <a:ext cx="1632857" cy="204726"/>
           </a:xfrm>
           <a:prstGeom prst="rect">
@@ -3526,30 +4683,33 @@
           </a:fontRef>
         </p:style>
         <p:txBody>
-          <a:bodyPr rtlCol="0" anchor="ctr"/>
+          <a:bodyPr rot="0" spcFirstLastPara="0" vertOverflow="overflow" horzOverflow="overflow" vert="horz" wrap="square" lIns="91440" tIns="45720" rIns="91440" bIns="45720" numCol="1" spcCol="0" rtlCol="0" fromWordArt="0" anchor="ctr" anchorCtr="0" forceAA="0" compatLnSpc="1">
+            <a:prstTxWarp prst="textNoShape">
+              <a:avLst/>
+            </a:prstTxWarp>
+            <a:noAutofit/>
+          </a:bodyPr>
           <a:lstStyle/>
           <a:p>
             <a:pPr algn="ctr"/>
             <a:r>
-              <a:rPr lang="en-US" sz="1050" dirty="0" smtClean="0"/>
+              <a:rPr lang="en-US" sz="1050" dirty="0"/>
               <a:t>ORA arrives at S</a:t>
             </a:r>
-            <a:endParaRPr lang="en-US" sz="1050" dirty="0"/>
           </a:p>
         </p:txBody>
       </p:sp>
       <p:cxnSp>
         <p:nvCxnSpPr>
-          <p:cNvPr id="28" name="Straight Arrow Connector 27"/>
+          <p:cNvPr id="102" name="Straight Arrow Connector 101"/>
           <p:cNvCxnSpPr>
-            <a:stCxn id="21" idx="3"/>
-            <a:endCxn id="25" idx="1"/>
+            <a:stCxn id="115" idx="3"/>
           </p:cNvCxnSpPr>
           <p:nvPr/>
         </p:nvCxnSpPr>
         <p:spPr>
           <a:xfrm flipV="1">
-            <a:off x="1632856" y="2392192"/>
+            <a:off x="4861469" y="2876627"/>
             <a:ext cx="965861" cy="1175657"/>
           </a:xfrm>
           <a:prstGeom prst="straightConnector1">
@@ -3576,16 +4736,16 @@
       </p:cxnSp>
       <p:cxnSp>
         <p:nvCxnSpPr>
-          <p:cNvPr id="29" name="Straight Arrow Connector 28"/>
+          <p:cNvPr id="103" name="Straight Arrow Connector 102"/>
           <p:cNvCxnSpPr>
-            <a:stCxn id="19" idx="3"/>
-            <a:endCxn id="26" idx="1"/>
+            <a:stCxn id="113" idx="3"/>
+            <a:endCxn id="120" idx="1"/>
           </p:cNvCxnSpPr>
           <p:nvPr/>
         </p:nvCxnSpPr>
         <p:spPr>
           <a:xfrm flipV="1">
-            <a:off x="1632856" y="3050314"/>
+            <a:off x="4861469" y="3534748"/>
             <a:ext cx="976255" cy="1049956"/>
           </a:xfrm>
           <a:prstGeom prst="straightConnector1">
@@ -3612,16 +4772,16 @@
       </p:cxnSp>
       <p:cxnSp>
         <p:nvCxnSpPr>
-          <p:cNvPr id="32" name="Straight Arrow Connector 31"/>
+          <p:cNvPr id="104" name="Straight Arrow Connector 103"/>
           <p:cNvCxnSpPr>
-            <a:stCxn id="18" idx="3"/>
-            <a:endCxn id="26" idx="1"/>
+            <a:stCxn id="112" idx="3"/>
+            <a:endCxn id="120" idx="1"/>
           </p:cNvCxnSpPr>
           <p:nvPr/>
         </p:nvCxnSpPr>
         <p:spPr>
           <a:xfrm flipV="1">
-            <a:off x="1632857" y="3050314"/>
+            <a:off x="4861469" y="3534749"/>
             <a:ext cx="976254" cy="1582377"/>
           </a:xfrm>
           <a:prstGeom prst="straightConnector1">
@@ -3648,13 +4808,13 @@
       </p:cxnSp>
       <p:sp>
         <p:nvSpPr>
-          <p:cNvPr id="35" name="Rectangle 34"/>
+          <p:cNvPr id="105" name="Rectangle 104"/>
           <p:cNvSpPr/>
           <p:nvPr/>
         </p:nvSpPr>
         <p:spPr>
           <a:xfrm>
-            <a:off x="2598716" y="3712157"/>
+            <a:off x="5827329" y="4196591"/>
             <a:ext cx="1632857" cy="204726"/>
           </a:xfrm>
           <a:prstGeom prst="rect">
@@ -3681,16 +4841,21 @@
           </a:fontRef>
         </p:style>
         <p:txBody>
-          <a:bodyPr rtlCol="0" anchor="ctr"/>
+          <a:bodyPr rot="0" spcFirstLastPara="0" vertOverflow="overflow" horzOverflow="overflow" vert="horz" wrap="square" lIns="91440" tIns="45720" rIns="91440" bIns="45720" numCol="1" spcCol="0" rtlCol="0" fromWordArt="0" anchor="ctr" anchorCtr="0" forceAA="0" compatLnSpc="1">
+            <a:prstTxWarp prst="textNoShape">
+              <a:avLst/>
+            </a:prstTxWarp>
+            <a:noAutofit/>
+          </a:bodyPr>
           <a:lstStyle/>
           <a:p>
             <a:pPr algn="ctr"/>
             <a:r>
-              <a:rPr lang="en-US" sz="1050" dirty="0" smtClean="0"/>
+              <a:rPr lang="en-US" sz="1050" dirty="0"/>
               <a:t>ORA arrives </a:t>
             </a:r>
             <a:r>
-              <a:rPr lang="en-US" sz="1050" smtClean="0"/>
+              <a:rPr lang="en-US" sz="1050"/>
               <a:t>at P</a:t>
             </a:r>
             <a:endParaRPr lang="en-US" sz="1050" dirty="0"/>
@@ -3699,16 +4864,15 @@
       </p:sp>
       <p:cxnSp>
         <p:nvCxnSpPr>
-          <p:cNvPr id="36" name="Straight Arrow Connector 35"/>
+          <p:cNvPr id="106" name="Straight Arrow Connector 105"/>
           <p:cNvCxnSpPr>
-            <a:stCxn id="18" idx="3"/>
-            <a:endCxn id="35" idx="1"/>
+            <a:stCxn id="112" idx="3"/>
           </p:cNvCxnSpPr>
           <p:nvPr/>
         </p:nvCxnSpPr>
         <p:spPr>
           <a:xfrm flipV="1">
-            <a:off x="1632857" y="3814520"/>
+            <a:off x="4861470" y="4298955"/>
             <a:ext cx="965859" cy="818171"/>
           </a:xfrm>
           <a:prstGeom prst="straightConnector1">
@@ -3735,16 +4899,15 @@
       </p:cxnSp>
       <p:cxnSp>
         <p:nvCxnSpPr>
-          <p:cNvPr id="39" name="Straight Arrow Connector 38"/>
+          <p:cNvPr id="107" name="Straight Arrow Connector 106"/>
           <p:cNvCxnSpPr>
-            <a:stCxn id="19" idx="3"/>
-            <a:endCxn id="35" idx="1"/>
+            <a:stCxn id="113" idx="3"/>
           </p:cNvCxnSpPr>
           <p:nvPr/>
         </p:nvCxnSpPr>
         <p:spPr>
           <a:xfrm flipV="1">
-            <a:off x="1632856" y="3814520"/>
+            <a:off x="4861468" y="4298954"/>
             <a:ext cx="965860" cy="285750"/>
           </a:xfrm>
           <a:prstGeom prst="straightConnector1">
@@ -3771,13 +4934,13 @@
       </p:cxnSp>
       <p:sp>
         <p:nvSpPr>
-          <p:cNvPr id="42" name="Rectangle 41"/>
+          <p:cNvPr id="108" name="Rectangle 107"/>
           <p:cNvSpPr/>
           <p:nvPr/>
         </p:nvSpPr>
         <p:spPr>
           <a:xfrm>
-            <a:off x="5348842" y="3712157"/>
+            <a:off x="8577455" y="4196591"/>
             <a:ext cx="1632857" cy="204726"/>
           </a:xfrm>
           <a:prstGeom prst="rect">
@@ -3804,27 +4967,31 @@
           </a:fontRef>
         </p:style>
         <p:txBody>
-          <a:bodyPr rtlCol="0" anchor="ctr"/>
+          <a:bodyPr rot="0" spcFirstLastPara="0" vertOverflow="overflow" horzOverflow="overflow" vert="horz" wrap="square" lIns="91440" tIns="45720" rIns="91440" bIns="45720" numCol="1" spcCol="0" rtlCol="0" fromWordArt="0" anchor="ctr" anchorCtr="0" forceAA="0" compatLnSpc="1">
+            <a:prstTxWarp prst="textNoShape">
+              <a:avLst/>
+            </a:prstTxWarp>
+            <a:noAutofit/>
+          </a:bodyPr>
           <a:lstStyle/>
           <a:p>
             <a:pPr algn="ctr"/>
             <a:r>
-              <a:rPr lang="en-US" sz="1050" dirty="0" smtClean="0"/>
+              <a:rPr lang="en-US" sz="1050" dirty="0"/>
               <a:t>POJ made at P</a:t>
             </a:r>
-            <a:endParaRPr lang="en-US" sz="1050" dirty="0"/>
-          </a:p>
-        </p:txBody>
-      </p:sp>
-      <p:sp>
-        <p:nvSpPr>
-          <p:cNvPr id="43" name="Rectangle 42"/>
+          </a:p>
+        </p:txBody>
+      </p:sp>
+      <p:sp>
+        <p:nvSpPr>
+          <p:cNvPr id="109" name="Rectangle 108"/>
           <p:cNvSpPr/>
           <p:nvPr/>
         </p:nvSpPr>
         <p:spPr>
           <a:xfrm>
-            <a:off x="5348842" y="3362076"/>
+            <a:off x="8577455" y="3846510"/>
             <a:ext cx="1632857" cy="204726"/>
           </a:xfrm>
           <a:prstGeom prst="rect">
@@ -3851,30 +5018,31 @@
           </a:fontRef>
         </p:style>
         <p:txBody>
-          <a:bodyPr rtlCol="0" anchor="ctr"/>
+          <a:bodyPr rot="0" spcFirstLastPara="0" vertOverflow="overflow" horzOverflow="overflow" vert="horz" wrap="square" lIns="91440" tIns="45720" rIns="91440" bIns="45720" numCol="1" spcCol="0" rtlCol="0" fromWordArt="0" anchor="ctr" anchorCtr="0" forceAA="0" compatLnSpc="1">
+            <a:prstTxWarp prst="textNoShape">
+              <a:avLst/>
+            </a:prstTxWarp>
+            <a:noAutofit/>
+          </a:bodyPr>
           <a:lstStyle/>
           <a:p>
             <a:pPr algn="ctr"/>
             <a:r>
-              <a:rPr lang="en-US" sz="1050" dirty="0" smtClean="0"/>
+              <a:rPr lang="en-US" sz="1050" dirty="0"/>
               <a:t>FCOJ made at P</a:t>
             </a:r>
-            <a:endParaRPr lang="en-US" sz="1050" dirty="0"/>
           </a:p>
         </p:txBody>
       </p:sp>
       <p:cxnSp>
         <p:nvCxnSpPr>
-          <p:cNvPr id="45" name="Straight Arrow Connector 44"/>
-          <p:cNvCxnSpPr>
-            <a:stCxn id="35" idx="3"/>
-            <a:endCxn id="43" idx="1"/>
-          </p:cNvCxnSpPr>
+          <p:cNvPr id="110" name="Straight Arrow Connector 109"/>
+          <p:cNvCxnSpPr/>
           <p:nvPr/>
         </p:nvCxnSpPr>
         <p:spPr>
           <a:xfrm flipV="1">
-            <a:off x="4231573" y="3464439"/>
+            <a:off x="7460186" y="3948874"/>
             <a:ext cx="1117269" cy="350081"/>
           </a:xfrm>
           <a:prstGeom prst="straightConnector1">
@@ -3901,16 +5069,13 @@
       </p:cxnSp>
       <p:cxnSp>
         <p:nvCxnSpPr>
-          <p:cNvPr id="46" name="Straight Arrow Connector 45"/>
-          <p:cNvCxnSpPr>
-            <a:stCxn id="35" idx="3"/>
-            <a:endCxn id="42" idx="1"/>
-          </p:cNvCxnSpPr>
+          <p:cNvPr id="111" name="Straight Arrow Connector 110"/>
+          <p:cNvCxnSpPr/>
           <p:nvPr/>
         </p:nvCxnSpPr>
         <p:spPr>
           <a:xfrm>
-            <a:off x="4231573" y="3814520"/>
+            <a:off x="7460186" y="4298954"/>
             <a:ext cx="1117269" cy="0"/>
           </a:xfrm>
           <a:prstGeom prst="straightConnector1">
@@ -3937,13 +5102,13 @@
       </p:cxnSp>
       <p:sp>
         <p:nvSpPr>
-          <p:cNvPr id="49" name="Rectangle 48"/>
+          <p:cNvPr id="112" name="Rectangle 111"/>
           <p:cNvSpPr/>
           <p:nvPr/>
         </p:nvSpPr>
         <p:spPr>
           <a:xfrm>
-            <a:off x="8088574" y="3362076"/>
+            <a:off x="11317187" y="3846510"/>
             <a:ext cx="1632857" cy="204726"/>
           </a:xfrm>
           <a:prstGeom prst="rect">
@@ -3970,27 +5135,31 @@
           </a:fontRef>
         </p:style>
         <p:txBody>
-          <a:bodyPr rtlCol="0" anchor="ctr"/>
+          <a:bodyPr rot="0" spcFirstLastPara="0" vertOverflow="overflow" horzOverflow="overflow" vert="horz" wrap="square" lIns="91440" tIns="45720" rIns="91440" bIns="45720" numCol="1" spcCol="0" rtlCol="0" fromWordArt="0" anchor="ctr" anchorCtr="0" forceAA="0" compatLnSpc="1">
+            <a:prstTxWarp prst="textNoShape">
+              <a:avLst/>
+            </a:prstTxWarp>
+            <a:noAutofit/>
+          </a:bodyPr>
           <a:lstStyle/>
           <a:p>
             <a:pPr algn="ctr"/>
             <a:r>
-              <a:rPr lang="en-US" sz="1050" dirty="0" smtClean="0"/>
+              <a:rPr lang="en-US" sz="1050" dirty="0"/>
               <a:t>FCOJ arrives at S</a:t>
             </a:r>
-            <a:endParaRPr lang="en-US" sz="1050" dirty="0"/>
-          </a:p>
-        </p:txBody>
-      </p:sp>
-      <p:sp>
-        <p:nvSpPr>
-          <p:cNvPr id="50" name="Rectangle 49"/>
+          </a:p>
+        </p:txBody>
+      </p:sp>
+      <p:sp>
+        <p:nvSpPr>
+          <p:cNvPr id="113" name="Rectangle 112"/>
           <p:cNvSpPr/>
           <p:nvPr/>
         </p:nvSpPr>
         <p:spPr>
           <a:xfrm>
-            <a:off x="8098967" y="3715594"/>
+            <a:off x="11327580" y="4200028"/>
             <a:ext cx="1632857" cy="204726"/>
           </a:xfrm>
           <a:prstGeom prst="rect">
@@ -4017,34 +5186,31 @@
           </a:fontRef>
         </p:style>
         <p:txBody>
-          <a:bodyPr rtlCol="0" anchor="ctr"/>
+          <a:bodyPr rot="0" spcFirstLastPara="0" vertOverflow="overflow" horzOverflow="overflow" vert="horz" wrap="square" lIns="91440" tIns="45720" rIns="91440" bIns="45720" numCol="1" spcCol="0" rtlCol="0" fromWordArt="0" anchor="ctr" anchorCtr="0" forceAA="0" compatLnSpc="1">
+            <a:prstTxWarp prst="textNoShape">
+              <a:avLst/>
+            </a:prstTxWarp>
+            <a:noAutofit/>
+          </a:bodyPr>
           <a:lstStyle/>
           <a:p>
             <a:pPr algn="ctr"/>
             <a:r>
               <a:rPr lang="en-US" sz="1050" dirty="0"/>
-              <a:t>P</a:t>
-            </a:r>
-            <a:r>
-              <a:rPr lang="en-US" sz="1050" dirty="0" smtClean="0"/>
-              <a:t>OJ arrives at S</a:t>
-            </a:r>
-            <a:endParaRPr lang="en-US" sz="1050" dirty="0"/>
+              <a:t>POJ arrives at S</a:t>
+            </a:r>
           </a:p>
         </p:txBody>
       </p:sp>
       <p:cxnSp>
         <p:nvCxnSpPr>
-          <p:cNvPr id="51" name="Straight Arrow Connector 50"/>
-          <p:cNvCxnSpPr>
-            <a:stCxn id="43" idx="3"/>
-            <a:endCxn id="49" idx="1"/>
-          </p:cNvCxnSpPr>
+          <p:cNvPr id="114" name="Straight Arrow Connector 113"/>
+          <p:cNvCxnSpPr/>
           <p:nvPr/>
         </p:nvCxnSpPr>
         <p:spPr>
           <a:xfrm>
-            <a:off x="6981699" y="3464439"/>
+            <a:off x="10210312" y="3948873"/>
             <a:ext cx="1106875" cy="0"/>
           </a:xfrm>
           <a:prstGeom prst="straightConnector1">
@@ -4071,16 +5237,13 @@
       </p:cxnSp>
       <p:cxnSp>
         <p:nvCxnSpPr>
-          <p:cNvPr id="54" name="Straight Arrow Connector 53"/>
-          <p:cNvCxnSpPr>
-            <a:stCxn id="42" idx="3"/>
-            <a:endCxn id="50" idx="1"/>
-          </p:cNvCxnSpPr>
+          <p:cNvPr id="115" name="Straight Arrow Connector 114"/>
+          <p:cNvCxnSpPr/>
           <p:nvPr/>
         </p:nvCxnSpPr>
         <p:spPr>
           <a:xfrm>
-            <a:off x="6981699" y="3814520"/>
+            <a:off x="10210311" y="4298955"/>
             <a:ext cx="1117268" cy="3437"/>
           </a:xfrm>
           <a:prstGeom prst="straightConnector1">
@@ -4105,73 +5268,25 @@
           </a:fontRef>
         </p:style>
       </p:cxnSp>
-      <p:sp>
-        <p:nvSpPr>
-          <p:cNvPr id="57" name="Rectangle 56"/>
-          <p:cNvSpPr/>
-          <p:nvPr/>
-        </p:nvSpPr>
-        <p:spPr>
-          <a:xfrm>
-            <a:off x="10559143" y="3707326"/>
-            <a:ext cx="1632857" cy="204726"/>
-          </a:xfrm>
-          <a:prstGeom prst="rect">
-            <a:avLst/>
-          </a:prstGeom>
-          <a:ln>
-            <a:solidFill>
-              <a:schemeClr val="tx1"/>
-            </a:solidFill>
-          </a:ln>
-        </p:spPr>
-        <p:style>
-          <a:lnRef idx="2">
-            <a:schemeClr val="accent6"/>
-          </a:lnRef>
-          <a:fillRef idx="1">
-            <a:schemeClr val="lt1"/>
-          </a:fillRef>
-          <a:effectRef idx="0">
-            <a:schemeClr val="accent6"/>
-          </a:effectRef>
-          <a:fontRef idx="minor">
-            <a:schemeClr val="dk1"/>
-          </a:fontRef>
-        </p:style>
-        <p:txBody>
-          <a:bodyPr rtlCol="0" anchor="ctr"/>
-          <a:lstStyle/>
-          <a:p>
-            <a:pPr algn="ctr"/>
-            <a:r>
-              <a:rPr lang="en-US" sz="1050" dirty="0" smtClean="0"/>
-              <a:t>ROJ made at S</a:t>
-            </a:r>
-            <a:endParaRPr lang="en-US" sz="1050" dirty="0"/>
-          </a:p>
-        </p:txBody>
-      </p:sp>
       <p:cxnSp>
         <p:nvCxnSpPr>
-          <p:cNvPr id="58" name="Straight Arrow Connector 57"/>
+          <p:cNvPr id="118" name="Straight Arrow Connector 117"/>
           <p:cNvCxnSpPr>
-            <a:stCxn id="50" idx="3"/>
-            <a:endCxn id="57" idx="1"/>
+            <a:stCxn id="120" idx="0"/>
           </p:cNvCxnSpPr>
           <p:nvPr/>
         </p:nvCxnSpPr>
         <p:spPr>
-          <a:xfrm flipV="1">
-            <a:off x="9731824" y="3809689"/>
-            <a:ext cx="827319" cy="8268"/>
+          <a:xfrm flipH="1" flipV="1">
+            <a:off x="6654152" y="3207795"/>
+            <a:ext cx="1" cy="224590"/>
           </a:xfrm>
           <a:prstGeom prst="straightConnector1">
             <a:avLst/>
           </a:prstGeom>
           <a:ln>
             <a:solidFill>
-              <a:srgbClr val="7030A0"/>
+              <a:srgbClr val="00B050"/>
             </a:solidFill>
             <a:tailEnd type="triangle"/>
           </a:ln>
@@ -4193,15 +5308,13 @@
       </p:cxnSp>
       <p:cxnSp>
         <p:nvCxnSpPr>
-          <p:cNvPr id="68" name="Straight Arrow Connector 67"/>
-          <p:cNvCxnSpPr>
-            <a:stCxn id="26" idx="0"/>
-          </p:cNvCxnSpPr>
+          <p:cNvPr id="119" name="Straight Arrow Connector 118"/>
+          <p:cNvCxnSpPr/>
           <p:nvPr/>
         </p:nvCxnSpPr>
         <p:spPr>
           <a:xfrm flipH="1" flipV="1">
-            <a:off x="3425539" y="2723361"/>
+            <a:off x="6643756" y="2541001"/>
             <a:ext cx="1" cy="224590"/>
           </a:xfrm>
           <a:prstGeom prst="straightConnector1">
@@ -4231,13 +5344,13 @@
       </p:cxnSp>
       <p:cxnSp>
         <p:nvCxnSpPr>
-          <p:cNvPr id="88" name="Straight Arrow Connector 87"/>
+          <p:cNvPr id="120" name="Straight Arrow Connector 119"/>
           <p:cNvCxnSpPr/>
           <p:nvPr/>
         </p:nvCxnSpPr>
         <p:spPr>
           <a:xfrm flipH="1" flipV="1">
-            <a:off x="3415143" y="2056567"/>
+            <a:off x="12144007" y="3614298"/>
             <a:ext cx="1" cy="224590"/>
           </a:xfrm>
           <a:prstGeom prst="straightConnector1">
@@ -4267,14 +5380,14 @@
       </p:cxnSp>
       <p:cxnSp>
         <p:nvCxnSpPr>
-          <p:cNvPr id="89" name="Straight Arrow Connector 88"/>
+          <p:cNvPr id="121" name="Straight Arrow Connector 120"/>
           <p:cNvCxnSpPr/>
           <p:nvPr/>
         </p:nvCxnSpPr>
         <p:spPr>
-          <a:xfrm flipH="1" flipV="1">
-            <a:off x="8915394" y="3129864"/>
-            <a:ext cx="1" cy="224590"/>
+          <a:xfrm flipH="1">
+            <a:off x="12144006" y="4404755"/>
+            <a:ext cx="2" cy="267633"/>
           </a:xfrm>
           <a:prstGeom prst="straightConnector1">
             <a:avLst/>
@@ -4283,6 +5396,617 @@
             <a:solidFill>
               <a:srgbClr val="00B050"/>
             </a:solidFill>
+            <a:tailEnd type="triangle"/>
+          </a:ln>
+        </p:spPr>
+        <p:style>
+          <a:lnRef idx="1">
+            <a:schemeClr val="accent2"/>
+          </a:lnRef>
+          <a:fillRef idx="0">
+            <a:schemeClr val="accent2"/>
+          </a:fillRef>
+          <a:effectRef idx="0">
+            <a:schemeClr val="accent2"/>
+          </a:effectRef>
+          <a:fontRef idx="minor">
+            <a:schemeClr val="tx1"/>
+          </a:fontRef>
+        </p:style>
+      </p:cxnSp>
+      <p:sp>
+        <p:nvSpPr>
+          <p:cNvPr id="123" name="Rectangle 122"/>
+          <p:cNvSpPr/>
+          <p:nvPr/>
+        </p:nvSpPr>
+        <p:spPr>
+          <a:xfrm>
+            <a:off x="6063253" y="7524282"/>
+            <a:ext cx="1632857" cy="204726"/>
+          </a:xfrm>
+          <a:prstGeom prst="rect">
+            <a:avLst/>
+          </a:prstGeom>
+          <a:ln>
+            <a:solidFill>
+              <a:schemeClr val="tx1"/>
+            </a:solidFill>
+          </a:ln>
+        </p:spPr>
+        <p:style>
+          <a:lnRef idx="2">
+            <a:schemeClr val="accent6"/>
+          </a:lnRef>
+          <a:fillRef idx="1">
+            <a:schemeClr val="lt1"/>
+          </a:fillRef>
+          <a:effectRef idx="0">
+            <a:schemeClr val="accent6"/>
+          </a:effectRef>
+          <a:fontRef idx="minor">
+            <a:schemeClr val="dk1"/>
+          </a:fontRef>
+        </p:style>
+        <p:txBody>
+          <a:bodyPr rot="0" spcFirstLastPara="0" vertOverflow="overflow" horzOverflow="overflow" vert="horz" wrap="square" lIns="91440" tIns="45720" rIns="91440" bIns="45720" numCol="1" spcCol="0" rtlCol="0" fromWordArt="0" anchor="ctr" anchorCtr="0" forceAA="0" compatLnSpc="1">
+            <a:prstTxWarp prst="textNoShape">
+              <a:avLst/>
+            </a:prstTxWarp>
+            <a:noAutofit/>
+          </a:bodyPr>
+          <a:lstStyle/>
+          <a:p>
+            <a:pPr algn="ctr"/>
+            <a:r>
+              <a:rPr lang="en-US" sz="1100" dirty="0"/>
+              <a:t>Buy ORA from groves</a:t>
+            </a:r>
+          </a:p>
+        </p:txBody>
+      </p:sp>
+      <p:sp>
+        <p:nvSpPr>
+          <p:cNvPr id="124" name="Rectangle 123"/>
+          <p:cNvSpPr/>
+          <p:nvPr/>
+        </p:nvSpPr>
+        <p:spPr>
+          <a:xfrm>
+            <a:off x="6063252" y="6991861"/>
+            <a:ext cx="1632857" cy="204726"/>
+          </a:xfrm>
+          <a:prstGeom prst="rect">
+            <a:avLst/>
+          </a:prstGeom>
+          <a:ln>
+            <a:solidFill>
+              <a:schemeClr val="tx1"/>
+            </a:solidFill>
+          </a:ln>
+        </p:spPr>
+        <p:style>
+          <a:lnRef idx="2">
+            <a:schemeClr val="accent6"/>
+          </a:lnRef>
+          <a:fillRef idx="1">
+            <a:schemeClr val="lt1"/>
+          </a:fillRef>
+          <a:effectRef idx="0">
+            <a:schemeClr val="accent6"/>
+          </a:effectRef>
+          <a:fontRef idx="minor">
+            <a:schemeClr val="dk1"/>
+          </a:fontRef>
+        </p:style>
+        <p:txBody>
+          <a:bodyPr rot="0" spcFirstLastPara="0" vertOverflow="overflow" horzOverflow="overflow" vert="horz" wrap="square" lIns="91440" tIns="45720" rIns="91440" bIns="45720" numCol="1" spcCol="0" rtlCol="0" fromWordArt="0" anchor="ctr" anchorCtr="0" forceAA="0" compatLnSpc="1">
+            <a:prstTxWarp prst="textNoShape">
+              <a:avLst/>
+            </a:prstTxWarp>
+            <a:noAutofit/>
+          </a:bodyPr>
+          <a:lstStyle/>
+          <a:p>
+            <a:pPr algn="ctr"/>
+            <a:r>
+              <a:rPr lang="en-US" sz="1100" dirty="0"/>
+              <a:t>ORA futures arrive at FLA</a:t>
+            </a:r>
+          </a:p>
+        </p:txBody>
+      </p:sp>
+      <p:sp>
+        <p:nvSpPr>
+          <p:cNvPr id="125" name="Rectangle 124"/>
+          <p:cNvSpPr/>
+          <p:nvPr/>
+        </p:nvSpPr>
+        <p:spPr>
+          <a:xfrm>
+            <a:off x="6063252" y="6459440"/>
+            <a:ext cx="1632857" cy="204726"/>
+          </a:xfrm>
+          <a:prstGeom prst="rect">
+            <a:avLst/>
+          </a:prstGeom>
+          <a:ln>
+            <a:solidFill>
+              <a:schemeClr val="tx1"/>
+            </a:solidFill>
+          </a:ln>
+        </p:spPr>
+        <p:style>
+          <a:lnRef idx="2">
+            <a:schemeClr val="accent6"/>
+          </a:lnRef>
+          <a:fillRef idx="1">
+            <a:schemeClr val="lt1"/>
+          </a:fillRef>
+          <a:effectRef idx="0">
+            <a:schemeClr val="accent6"/>
+          </a:effectRef>
+          <a:fontRef idx="minor">
+            <a:schemeClr val="dk1"/>
+          </a:fontRef>
+        </p:style>
+        <p:txBody>
+          <a:bodyPr rot="0" spcFirstLastPara="0" vertOverflow="overflow" horzOverflow="overflow" vert="horz" wrap="square" lIns="91440" tIns="45720" rIns="91440" bIns="45720" numCol="1" spcCol="0" rtlCol="0" fromWordArt="0" anchor="ctr" anchorCtr="0" forceAA="0" compatLnSpc="1">
+            <a:prstTxWarp prst="textNoShape">
+              <a:avLst/>
+            </a:prstTxWarp>
+            <a:noAutofit/>
+          </a:bodyPr>
+          <a:lstStyle/>
+          <a:p>
+            <a:pPr algn="ctr"/>
+            <a:r>
+              <a:rPr lang="en-US" sz="1050" dirty="0"/>
+              <a:t>FCOJ futures arrive at FLA</a:t>
+            </a:r>
+          </a:p>
+        </p:txBody>
+      </p:sp>
+      <p:sp>
+        <p:nvSpPr>
+          <p:cNvPr id="126" name="Rectangle 125"/>
+          <p:cNvSpPr/>
+          <p:nvPr/>
+        </p:nvSpPr>
+        <p:spPr>
+          <a:xfrm>
+            <a:off x="8661970" y="5283783"/>
+            <a:ext cx="1632857" cy="204726"/>
+          </a:xfrm>
+          <a:prstGeom prst="rect">
+            <a:avLst/>
+          </a:prstGeom>
+          <a:ln>
+            <a:solidFill>
+              <a:schemeClr val="tx1"/>
+            </a:solidFill>
+          </a:ln>
+        </p:spPr>
+        <p:style>
+          <a:lnRef idx="2">
+            <a:schemeClr val="accent6"/>
+          </a:lnRef>
+          <a:fillRef idx="1">
+            <a:schemeClr val="lt1"/>
+          </a:fillRef>
+          <a:effectRef idx="0">
+            <a:schemeClr val="accent6"/>
+          </a:effectRef>
+          <a:fontRef idx="minor">
+            <a:schemeClr val="dk1"/>
+          </a:fontRef>
+        </p:style>
+        <p:txBody>
+          <a:bodyPr rot="0" spcFirstLastPara="0" vertOverflow="overflow" horzOverflow="overflow" vert="horz" wrap="square" lIns="91440" tIns="45720" rIns="91440" bIns="45720" numCol="1" spcCol="0" rtlCol="0" fromWordArt="0" anchor="ctr" anchorCtr="0" forceAA="0" compatLnSpc="1">
+            <a:prstTxWarp prst="textNoShape">
+              <a:avLst/>
+            </a:prstTxWarp>
+            <a:noAutofit/>
+          </a:bodyPr>
+          <a:lstStyle/>
+          <a:p>
+            <a:pPr algn="ctr"/>
+            <a:r>
+              <a:rPr lang="en-US" sz="1050" dirty="0"/>
+              <a:t>FCOJ arrives at S</a:t>
+            </a:r>
+          </a:p>
+        </p:txBody>
+      </p:sp>
+      <p:sp>
+        <p:nvSpPr>
+          <p:cNvPr id="127" name="Rectangle 126"/>
+          <p:cNvSpPr/>
+          <p:nvPr/>
+        </p:nvSpPr>
+        <p:spPr>
+          <a:xfrm>
+            <a:off x="8672364" y="5941905"/>
+            <a:ext cx="1632857" cy="204726"/>
+          </a:xfrm>
+          <a:prstGeom prst="rect">
+            <a:avLst/>
+          </a:prstGeom>
+          <a:ln>
+            <a:solidFill>
+              <a:schemeClr val="tx1"/>
+            </a:solidFill>
+          </a:ln>
+        </p:spPr>
+        <p:style>
+          <a:lnRef idx="2">
+            <a:schemeClr val="accent6"/>
+          </a:lnRef>
+          <a:fillRef idx="1">
+            <a:schemeClr val="lt1"/>
+          </a:fillRef>
+          <a:effectRef idx="0">
+            <a:schemeClr val="accent6"/>
+          </a:effectRef>
+          <a:fontRef idx="minor">
+            <a:schemeClr val="dk1"/>
+          </a:fontRef>
+        </p:style>
+        <p:txBody>
+          <a:bodyPr rot="0" spcFirstLastPara="0" vertOverflow="overflow" horzOverflow="overflow" vert="horz" wrap="square" lIns="91440" tIns="45720" rIns="91440" bIns="45720" numCol="1" spcCol="0" rtlCol="0" fromWordArt="0" anchor="ctr" anchorCtr="0" forceAA="0" compatLnSpc="1">
+            <a:prstTxWarp prst="textNoShape">
+              <a:avLst/>
+            </a:prstTxWarp>
+            <a:noAutofit/>
+          </a:bodyPr>
+          <a:lstStyle/>
+          <a:p>
+            <a:pPr algn="ctr"/>
+            <a:r>
+              <a:rPr lang="en-US" sz="1050" dirty="0"/>
+              <a:t>ORA arrives at S</a:t>
+            </a:r>
+          </a:p>
+        </p:txBody>
+      </p:sp>
+      <p:cxnSp>
+        <p:nvCxnSpPr>
+          <p:cNvPr id="128" name="Straight Arrow Connector 127"/>
+          <p:cNvCxnSpPr/>
+          <p:nvPr/>
+        </p:nvCxnSpPr>
+        <p:spPr>
+          <a:xfrm flipV="1">
+            <a:off x="7696109" y="5386147"/>
+            <a:ext cx="965861" cy="1175657"/>
+          </a:xfrm>
+          <a:prstGeom prst="straightConnector1">
+            <a:avLst/>
+          </a:prstGeom>
+          <a:ln>
+            <a:tailEnd type="triangle"/>
+          </a:ln>
+        </p:spPr>
+        <p:style>
+          <a:lnRef idx="1">
+            <a:schemeClr val="accent1"/>
+          </a:lnRef>
+          <a:fillRef idx="0">
+            <a:schemeClr val="accent1"/>
+          </a:fillRef>
+          <a:effectRef idx="0">
+            <a:schemeClr val="accent1"/>
+          </a:effectRef>
+          <a:fontRef idx="minor">
+            <a:schemeClr val="tx1"/>
+          </a:fontRef>
+        </p:style>
+      </p:cxnSp>
+      <p:cxnSp>
+        <p:nvCxnSpPr>
+          <p:cNvPr id="129" name="Straight Arrow Connector 128"/>
+          <p:cNvCxnSpPr/>
+          <p:nvPr/>
+        </p:nvCxnSpPr>
+        <p:spPr>
+          <a:xfrm flipV="1">
+            <a:off x="7696109" y="6044268"/>
+            <a:ext cx="976255" cy="1049956"/>
+          </a:xfrm>
+          <a:prstGeom prst="straightConnector1">
+            <a:avLst/>
+          </a:prstGeom>
+          <a:ln>
+            <a:tailEnd type="triangle"/>
+          </a:ln>
+        </p:spPr>
+        <p:style>
+          <a:lnRef idx="1">
+            <a:schemeClr val="accent1"/>
+          </a:lnRef>
+          <a:fillRef idx="0">
+            <a:schemeClr val="accent1"/>
+          </a:fillRef>
+          <a:effectRef idx="0">
+            <a:schemeClr val="accent1"/>
+          </a:effectRef>
+          <a:fontRef idx="minor">
+            <a:schemeClr val="tx1"/>
+          </a:fontRef>
+        </p:style>
+      </p:cxnSp>
+      <p:cxnSp>
+        <p:nvCxnSpPr>
+          <p:cNvPr id="130" name="Straight Arrow Connector 129"/>
+          <p:cNvCxnSpPr/>
+          <p:nvPr/>
+        </p:nvCxnSpPr>
+        <p:spPr>
+          <a:xfrm flipV="1">
+            <a:off x="7696109" y="6044269"/>
+            <a:ext cx="976254" cy="1582377"/>
+          </a:xfrm>
+          <a:prstGeom prst="straightConnector1">
+            <a:avLst/>
+          </a:prstGeom>
+          <a:ln>
+            <a:tailEnd type="triangle"/>
+          </a:ln>
+        </p:spPr>
+        <p:style>
+          <a:lnRef idx="1">
+            <a:schemeClr val="accent1"/>
+          </a:lnRef>
+          <a:fillRef idx="0">
+            <a:schemeClr val="accent1"/>
+          </a:fillRef>
+          <a:effectRef idx="0">
+            <a:schemeClr val="accent1"/>
+          </a:effectRef>
+          <a:fontRef idx="minor">
+            <a:schemeClr val="tx1"/>
+          </a:fontRef>
+        </p:style>
+      </p:cxnSp>
+      <p:sp>
+        <p:nvSpPr>
+          <p:cNvPr id="131" name="Rectangle 130"/>
+          <p:cNvSpPr/>
+          <p:nvPr/>
+        </p:nvSpPr>
+        <p:spPr>
+          <a:xfrm>
+            <a:off x="8661969" y="6706111"/>
+            <a:ext cx="1632857" cy="204726"/>
+          </a:xfrm>
+          <a:prstGeom prst="rect">
+            <a:avLst/>
+          </a:prstGeom>
+          <a:ln>
+            <a:solidFill>
+              <a:schemeClr val="tx1"/>
+            </a:solidFill>
+          </a:ln>
+        </p:spPr>
+        <p:style>
+          <a:lnRef idx="2">
+            <a:schemeClr val="accent6"/>
+          </a:lnRef>
+          <a:fillRef idx="1">
+            <a:schemeClr val="lt1"/>
+          </a:fillRef>
+          <a:effectRef idx="0">
+            <a:schemeClr val="accent6"/>
+          </a:effectRef>
+          <a:fontRef idx="minor">
+            <a:schemeClr val="dk1"/>
+          </a:fontRef>
+        </p:style>
+        <p:txBody>
+          <a:bodyPr rot="0" spcFirstLastPara="0" vertOverflow="overflow" horzOverflow="overflow" vert="horz" wrap="square" lIns="91440" tIns="45720" rIns="91440" bIns="45720" numCol="1" spcCol="0" rtlCol="0" fromWordArt="0" anchor="ctr" anchorCtr="0" forceAA="0" compatLnSpc="1">
+            <a:prstTxWarp prst="textNoShape">
+              <a:avLst/>
+            </a:prstTxWarp>
+            <a:noAutofit/>
+          </a:bodyPr>
+          <a:lstStyle/>
+          <a:p>
+            <a:pPr algn="ctr"/>
+            <a:r>
+              <a:rPr lang="en-US" sz="1050" dirty="0"/>
+              <a:t>ORA arrives </a:t>
+            </a:r>
+            <a:r>
+              <a:rPr lang="en-US" sz="1050"/>
+              <a:t>at P</a:t>
+            </a:r>
+            <a:endParaRPr lang="en-US" sz="1050" dirty="0"/>
+          </a:p>
+        </p:txBody>
+      </p:sp>
+      <p:cxnSp>
+        <p:nvCxnSpPr>
+          <p:cNvPr id="132" name="Straight Arrow Connector 131"/>
+          <p:cNvCxnSpPr/>
+          <p:nvPr/>
+        </p:nvCxnSpPr>
+        <p:spPr>
+          <a:xfrm flipV="1">
+            <a:off x="7696110" y="6808475"/>
+            <a:ext cx="965859" cy="818171"/>
+          </a:xfrm>
+          <a:prstGeom prst="straightConnector1">
+            <a:avLst/>
+          </a:prstGeom>
+          <a:ln>
+            <a:tailEnd type="triangle"/>
+          </a:ln>
+        </p:spPr>
+        <p:style>
+          <a:lnRef idx="1">
+            <a:schemeClr val="accent1"/>
+          </a:lnRef>
+          <a:fillRef idx="0">
+            <a:schemeClr val="accent1"/>
+          </a:fillRef>
+          <a:effectRef idx="0">
+            <a:schemeClr val="accent1"/>
+          </a:effectRef>
+          <a:fontRef idx="minor">
+            <a:schemeClr val="tx1"/>
+          </a:fontRef>
+        </p:style>
+      </p:cxnSp>
+      <p:cxnSp>
+        <p:nvCxnSpPr>
+          <p:cNvPr id="133" name="Straight Arrow Connector 132"/>
+          <p:cNvCxnSpPr/>
+          <p:nvPr/>
+        </p:nvCxnSpPr>
+        <p:spPr>
+          <a:xfrm flipV="1">
+            <a:off x="7696108" y="6808474"/>
+            <a:ext cx="965860" cy="285750"/>
+          </a:xfrm>
+          <a:prstGeom prst="straightConnector1">
+            <a:avLst/>
+          </a:prstGeom>
+          <a:ln>
+            <a:tailEnd type="triangle"/>
+          </a:ln>
+        </p:spPr>
+        <p:style>
+          <a:lnRef idx="1">
+            <a:schemeClr val="accent1"/>
+          </a:lnRef>
+          <a:fillRef idx="0">
+            <a:schemeClr val="accent1"/>
+          </a:fillRef>
+          <a:effectRef idx="0">
+            <a:schemeClr val="accent1"/>
+          </a:effectRef>
+          <a:fontRef idx="minor">
+            <a:schemeClr val="tx1"/>
+          </a:fontRef>
+        </p:style>
+      </p:cxnSp>
+      <p:sp>
+        <p:nvSpPr>
+          <p:cNvPr id="134" name="Rectangle 133"/>
+          <p:cNvSpPr/>
+          <p:nvPr/>
+        </p:nvSpPr>
+        <p:spPr>
+          <a:xfrm>
+            <a:off x="11412095" y="6706111"/>
+            <a:ext cx="1632857" cy="204726"/>
+          </a:xfrm>
+          <a:prstGeom prst="rect">
+            <a:avLst/>
+          </a:prstGeom>
+          <a:ln>
+            <a:solidFill>
+              <a:schemeClr val="tx1"/>
+            </a:solidFill>
+          </a:ln>
+        </p:spPr>
+        <p:style>
+          <a:lnRef idx="2">
+            <a:schemeClr val="accent6"/>
+          </a:lnRef>
+          <a:fillRef idx="1">
+            <a:schemeClr val="lt1"/>
+          </a:fillRef>
+          <a:effectRef idx="0">
+            <a:schemeClr val="accent6"/>
+          </a:effectRef>
+          <a:fontRef idx="minor">
+            <a:schemeClr val="dk1"/>
+          </a:fontRef>
+        </p:style>
+        <p:txBody>
+          <a:bodyPr rot="0" spcFirstLastPara="0" vertOverflow="overflow" horzOverflow="overflow" vert="horz" wrap="square" lIns="91440" tIns="45720" rIns="91440" bIns="45720" numCol="1" spcCol="0" rtlCol="0" fromWordArt="0" anchor="ctr" anchorCtr="0" forceAA="0" compatLnSpc="1">
+            <a:prstTxWarp prst="textNoShape">
+              <a:avLst/>
+            </a:prstTxWarp>
+            <a:noAutofit/>
+          </a:bodyPr>
+          <a:lstStyle/>
+          <a:p>
+            <a:pPr algn="ctr"/>
+            <a:r>
+              <a:rPr lang="en-US" sz="1050" dirty="0"/>
+              <a:t>POJ made at P</a:t>
+            </a:r>
+          </a:p>
+        </p:txBody>
+      </p:sp>
+      <p:sp>
+        <p:nvSpPr>
+          <p:cNvPr id="135" name="Rectangle 134"/>
+          <p:cNvSpPr/>
+          <p:nvPr/>
+        </p:nvSpPr>
+        <p:spPr>
+          <a:xfrm>
+            <a:off x="11412095" y="6356030"/>
+            <a:ext cx="1632857" cy="204726"/>
+          </a:xfrm>
+          <a:prstGeom prst="rect">
+            <a:avLst/>
+          </a:prstGeom>
+          <a:ln>
+            <a:solidFill>
+              <a:schemeClr val="tx1"/>
+            </a:solidFill>
+          </a:ln>
+        </p:spPr>
+        <p:style>
+          <a:lnRef idx="2">
+            <a:schemeClr val="accent6"/>
+          </a:lnRef>
+          <a:fillRef idx="1">
+            <a:schemeClr val="lt1"/>
+          </a:fillRef>
+          <a:effectRef idx="0">
+            <a:schemeClr val="accent6"/>
+          </a:effectRef>
+          <a:fontRef idx="minor">
+            <a:schemeClr val="dk1"/>
+          </a:fontRef>
+        </p:style>
+        <p:txBody>
+          <a:bodyPr rot="0" spcFirstLastPara="0" vertOverflow="overflow" horzOverflow="overflow" vert="horz" wrap="square" lIns="91440" tIns="45720" rIns="91440" bIns="45720" numCol="1" spcCol="0" rtlCol="0" fromWordArt="0" anchor="ctr" anchorCtr="0" forceAA="0" compatLnSpc="1">
+            <a:prstTxWarp prst="textNoShape">
+              <a:avLst/>
+            </a:prstTxWarp>
+            <a:noAutofit/>
+          </a:bodyPr>
+          <a:lstStyle/>
+          <a:p>
+            <a:pPr algn="ctr"/>
+            <a:r>
+              <a:rPr lang="en-US" sz="1050" dirty="0"/>
+              <a:t>FCOJ made at P</a:t>
+            </a:r>
+          </a:p>
+        </p:txBody>
+      </p:sp>
+      <p:cxnSp>
+        <p:nvCxnSpPr>
+          <p:cNvPr id="136" name="Straight Arrow Connector 135"/>
+          <p:cNvCxnSpPr/>
+          <p:nvPr/>
+        </p:nvCxnSpPr>
+        <p:spPr>
+          <a:xfrm flipV="1">
+            <a:off x="10294826" y="6458394"/>
+            <a:ext cx="1117269" cy="350081"/>
+          </a:xfrm>
+          <a:prstGeom prst="straightConnector1">
+            <a:avLst/>
+          </a:prstGeom>
+          <a:ln>
             <a:tailEnd type="triangle"/>
           </a:ln>
         </p:spPr>
@@ -4303,24 +6027,19 @@
       </p:cxnSp>
       <p:cxnSp>
         <p:nvCxnSpPr>
-          <p:cNvPr id="90" name="Straight Arrow Connector 89"/>
-          <p:cNvCxnSpPr>
-            <a:stCxn id="50" idx="2"/>
-          </p:cNvCxnSpPr>
+          <p:cNvPr id="137" name="Straight Arrow Connector 136"/>
+          <p:cNvCxnSpPr/>
           <p:nvPr/>
         </p:nvCxnSpPr>
         <p:spPr>
-          <a:xfrm flipH="1">
-            <a:off x="8915394" y="3920320"/>
-            <a:ext cx="2" cy="267633"/>
+          <a:xfrm>
+            <a:off x="10294826" y="6808474"/>
+            <a:ext cx="1117269" cy="0"/>
           </a:xfrm>
           <a:prstGeom prst="straightConnector1">
             <a:avLst/>
           </a:prstGeom>
           <a:ln>
-            <a:solidFill>
-              <a:srgbClr val="00B050"/>
-            </a:solidFill>
             <a:tailEnd type="triangle"/>
           </a:ln>
         </p:spPr>
@@ -4341,14 +6060,14 @@
       </p:cxnSp>
       <p:cxnSp>
         <p:nvCxnSpPr>
-          <p:cNvPr id="93" name="Straight Arrow Connector 92"/>
+          <p:cNvPr id="142" name="Straight Arrow Connector 141"/>
           <p:cNvCxnSpPr/>
           <p:nvPr/>
         </p:nvCxnSpPr>
         <p:spPr>
-          <a:xfrm flipH="1">
-            <a:off x="11405747" y="3862454"/>
-            <a:ext cx="2" cy="267633"/>
+          <a:xfrm flipH="1" flipV="1">
+            <a:off x="9488792" y="5717315"/>
+            <a:ext cx="1" cy="224590"/>
           </a:xfrm>
           <a:prstGeom prst="straightConnector1">
             <a:avLst/>
@@ -4375,6 +6094,743 @@
           </a:fontRef>
         </p:style>
       </p:cxnSp>
+      <p:cxnSp>
+        <p:nvCxnSpPr>
+          <p:cNvPr id="143" name="Straight Arrow Connector 142"/>
+          <p:cNvCxnSpPr/>
+          <p:nvPr/>
+        </p:nvCxnSpPr>
+        <p:spPr>
+          <a:xfrm flipH="1" flipV="1">
+            <a:off x="9478396" y="5050521"/>
+            <a:ext cx="1" cy="224590"/>
+          </a:xfrm>
+          <a:prstGeom prst="straightConnector1">
+            <a:avLst/>
+          </a:prstGeom>
+          <a:ln>
+            <a:solidFill>
+              <a:srgbClr val="00B050"/>
+            </a:solidFill>
+            <a:tailEnd type="triangle"/>
+          </a:ln>
+        </p:spPr>
+        <p:style>
+          <a:lnRef idx="1">
+            <a:schemeClr val="accent2"/>
+          </a:lnRef>
+          <a:fillRef idx="0">
+            <a:schemeClr val="accent2"/>
+          </a:fillRef>
+          <a:effectRef idx="0">
+            <a:schemeClr val="accent2"/>
+          </a:effectRef>
+          <a:fontRef idx="minor">
+            <a:schemeClr val="tx1"/>
+          </a:fontRef>
+        </p:style>
+      </p:cxnSp>
+      <p:sp>
+        <p:nvSpPr>
+          <p:cNvPr id="146" name="Rectangle 145"/>
+          <p:cNvSpPr/>
+          <p:nvPr/>
+        </p:nvSpPr>
+        <p:spPr>
+          <a:xfrm>
+            <a:off x="8877573" y="9769642"/>
+            <a:ext cx="1632857" cy="204726"/>
+          </a:xfrm>
+          <a:prstGeom prst="rect">
+            <a:avLst/>
+          </a:prstGeom>
+          <a:ln>
+            <a:solidFill>
+              <a:schemeClr val="tx1"/>
+            </a:solidFill>
+          </a:ln>
+        </p:spPr>
+        <p:style>
+          <a:lnRef idx="2">
+            <a:schemeClr val="accent6"/>
+          </a:lnRef>
+          <a:fillRef idx="1">
+            <a:schemeClr val="lt1"/>
+          </a:fillRef>
+          <a:effectRef idx="0">
+            <a:schemeClr val="accent6"/>
+          </a:effectRef>
+          <a:fontRef idx="minor">
+            <a:schemeClr val="dk1"/>
+          </a:fontRef>
+        </p:style>
+        <p:txBody>
+          <a:bodyPr rot="0" spcFirstLastPara="0" vertOverflow="overflow" horzOverflow="overflow" vert="horz" wrap="square" lIns="91440" tIns="45720" rIns="91440" bIns="45720" numCol="1" spcCol="0" rtlCol="0" fromWordArt="0" anchor="ctr" anchorCtr="0" forceAA="0" compatLnSpc="1">
+            <a:prstTxWarp prst="textNoShape">
+              <a:avLst/>
+            </a:prstTxWarp>
+            <a:noAutofit/>
+          </a:bodyPr>
+          <a:lstStyle/>
+          <a:p>
+            <a:pPr algn="ctr"/>
+            <a:r>
+              <a:rPr lang="en-US" sz="1100" dirty="0"/>
+              <a:t>Buy ORA from groves</a:t>
+            </a:r>
+          </a:p>
+        </p:txBody>
+      </p:sp>
+      <p:sp>
+        <p:nvSpPr>
+          <p:cNvPr id="147" name="Rectangle 146"/>
+          <p:cNvSpPr/>
+          <p:nvPr/>
+        </p:nvSpPr>
+        <p:spPr>
+          <a:xfrm>
+            <a:off x="8877572" y="9237221"/>
+            <a:ext cx="1632857" cy="204726"/>
+          </a:xfrm>
+          <a:prstGeom prst="rect">
+            <a:avLst/>
+          </a:prstGeom>
+          <a:ln>
+            <a:solidFill>
+              <a:schemeClr val="tx1"/>
+            </a:solidFill>
+          </a:ln>
+        </p:spPr>
+        <p:style>
+          <a:lnRef idx="2">
+            <a:schemeClr val="accent6"/>
+          </a:lnRef>
+          <a:fillRef idx="1">
+            <a:schemeClr val="lt1"/>
+          </a:fillRef>
+          <a:effectRef idx="0">
+            <a:schemeClr val="accent6"/>
+          </a:effectRef>
+          <a:fontRef idx="minor">
+            <a:schemeClr val="dk1"/>
+          </a:fontRef>
+        </p:style>
+        <p:txBody>
+          <a:bodyPr rot="0" spcFirstLastPara="0" vertOverflow="overflow" horzOverflow="overflow" vert="horz" wrap="square" lIns="91440" tIns="45720" rIns="91440" bIns="45720" numCol="1" spcCol="0" rtlCol="0" fromWordArt="0" anchor="ctr" anchorCtr="0" forceAA="0" compatLnSpc="1">
+            <a:prstTxWarp prst="textNoShape">
+              <a:avLst/>
+            </a:prstTxWarp>
+            <a:noAutofit/>
+          </a:bodyPr>
+          <a:lstStyle/>
+          <a:p>
+            <a:pPr algn="ctr"/>
+            <a:r>
+              <a:rPr lang="en-US" sz="1100" dirty="0"/>
+              <a:t>ORA futures arrive at FLA</a:t>
+            </a:r>
+          </a:p>
+        </p:txBody>
+      </p:sp>
+      <p:sp>
+        <p:nvSpPr>
+          <p:cNvPr id="148" name="Rectangle 147"/>
+          <p:cNvSpPr/>
+          <p:nvPr/>
+        </p:nvSpPr>
+        <p:spPr>
+          <a:xfrm>
+            <a:off x="8877572" y="8704800"/>
+            <a:ext cx="1632857" cy="204726"/>
+          </a:xfrm>
+          <a:prstGeom prst="rect">
+            <a:avLst/>
+          </a:prstGeom>
+          <a:ln>
+            <a:solidFill>
+              <a:schemeClr val="tx1"/>
+            </a:solidFill>
+          </a:ln>
+        </p:spPr>
+        <p:style>
+          <a:lnRef idx="2">
+            <a:schemeClr val="accent6"/>
+          </a:lnRef>
+          <a:fillRef idx="1">
+            <a:schemeClr val="lt1"/>
+          </a:fillRef>
+          <a:effectRef idx="0">
+            <a:schemeClr val="accent6"/>
+          </a:effectRef>
+          <a:fontRef idx="minor">
+            <a:schemeClr val="dk1"/>
+          </a:fontRef>
+        </p:style>
+        <p:txBody>
+          <a:bodyPr rot="0" spcFirstLastPara="0" vertOverflow="overflow" horzOverflow="overflow" vert="horz" wrap="square" lIns="91440" tIns="45720" rIns="91440" bIns="45720" numCol="1" spcCol="0" rtlCol="0" fromWordArt="0" anchor="ctr" anchorCtr="0" forceAA="0" compatLnSpc="1">
+            <a:prstTxWarp prst="textNoShape">
+              <a:avLst/>
+            </a:prstTxWarp>
+            <a:noAutofit/>
+          </a:bodyPr>
+          <a:lstStyle/>
+          <a:p>
+            <a:pPr algn="ctr"/>
+            <a:r>
+              <a:rPr lang="en-US" sz="1050" dirty="0"/>
+              <a:t>FCOJ futures arrive at FLA</a:t>
+            </a:r>
+          </a:p>
+        </p:txBody>
+      </p:sp>
+      <p:sp>
+        <p:nvSpPr>
+          <p:cNvPr id="149" name="Rectangle 148"/>
+          <p:cNvSpPr/>
+          <p:nvPr/>
+        </p:nvSpPr>
+        <p:spPr>
+          <a:xfrm>
+            <a:off x="11476290" y="7529143"/>
+            <a:ext cx="1632857" cy="204726"/>
+          </a:xfrm>
+          <a:prstGeom prst="rect">
+            <a:avLst/>
+          </a:prstGeom>
+          <a:ln>
+            <a:solidFill>
+              <a:schemeClr val="tx1"/>
+            </a:solidFill>
+          </a:ln>
+        </p:spPr>
+        <p:style>
+          <a:lnRef idx="2">
+            <a:schemeClr val="accent6"/>
+          </a:lnRef>
+          <a:fillRef idx="1">
+            <a:schemeClr val="lt1"/>
+          </a:fillRef>
+          <a:effectRef idx="0">
+            <a:schemeClr val="accent6"/>
+          </a:effectRef>
+          <a:fontRef idx="minor">
+            <a:schemeClr val="dk1"/>
+          </a:fontRef>
+        </p:style>
+        <p:txBody>
+          <a:bodyPr rot="0" spcFirstLastPara="0" vertOverflow="overflow" horzOverflow="overflow" vert="horz" wrap="square" lIns="91440" tIns="45720" rIns="91440" bIns="45720" numCol="1" spcCol="0" rtlCol="0" fromWordArt="0" anchor="ctr" anchorCtr="0" forceAA="0" compatLnSpc="1">
+            <a:prstTxWarp prst="textNoShape">
+              <a:avLst/>
+            </a:prstTxWarp>
+            <a:noAutofit/>
+          </a:bodyPr>
+          <a:lstStyle/>
+          <a:p>
+            <a:pPr algn="ctr"/>
+            <a:r>
+              <a:rPr lang="en-US" sz="1050" dirty="0"/>
+              <a:t>FCOJ arrives at S</a:t>
+            </a:r>
+          </a:p>
+        </p:txBody>
+      </p:sp>
+      <p:sp>
+        <p:nvSpPr>
+          <p:cNvPr id="150" name="Rectangle 149"/>
+          <p:cNvSpPr/>
+          <p:nvPr/>
+        </p:nvSpPr>
+        <p:spPr>
+          <a:xfrm>
+            <a:off x="11486684" y="8187265"/>
+            <a:ext cx="1632857" cy="204726"/>
+          </a:xfrm>
+          <a:prstGeom prst="rect">
+            <a:avLst/>
+          </a:prstGeom>
+          <a:ln>
+            <a:solidFill>
+              <a:schemeClr val="tx1"/>
+            </a:solidFill>
+          </a:ln>
+        </p:spPr>
+        <p:style>
+          <a:lnRef idx="2">
+            <a:schemeClr val="accent6"/>
+          </a:lnRef>
+          <a:fillRef idx="1">
+            <a:schemeClr val="lt1"/>
+          </a:fillRef>
+          <a:effectRef idx="0">
+            <a:schemeClr val="accent6"/>
+          </a:effectRef>
+          <a:fontRef idx="minor">
+            <a:schemeClr val="dk1"/>
+          </a:fontRef>
+        </p:style>
+        <p:txBody>
+          <a:bodyPr rot="0" spcFirstLastPara="0" vertOverflow="overflow" horzOverflow="overflow" vert="horz" wrap="square" lIns="91440" tIns="45720" rIns="91440" bIns="45720" numCol="1" spcCol="0" rtlCol="0" fromWordArt="0" anchor="ctr" anchorCtr="0" forceAA="0" compatLnSpc="1">
+            <a:prstTxWarp prst="textNoShape">
+              <a:avLst/>
+            </a:prstTxWarp>
+            <a:noAutofit/>
+          </a:bodyPr>
+          <a:lstStyle/>
+          <a:p>
+            <a:pPr algn="ctr"/>
+            <a:r>
+              <a:rPr lang="en-US" sz="1050" dirty="0"/>
+              <a:t>ORA arrives at S</a:t>
+            </a:r>
+          </a:p>
+        </p:txBody>
+      </p:sp>
+      <p:cxnSp>
+        <p:nvCxnSpPr>
+          <p:cNvPr id="151" name="Straight Arrow Connector 150"/>
+          <p:cNvCxnSpPr/>
+          <p:nvPr/>
+        </p:nvCxnSpPr>
+        <p:spPr>
+          <a:xfrm flipV="1">
+            <a:off x="10510429" y="7631507"/>
+            <a:ext cx="965861" cy="1175657"/>
+          </a:xfrm>
+          <a:prstGeom prst="straightConnector1">
+            <a:avLst/>
+          </a:prstGeom>
+          <a:ln>
+            <a:tailEnd type="triangle"/>
+          </a:ln>
+        </p:spPr>
+        <p:style>
+          <a:lnRef idx="1">
+            <a:schemeClr val="accent1"/>
+          </a:lnRef>
+          <a:fillRef idx="0">
+            <a:schemeClr val="accent1"/>
+          </a:fillRef>
+          <a:effectRef idx="0">
+            <a:schemeClr val="accent1"/>
+          </a:effectRef>
+          <a:fontRef idx="minor">
+            <a:schemeClr val="tx1"/>
+          </a:fontRef>
+        </p:style>
+      </p:cxnSp>
+      <p:cxnSp>
+        <p:nvCxnSpPr>
+          <p:cNvPr id="152" name="Straight Arrow Connector 151"/>
+          <p:cNvCxnSpPr/>
+          <p:nvPr/>
+        </p:nvCxnSpPr>
+        <p:spPr>
+          <a:xfrm flipV="1">
+            <a:off x="10510429" y="8289628"/>
+            <a:ext cx="976255" cy="1049956"/>
+          </a:xfrm>
+          <a:prstGeom prst="straightConnector1">
+            <a:avLst/>
+          </a:prstGeom>
+          <a:ln>
+            <a:tailEnd type="triangle"/>
+          </a:ln>
+        </p:spPr>
+        <p:style>
+          <a:lnRef idx="1">
+            <a:schemeClr val="accent1"/>
+          </a:lnRef>
+          <a:fillRef idx="0">
+            <a:schemeClr val="accent1"/>
+          </a:fillRef>
+          <a:effectRef idx="0">
+            <a:schemeClr val="accent1"/>
+          </a:effectRef>
+          <a:fontRef idx="minor">
+            <a:schemeClr val="tx1"/>
+          </a:fontRef>
+        </p:style>
+      </p:cxnSp>
+      <p:cxnSp>
+        <p:nvCxnSpPr>
+          <p:cNvPr id="153" name="Straight Arrow Connector 152"/>
+          <p:cNvCxnSpPr/>
+          <p:nvPr/>
+        </p:nvCxnSpPr>
+        <p:spPr>
+          <a:xfrm flipV="1">
+            <a:off x="10510429" y="8289629"/>
+            <a:ext cx="976254" cy="1582377"/>
+          </a:xfrm>
+          <a:prstGeom prst="straightConnector1">
+            <a:avLst/>
+          </a:prstGeom>
+          <a:ln>
+            <a:tailEnd type="triangle"/>
+          </a:ln>
+        </p:spPr>
+        <p:style>
+          <a:lnRef idx="1">
+            <a:schemeClr val="accent1"/>
+          </a:lnRef>
+          <a:fillRef idx="0">
+            <a:schemeClr val="accent1"/>
+          </a:fillRef>
+          <a:effectRef idx="0">
+            <a:schemeClr val="accent1"/>
+          </a:effectRef>
+          <a:fontRef idx="minor">
+            <a:schemeClr val="tx1"/>
+          </a:fontRef>
+        </p:style>
+      </p:cxnSp>
+      <p:sp>
+        <p:nvSpPr>
+          <p:cNvPr id="154" name="Rectangle 153"/>
+          <p:cNvSpPr/>
+          <p:nvPr/>
+        </p:nvSpPr>
+        <p:spPr>
+          <a:xfrm>
+            <a:off x="11476289" y="8951471"/>
+            <a:ext cx="1632857" cy="204726"/>
+          </a:xfrm>
+          <a:prstGeom prst="rect">
+            <a:avLst/>
+          </a:prstGeom>
+          <a:ln>
+            <a:solidFill>
+              <a:schemeClr val="tx1"/>
+            </a:solidFill>
+          </a:ln>
+        </p:spPr>
+        <p:style>
+          <a:lnRef idx="2">
+            <a:schemeClr val="accent6"/>
+          </a:lnRef>
+          <a:fillRef idx="1">
+            <a:schemeClr val="lt1"/>
+          </a:fillRef>
+          <a:effectRef idx="0">
+            <a:schemeClr val="accent6"/>
+          </a:effectRef>
+          <a:fontRef idx="minor">
+            <a:schemeClr val="dk1"/>
+          </a:fontRef>
+        </p:style>
+        <p:txBody>
+          <a:bodyPr rot="0" spcFirstLastPara="0" vertOverflow="overflow" horzOverflow="overflow" vert="horz" wrap="square" lIns="91440" tIns="45720" rIns="91440" bIns="45720" numCol="1" spcCol="0" rtlCol="0" fromWordArt="0" anchor="ctr" anchorCtr="0" forceAA="0" compatLnSpc="1">
+            <a:prstTxWarp prst="textNoShape">
+              <a:avLst/>
+            </a:prstTxWarp>
+            <a:noAutofit/>
+          </a:bodyPr>
+          <a:lstStyle/>
+          <a:p>
+            <a:pPr algn="ctr"/>
+            <a:r>
+              <a:rPr lang="en-US" sz="1050" dirty="0"/>
+              <a:t>ORA arrives </a:t>
+            </a:r>
+            <a:r>
+              <a:rPr lang="en-US" sz="1050"/>
+              <a:t>at P</a:t>
+            </a:r>
+            <a:endParaRPr lang="en-US" sz="1050" dirty="0"/>
+          </a:p>
+        </p:txBody>
+      </p:sp>
+      <p:cxnSp>
+        <p:nvCxnSpPr>
+          <p:cNvPr id="155" name="Straight Arrow Connector 154"/>
+          <p:cNvCxnSpPr/>
+          <p:nvPr/>
+        </p:nvCxnSpPr>
+        <p:spPr>
+          <a:xfrm flipV="1">
+            <a:off x="10510430" y="9053835"/>
+            <a:ext cx="965859" cy="818171"/>
+          </a:xfrm>
+          <a:prstGeom prst="straightConnector1">
+            <a:avLst/>
+          </a:prstGeom>
+          <a:ln>
+            <a:tailEnd type="triangle"/>
+          </a:ln>
+        </p:spPr>
+        <p:style>
+          <a:lnRef idx="1">
+            <a:schemeClr val="accent1"/>
+          </a:lnRef>
+          <a:fillRef idx="0">
+            <a:schemeClr val="accent1"/>
+          </a:fillRef>
+          <a:effectRef idx="0">
+            <a:schemeClr val="accent1"/>
+          </a:effectRef>
+          <a:fontRef idx="minor">
+            <a:schemeClr val="tx1"/>
+          </a:fontRef>
+        </p:style>
+      </p:cxnSp>
+      <p:cxnSp>
+        <p:nvCxnSpPr>
+          <p:cNvPr id="156" name="Straight Arrow Connector 155"/>
+          <p:cNvCxnSpPr/>
+          <p:nvPr/>
+        </p:nvCxnSpPr>
+        <p:spPr>
+          <a:xfrm flipV="1">
+            <a:off x="10510428" y="9053834"/>
+            <a:ext cx="965860" cy="285750"/>
+          </a:xfrm>
+          <a:prstGeom prst="straightConnector1">
+            <a:avLst/>
+          </a:prstGeom>
+          <a:ln>
+            <a:tailEnd type="triangle"/>
+          </a:ln>
+        </p:spPr>
+        <p:style>
+          <a:lnRef idx="1">
+            <a:schemeClr val="accent1"/>
+          </a:lnRef>
+          <a:fillRef idx="0">
+            <a:schemeClr val="accent1"/>
+          </a:fillRef>
+          <a:effectRef idx="0">
+            <a:schemeClr val="accent1"/>
+          </a:effectRef>
+          <a:fontRef idx="minor">
+            <a:schemeClr val="tx1"/>
+          </a:fontRef>
+        </p:style>
+      </p:cxnSp>
+      <p:cxnSp>
+        <p:nvCxnSpPr>
+          <p:cNvPr id="161" name="Straight Arrow Connector 160"/>
+          <p:cNvCxnSpPr/>
+          <p:nvPr/>
+        </p:nvCxnSpPr>
+        <p:spPr>
+          <a:xfrm flipH="1" flipV="1">
+            <a:off x="12303112" y="7962675"/>
+            <a:ext cx="1" cy="224590"/>
+          </a:xfrm>
+          <a:prstGeom prst="straightConnector1">
+            <a:avLst/>
+          </a:prstGeom>
+          <a:ln>
+            <a:solidFill>
+              <a:srgbClr val="00B050"/>
+            </a:solidFill>
+            <a:tailEnd type="triangle"/>
+          </a:ln>
+        </p:spPr>
+        <p:style>
+          <a:lnRef idx="1">
+            <a:schemeClr val="accent2"/>
+          </a:lnRef>
+          <a:fillRef idx="0">
+            <a:schemeClr val="accent2"/>
+          </a:fillRef>
+          <a:effectRef idx="0">
+            <a:schemeClr val="accent2"/>
+          </a:effectRef>
+          <a:fontRef idx="minor">
+            <a:schemeClr val="tx1"/>
+          </a:fontRef>
+        </p:style>
+      </p:cxnSp>
+      <p:cxnSp>
+        <p:nvCxnSpPr>
+          <p:cNvPr id="162" name="Straight Arrow Connector 161"/>
+          <p:cNvCxnSpPr/>
+          <p:nvPr/>
+        </p:nvCxnSpPr>
+        <p:spPr>
+          <a:xfrm flipH="1" flipV="1">
+            <a:off x="12292716" y="7295881"/>
+            <a:ext cx="1" cy="224590"/>
+          </a:xfrm>
+          <a:prstGeom prst="straightConnector1">
+            <a:avLst/>
+          </a:prstGeom>
+          <a:ln>
+            <a:solidFill>
+              <a:srgbClr val="00B050"/>
+            </a:solidFill>
+            <a:tailEnd type="triangle"/>
+          </a:ln>
+        </p:spPr>
+        <p:style>
+          <a:lnRef idx="1">
+            <a:schemeClr val="accent2"/>
+          </a:lnRef>
+          <a:fillRef idx="0">
+            <a:schemeClr val="accent2"/>
+          </a:fillRef>
+          <a:effectRef idx="0">
+            <a:schemeClr val="accent2"/>
+          </a:effectRef>
+          <a:fontRef idx="minor">
+            <a:schemeClr val="tx1"/>
+          </a:fontRef>
+        </p:style>
+      </p:cxnSp>
+      <p:sp>
+        <p:nvSpPr>
+          <p:cNvPr id="163" name="Rectangle 162"/>
+          <p:cNvSpPr/>
+          <p:nvPr/>
+        </p:nvSpPr>
+        <p:spPr>
+          <a:xfrm>
+            <a:off x="11486683" y="12014152"/>
+            <a:ext cx="1632857" cy="204726"/>
+          </a:xfrm>
+          <a:prstGeom prst="rect">
+            <a:avLst/>
+          </a:prstGeom>
+          <a:ln>
+            <a:solidFill>
+              <a:schemeClr val="tx1"/>
+            </a:solidFill>
+          </a:ln>
+        </p:spPr>
+        <p:style>
+          <a:lnRef idx="2">
+            <a:schemeClr val="accent6"/>
+          </a:lnRef>
+          <a:fillRef idx="1">
+            <a:schemeClr val="lt1"/>
+          </a:fillRef>
+          <a:effectRef idx="0">
+            <a:schemeClr val="accent6"/>
+          </a:effectRef>
+          <a:fontRef idx="minor">
+            <a:schemeClr val="dk1"/>
+          </a:fontRef>
+        </p:style>
+        <p:txBody>
+          <a:bodyPr rot="0" spcFirstLastPara="0" vertOverflow="overflow" horzOverflow="overflow" vert="horz" wrap="square" lIns="91440" tIns="45720" rIns="91440" bIns="45720" numCol="1" spcCol="0" rtlCol="0" fromWordArt="0" anchor="ctr" anchorCtr="0" forceAA="0" compatLnSpc="1">
+            <a:prstTxWarp prst="textNoShape">
+              <a:avLst/>
+            </a:prstTxWarp>
+            <a:noAutofit/>
+          </a:bodyPr>
+          <a:lstStyle/>
+          <a:p>
+            <a:pPr algn="ctr"/>
+            <a:r>
+              <a:rPr lang="en-US" sz="1100" dirty="0"/>
+              <a:t>Buy ORA from groves</a:t>
+            </a:r>
+          </a:p>
+        </p:txBody>
+      </p:sp>
+      <p:sp>
+        <p:nvSpPr>
+          <p:cNvPr id="164" name="Rectangle 163"/>
+          <p:cNvSpPr/>
+          <p:nvPr/>
+        </p:nvSpPr>
+        <p:spPr>
+          <a:xfrm>
+            <a:off x="11486682" y="11481731"/>
+            <a:ext cx="1632857" cy="204726"/>
+          </a:xfrm>
+          <a:prstGeom prst="rect">
+            <a:avLst/>
+          </a:prstGeom>
+          <a:ln>
+            <a:solidFill>
+              <a:schemeClr val="tx1"/>
+            </a:solidFill>
+          </a:ln>
+        </p:spPr>
+        <p:style>
+          <a:lnRef idx="2">
+            <a:schemeClr val="accent6"/>
+          </a:lnRef>
+          <a:fillRef idx="1">
+            <a:schemeClr val="lt1"/>
+          </a:fillRef>
+          <a:effectRef idx="0">
+            <a:schemeClr val="accent6"/>
+          </a:effectRef>
+          <a:fontRef idx="minor">
+            <a:schemeClr val="dk1"/>
+          </a:fontRef>
+        </p:style>
+        <p:txBody>
+          <a:bodyPr rot="0" spcFirstLastPara="0" vertOverflow="overflow" horzOverflow="overflow" vert="horz" wrap="square" lIns="91440" tIns="45720" rIns="91440" bIns="45720" numCol="1" spcCol="0" rtlCol="0" fromWordArt="0" anchor="ctr" anchorCtr="0" forceAA="0" compatLnSpc="1">
+            <a:prstTxWarp prst="textNoShape">
+              <a:avLst/>
+            </a:prstTxWarp>
+            <a:noAutofit/>
+          </a:bodyPr>
+          <a:lstStyle/>
+          <a:p>
+            <a:pPr algn="ctr"/>
+            <a:r>
+              <a:rPr lang="en-US" sz="1100" dirty="0"/>
+              <a:t>ORA futures arrive at FLA</a:t>
+            </a:r>
+          </a:p>
+        </p:txBody>
+      </p:sp>
+      <p:sp>
+        <p:nvSpPr>
+          <p:cNvPr id="165" name="Rectangle 164"/>
+          <p:cNvSpPr/>
+          <p:nvPr/>
+        </p:nvSpPr>
+        <p:spPr>
+          <a:xfrm>
+            <a:off x="11486682" y="10949310"/>
+            <a:ext cx="1632857" cy="204726"/>
+          </a:xfrm>
+          <a:prstGeom prst="rect">
+            <a:avLst/>
+          </a:prstGeom>
+          <a:ln>
+            <a:solidFill>
+              <a:schemeClr val="tx1"/>
+            </a:solidFill>
+          </a:ln>
+        </p:spPr>
+        <p:style>
+          <a:lnRef idx="2">
+            <a:schemeClr val="accent6"/>
+          </a:lnRef>
+          <a:fillRef idx="1">
+            <a:schemeClr val="lt1"/>
+          </a:fillRef>
+          <a:effectRef idx="0">
+            <a:schemeClr val="accent6"/>
+          </a:effectRef>
+          <a:fontRef idx="minor">
+            <a:schemeClr val="dk1"/>
+          </a:fontRef>
+        </p:style>
+        <p:txBody>
+          <a:bodyPr rot="0" spcFirstLastPara="0" vertOverflow="overflow" horzOverflow="overflow" vert="horz" wrap="square" lIns="91440" tIns="45720" rIns="91440" bIns="45720" numCol="1" spcCol="0" rtlCol="0" fromWordArt="0" anchor="ctr" anchorCtr="0" forceAA="0" compatLnSpc="1">
+            <a:prstTxWarp prst="textNoShape">
+              <a:avLst/>
+            </a:prstTxWarp>
+            <a:noAutofit/>
+          </a:bodyPr>
+          <a:lstStyle/>
+          <a:p>
+            <a:pPr algn="ctr"/>
+            <a:r>
+              <a:rPr lang="en-US" sz="1050" dirty="0"/>
+              <a:t>FCOJ futures arrive at FLA</a:t>
+            </a:r>
+          </a:p>
+        </p:txBody>
+      </p:sp>
     </p:spTree>
     <p:extLst>
       <p:ext uri="{BB962C8B-B14F-4D97-AF65-F5344CB8AC3E}">
@@ -4391,7 +6847,7 @@
 <file path=ppt/theme/theme1.xml><?xml version="1.0" encoding="utf-8"?>
 <a:theme xmlns:a="http://schemas.openxmlformats.org/drawingml/2006/main" name="Office Theme">
   <a:themeElements>
-    <a:clrScheme name="Office">
+    <a:clrScheme name="Office Theme">
       <a:dk1>
         <a:sysClr val="windowText" lastClr="000000"/>
       </a:dk1>
@@ -4429,7 +6885,7 @@
         <a:srgbClr val="954F72"/>
       </a:folHlink>
     </a:clrScheme>
-    <a:fontScheme name="Office">
+    <a:fontScheme name="Office Theme">
       <a:majorFont>
         <a:latin typeface="Calibri Light" panose="020F0302020204030204"/>
         <a:ea typeface=""/>
@@ -4501,7 +6957,7 @@
         <a:font script="Geor" typeface="Sylfaen"/>
       </a:minorFont>
     </a:fontScheme>
-    <a:fmtScheme name="Office">
+    <a:fmtScheme name="Office Theme">
       <a:fillStyleLst>
         <a:solidFill>
           <a:schemeClr val="phClr"/>
